--- a/presentations/Review 2 - Project Progress Presentation 2020.pptx
+++ b/presentations/Review 2 - Project Progress Presentation 2020.pptx
@@ -71,19 +71,14 @@
             <a:noAutofit/>
           </a:bodyPr>
           <a:p>
-            <a:r>
-              <a:rPr b="0" lang="en-US" sz="1800" spc="-1" strike="noStrike">
-                <a:solidFill>
-                  <a:srgbClr val="000000"/>
-                </a:solidFill>
+            <a:pPr algn="ctr"/>
+            <a:r>
+              <a:rPr b="0" lang="en-IN" sz="4400" spc="-1" strike="noStrike">
                 <a:latin typeface="Arial"/>
               </a:rPr>
               <a:t>Click to move the slide</a:t>
             </a:r>
-            <a:endParaRPr b="0" lang="en-US" sz="1800" spc="-1" strike="noStrike">
-              <a:solidFill>
-                <a:srgbClr val="000000"/>
-              </a:solidFill>
+            <a:endParaRPr b="0" lang="en-IN" sz="4400" spc="-1" strike="noStrike">
               <a:latin typeface="Arial"/>
             </a:endParaRPr>
           </a:p>
@@ -259,7 +254,7 @@
           </a:bodyPr>
           <a:p>
             <a:pPr algn="r"/>
-            <a:fld id="{E53AD9DD-D8E6-4B4C-A103-838AA11E1263}" type="slidenum">
+            <a:fld id="{91595A53-19CC-4917-8F50-2644EC7B63B0}" type="slidenum">
               <a:rPr b="0" lang="en-IN" sz="1400" spc="-1" strike="noStrike">
                 <a:latin typeface="Times New Roman"/>
               </a:rPr>
@@ -307,7 +302,7 @@
         <p:spPr>
           <a:xfrm>
             <a:off x="680400" y="4690800"/>
-            <a:ext cx="5436720" cy="4441680"/>
+            <a:ext cx="5436360" cy="4441320"/>
           </a:xfrm>
           <a:prstGeom prst="rect">
             <a:avLst/>
@@ -333,7 +328,7 @@
         <p:spPr>
           <a:xfrm>
             <a:off x="3849840" y="9378360"/>
-            <a:ext cx="2945160" cy="492480"/>
+            <a:ext cx="2944800" cy="492120"/>
           </a:xfrm>
           <a:prstGeom prst="rect">
             <a:avLst/>
@@ -359,7 +354,7 @@
                 <a:spcPct val="100000"/>
               </a:lnSpc>
             </a:pPr>
-            <a:fld id="{B838B0C8-9907-4D5B-AA00-CB524156EF64}" type="slidenum">
+            <a:fld id="{CEE71D06-3EFC-449E-846E-A9672EAF01DD}" type="slidenum">
               <a:rPr b="0" lang="en-IN" sz="1400" spc="-1" strike="noStrike">
                 <a:solidFill>
                   <a:srgbClr val="000000"/>
@@ -410,7 +405,7 @@
         <p:spPr>
           <a:xfrm>
             <a:off x="680400" y="4690800"/>
-            <a:ext cx="5436720" cy="4441680"/>
+            <a:ext cx="5436360" cy="4441320"/>
           </a:xfrm>
           <a:prstGeom prst="rect">
             <a:avLst/>
@@ -436,7 +431,7 @@
         <p:spPr>
           <a:xfrm>
             <a:off x="3849840" y="9378360"/>
-            <a:ext cx="2945160" cy="492480"/>
+            <a:ext cx="2944800" cy="492120"/>
           </a:xfrm>
           <a:prstGeom prst="rect">
             <a:avLst/>
@@ -462,7 +457,7 @@
                 <a:spcPct val="100000"/>
               </a:lnSpc>
             </a:pPr>
-            <a:fld id="{001A2A8A-1BE9-48DC-B0B6-01FDC068254D}" type="slidenum">
+            <a:fld id="{774718DD-9826-425F-B968-378F91976ED3}" type="slidenum">
               <a:rPr b="0" lang="en-IN" sz="1400" spc="-1" strike="noStrike">
                 <a:solidFill>
                   <a:srgbClr val="000000"/>
@@ -513,7 +508,7 @@
         <p:spPr>
           <a:xfrm>
             <a:off x="680400" y="4690800"/>
-            <a:ext cx="5436720" cy="4441680"/>
+            <a:ext cx="5436360" cy="4441320"/>
           </a:xfrm>
           <a:prstGeom prst="rect">
             <a:avLst/>
@@ -539,7 +534,7 @@
         <p:spPr>
           <a:xfrm>
             <a:off x="3849840" y="9378360"/>
-            <a:ext cx="2944800" cy="492840"/>
+            <a:ext cx="2944440" cy="492480"/>
           </a:xfrm>
           <a:prstGeom prst="rect">
             <a:avLst/>
@@ -565,7 +560,7 @@
                 <a:spcPct val="100000"/>
               </a:lnSpc>
             </a:pPr>
-            <a:fld id="{093D7812-2EE9-4694-8CF8-B8D8DC65AE5E}" type="slidenum">
+            <a:fld id="{1C7C0B72-45E9-4B20-9276-AA7DF1141F85}" type="slidenum">
               <a:rPr b="0" lang="en-IN" sz="1400" spc="-1" strike="noStrike">
                 <a:solidFill>
                   <a:srgbClr val="000000"/>
@@ -616,7 +611,7 @@
         <p:spPr>
           <a:xfrm>
             <a:off x="680400" y="4690800"/>
-            <a:ext cx="5436720" cy="4441680"/>
+            <a:ext cx="5436360" cy="4441320"/>
           </a:xfrm>
           <a:prstGeom prst="rect">
             <a:avLst/>
@@ -642,7 +637,7 @@
         <p:spPr>
           <a:xfrm>
             <a:off x="3849840" y="9378360"/>
-            <a:ext cx="2944800" cy="492840"/>
+            <a:ext cx="2944440" cy="492480"/>
           </a:xfrm>
           <a:prstGeom prst="rect">
             <a:avLst/>
@@ -668,7 +663,7 @@
                 <a:spcPct val="100000"/>
               </a:lnSpc>
             </a:pPr>
-            <a:fld id="{FF8C0071-C147-4A5D-9B71-1F26D5630B66}" type="slidenum">
+            <a:fld id="{3465E582-3450-4C86-8263-31D2A2422883}" type="slidenum">
               <a:rPr b="0" lang="en-IN" sz="1400" spc="-1" strike="noStrike">
                 <a:solidFill>
                   <a:srgbClr val="000000"/>
@@ -719,7 +714,7 @@
         <p:spPr>
           <a:xfrm>
             <a:off x="680400" y="4690800"/>
-            <a:ext cx="5436720" cy="4441680"/>
+            <a:ext cx="5436360" cy="4441320"/>
           </a:xfrm>
           <a:prstGeom prst="rect">
             <a:avLst/>
@@ -745,7 +740,7 @@
         <p:spPr>
           <a:xfrm>
             <a:off x="3849840" y="9378360"/>
-            <a:ext cx="2944800" cy="492840"/>
+            <a:ext cx="2944440" cy="492480"/>
           </a:xfrm>
           <a:prstGeom prst="rect">
             <a:avLst/>
@@ -771,7 +766,7 @@
                 <a:spcPct val="100000"/>
               </a:lnSpc>
             </a:pPr>
-            <a:fld id="{602428D1-754D-47B7-9163-21AB3486F938}" type="slidenum">
+            <a:fld id="{7ADBA6F5-ADD2-4E29-81FD-5661DFDBA29B}" type="slidenum">
               <a:rPr b="0" lang="en-IN" sz="1400" spc="-1" strike="noStrike">
                 <a:solidFill>
                   <a:srgbClr val="000000"/>
@@ -822,7 +817,7 @@
         <p:spPr>
           <a:xfrm>
             <a:off x="680400" y="4690800"/>
-            <a:ext cx="5436720" cy="4441680"/>
+            <a:ext cx="5436360" cy="4441320"/>
           </a:xfrm>
           <a:prstGeom prst="rect">
             <a:avLst/>
@@ -848,7 +843,7 @@
         <p:spPr>
           <a:xfrm>
             <a:off x="3849840" y="9378360"/>
-            <a:ext cx="2944800" cy="492840"/>
+            <a:ext cx="2944440" cy="492480"/>
           </a:xfrm>
           <a:prstGeom prst="rect">
             <a:avLst/>
@@ -874,7 +869,7 @@
                 <a:spcPct val="100000"/>
               </a:lnSpc>
             </a:pPr>
-            <a:fld id="{C94D63ED-8221-4259-BC64-78E3F2BA4C52}" type="slidenum">
+            <a:fld id="{71121606-EB88-4DB1-BD69-7AEFC6F674F9}" type="slidenum">
               <a:rPr b="0" lang="en-IN" sz="1400" spc="-1" strike="noStrike">
                 <a:solidFill>
                   <a:srgbClr val="000000"/>
@@ -925,7 +920,7 @@
         <p:spPr>
           <a:xfrm>
             <a:off x="680400" y="4690800"/>
-            <a:ext cx="5436720" cy="4441680"/>
+            <a:ext cx="5436360" cy="4441320"/>
           </a:xfrm>
           <a:prstGeom prst="rect">
             <a:avLst/>
@@ -951,7 +946,7 @@
         <p:spPr>
           <a:xfrm>
             <a:off x="3849840" y="9378360"/>
-            <a:ext cx="2945160" cy="492480"/>
+            <a:ext cx="2944800" cy="492120"/>
           </a:xfrm>
           <a:prstGeom prst="rect">
             <a:avLst/>
@@ -977,7 +972,7 @@
                 <a:spcPct val="100000"/>
               </a:lnSpc>
             </a:pPr>
-            <a:fld id="{3ADC9F34-84F7-4DF8-91EA-22A8BA539DAF}" type="slidenum">
+            <a:fld id="{161BC15F-C65F-4766-BE38-2DBD79506AD9}" type="slidenum">
               <a:rPr b="0" lang="en-IN" sz="1400" spc="-1" strike="noStrike">
                 <a:solidFill>
                   <a:srgbClr val="000000"/>
@@ -1061,10 +1056,8 @@
             <a:noAutofit/>
           </a:bodyPr>
           <a:p>
-            <a:endParaRPr b="0" lang="en-US" sz="1800" spc="-1" strike="noStrike">
-              <a:solidFill>
-                <a:srgbClr val="000000"/>
-              </a:solidFill>
+            <a:pPr algn="ctr"/>
+            <a:endParaRPr b="0" lang="en-IN" sz="4400" spc="-1" strike="noStrike">
               <a:latin typeface="Arial"/>
             </a:endParaRPr>
           </a:p>
@@ -1094,10 +1087,7 @@
             <a:normAutofit/>
           </a:bodyPr>
           <a:p>
-            <a:endParaRPr b="0" lang="en-US" sz="2800" spc="-1" strike="noStrike">
-              <a:solidFill>
-                <a:srgbClr val="000000"/>
-              </a:solidFill>
+            <a:endParaRPr b="0" lang="en-IN" sz="3200" spc="-1" strike="noStrike">
               <a:latin typeface="Arial"/>
             </a:endParaRPr>
           </a:p>
@@ -1127,10 +1117,7 @@
             <a:normAutofit/>
           </a:bodyPr>
           <a:p>
-            <a:endParaRPr b="0" lang="en-US" sz="2800" spc="-1" strike="noStrike">
-              <a:solidFill>
-                <a:srgbClr val="000000"/>
-              </a:solidFill>
+            <a:endParaRPr b="0" lang="en-IN" sz="3200" spc="-1" strike="noStrike">
               <a:latin typeface="Arial"/>
             </a:endParaRPr>
           </a:p>
@@ -1182,10 +1169,8 @@
             <a:noAutofit/>
           </a:bodyPr>
           <a:p>
-            <a:endParaRPr b="0" lang="en-US" sz="1800" spc="-1" strike="noStrike">
-              <a:solidFill>
-                <a:srgbClr val="000000"/>
-              </a:solidFill>
+            <a:pPr algn="ctr"/>
+            <a:endParaRPr b="0" lang="en-IN" sz="4400" spc="-1" strike="noStrike">
               <a:latin typeface="Arial"/>
             </a:endParaRPr>
           </a:p>
@@ -1215,10 +1200,7 @@
             <a:normAutofit/>
           </a:bodyPr>
           <a:p>
-            <a:endParaRPr b="0" lang="en-US" sz="2800" spc="-1" strike="noStrike">
-              <a:solidFill>
-                <a:srgbClr val="000000"/>
-              </a:solidFill>
+            <a:endParaRPr b="0" lang="en-IN" sz="3200" spc="-1" strike="noStrike">
               <a:latin typeface="Arial"/>
             </a:endParaRPr>
           </a:p>
@@ -1248,10 +1230,7 @@
             <a:normAutofit/>
           </a:bodyPr>
           <a:p>
-            <a:endParaRPr b="0" lang="en-US" sz="2800" spc="-1" strike="noStrike">
-              <a:solidFill>
-                <a:srgbClr val="000000"/>
-              </a:solidFill>
+            <a:endParaRPr b="0" lang="en-IN" sz="3200" spc="-1" strike="noStrike">
               <a:latin typeface="Arial"/>
             </a:endParaRPr>
           </a:p>
@@ -1281,10 +1260,7 @@
             <a:normAutofit/>
           </a:bodyPr>
           <a:p>
-            <a:endParaRPr b="0" lang="en-US" sz="2800" spc="-1" strike="noStrike">
-              <a:solidFill>
-                <a:srgbClr val="000000"/>
-              </a:solidFill>
+            <a:endParaRPr b="0" lang="en-IN" sz="3200" spc="-1" strike="noStrike">
               <a:latin typeface="Arial"/>
             </a:endParaRPr>
           </a:p>
@@ -1314,10 +1290,7 @@
             <a:normAutofit/>
           </a:bodyPr>
           <a:p>
-            <a:endParaRPr b="0" lang="en-US" sz="2800" spc="-1" strike="noStrike">
-              <a:solidFill>
-                <a:srgbClr val="000000"/>
-              </a:solidFill>
+            <a:endParaRPr b="0" lang="en-IN" sz="3200" spc="-1" strike="noStrike">
               <a:latin typeface="Arial"/>
             </a:endParaRPr>
           </a:p>
@@ -1369,10 +1342,8 @@
             <a:noAutofit/>
           </a:bodyPr>
           <a:p>
-            <a:endParaRPr b="0" lang="en-US" sz="1800" spc="-1" strike="noStrike">
-              <a:solidFill>
-                <a:srgbClr val="000000"/>
-              </a:solidFill>
+            <a:pPr algn="ctr"/>
+            <a:endParaRPr b="0" lang="en-IN" sz="4400" spc="-1" strike="noStrike">
               <a:latin typeface="Arial"/>
             </a:endParaRPr>
           </a:p>
@@ -1402,10 +1373,7 @@
             <a:normAutofit/>
           </a:bodyPr>
           <a:p>
-            <a:endParaRPr b="0" lang="en-US" sz="2800" spc="-1" strike="noStrike">
-              <a:solidFill>
-                <a:srgbClr val="000000"/>
-              </a:solidFill>
+            <a:endParaRPr b="0" lang="en-IN" sz="3200" spc="-1" strike="noStrike">
               <a:latin typeface="Arial"/>
             </a:endParaRPr>
           </a:p>
@@ -1435,10 +1403,7 @@
             <a:normAutofit/>
           </a:bodyPr>
           <a:p>
-            <a:endParaRPr b="0" lang="en-US" sz="2800" spc="-1" strike="noStrike">
-              <a:solidFill>
-                <a:srgbClr val="000000"/>
-              </a:solidFill>
+            <a:endParaRPr b="0" lang="en-IN" sz="3200" spc="-1" strike="noStrike">
               <a:latin typeface="Arial"/>
             </a:endParaRPr>
           </a:p>
@@ -1468,10 +1433,7 @@
             <a:normAutofit/>
           </a:bodyPr>
           <a:p>
-            <a:endParaRPr b="0" lang="en-US" sz="2800" spc="-1" strike="noStrike">
-              <a:solidFill>
-                <a:srgbClr val="000000"/>
-              </a:solidFill>
+            <a:endParaRPr b="0" lang="en-IN" sz="3200" spc="-1" strike="noStrike">
               <a:latin typeface="Arial"/>
             </a:endParaRPr>
           </a:p>
@@ -1501,10 +1463,7 @@
             <a:normAutofit/>
           </a:bodyPr>
           <a:p>
-            <a:endParaRPr b="0" lang="en-US" sz="2800" spc="-1" strike="noStrike">
-              <a:solidFill>
-                <a:srgbClr val="000000"/>
-              </a:solidFill>
+            <a:endParaRPr b="0" lang="en-IN" sz="3200" spc="-1" strike="noStrike">
               <a:latin typeface="Arial"/>
             </a:endParaRPr>
           </a:p>
@@ -1534,10 +1493,7 @@
             <a:normAutofit/>
           </a:bodyPr>
           <a:p>
-            <a:endParaRPr b="0" lang="en-US" sz="2800" spc="-1" strike="noStrike">
-              <a:solidFill>
-                <a:srgbClr val="000000"/>
-              </a:solidFill>
+            <a:endParaRPr b="0" lang="en-IN" sz="3200" spc="-1" strike="noStrike">
               <a:latin typeface="Arial"/>
             </a:endParaRPr>
           </a:p>
@@ -1567,10 +1523,7 @@
             <a:normAutofit/>
           </a:bodyPr>
           <a:p>
-            <a:endParaRPr b="0" lang="en-US" sz="2800" spc="-1" strike="noStrike">
-              <a:solidFill>
-                <a:srgbClr val="000000"/>
-              </a:solidFill>
+            <a:endParaRPr b="0" lang="en-IN" sz="3200" spc="-1" strike="noStrike">
               <a:latin typeface="Arial"/>
             </a:endParaRPr>
           </a:p>
@@ -1622,10 +1575,8 @@
             <a:noAutofit/>
           </a:bodyPr>
           <a:p>
-            <a:endParaRPr b="0" lang="en-US" sz="1800" spc="-1" strike="noStrike">
-              <a:solidFill>
-                <a:srgbClr val="000000"/>
-              </a:solidFill>
+            <a:pPr algn="ctr"/>
+            <a:endParaRPr b="0" lang="en-IN" sz="4400" spc="-1" strike="noStrike">
               <a:latin typeface="Arial"/>
             </a:endParaRPr>
           </a:p>
@@ -1708,10 +1659,8 @@
             <a:noAutofit/>
           </a:bodyPr>
           <a:p>
-            <a:endParaRPr b="0" lang="en-US" sz="1800" spc="-1" strike="noStrike">
-              <a:solidFill>
-                <a:srgbClr val="000000"/>
-              </a:solidFill>
+            <a:pPr algn="ctr"/>
+            <a:endParaRPr b="0" lang="en-IN" sz="4400" spc="-1" strike="noStrike">
               <a:latin typeface="Arial"/>
             </a:endParaRPr>
           </a:p>
@@ -1741,10 +1690,7 @@
             <a:normAutofit/>
           </a:bodyPr>
           <a:p>
-            <a:endParaRPr b="0" lang="en-US" sz="2800" spc="-1" strike="noStrike">
-              <a:solidFill>
-                <a:srgbClr val="000000"/>
-              </a:solidFill>
+            <a:endParaRPr b="0" lang="en-IN" sz="3200" spc="-1" strike="noStrike">
               <a:latin typeface="Arial"/>
             </a:endParaRPr>
           </a:p>
@@ -1796,10 +1742,8 @@
             <a:noAutofit/>
           </a:bodyPr>
           <a:p>
-            <a:endParaRPr b="0" lang="en-US" sz="1800" spc="-1" strike="noStrike">
-              <a:solidFill>
-                <a:srgbClr val="000000"/>
-              </a:solidFill>
+            <a:pPr algn="ctr"/>
+            <a:endParaRPr b="0" lang="en-IN" sz="4400" spc="-1" strike="noStrike">
               <a:latin typeface="Arial"/>
             </a:endParaRPr>
           </a:p>
@@ -1829,10 +1773,7 @@
             <a:normAutofit/>
           </a:bodyPr>
           <a:p>
-            <a:endParaRPr b="0" lang="en-US" sz="2800" spc="-1" strike="noStrike">
-              <a:solidFill>
-                <a:srgbClr val="000000"/>
-              </a:solidFill>
+            <a:endParaRPr b="0" lang="en-IN" sz="3200" spc="-1" strike="noStrike">
               <a:latin typeface="Arial"/>
             </a:endParaRPr>
           </a:p>
@@ -1862,10 +1803,7 @@
             <a:normAutofit/>
           </a:bodyPr>
           <a:p>
-            <a:endParaRPr b="0" lang="en-US" sz="2800" spc="-1" strike="noStrike">
-              <a:solidFill>
-                <a:srgbClr val="000000"/>
-              </a:solidFill>
+            <a:endParaRPr b="0" lang="en-IN" sz="3200" spc="-1" strike="noStrike">
               <a:latin typeface="Arial"/>
             </a:endParaRPr>
           </a:p>
@@ -1917,10 +1855,8 @@
             <a:noAutofit/>
           </a:bodyPr>
           <a:p>
-            <a:endParaRPr b="0" lang="en-US" sz="1800" spc="-1" strike="noStrike">
-              <a:solidFill>
-                <a:srgbClr val="000000"/>
-              </a:solidFill>
+            <a:pPr algn="ctr"/>
+            <a:endParaRPr b="0" lang="en-IN" sz="4400" spc="-1" strike="noStrike">
               <a:latin typeface="Arial"/>
             </a:endParaRPr>
           </a:p>
@@ -2025,10 +1961,8 @@
             <a:noAutofit/>
           </a:bodyPr>
           <a:p>
-            <a:endParaRPr b="0" lang="en-US" sz="1800" spc="-1" strike="noStrike">
-              <a:solidFill>
-                <a:srgbClr val="000000"/>
-              </a:solidFill>
+            <a:pPr algn="ctr"/>
+            <a:endParaRPr b="0" lang="en-IN" sz="4400" spc="-1" strike="noStrike">
               <a:latin typeface="Arial"/>
             </a:endParaRPr>
           </a:p>
@@ -2058,10 +1992,7 @@
             <a:normAutofit/>
           </a:bodyPr>
           <a:p>
-            <a:endParaRPr b="0" lang="en-US" sz="2800" spc="-1" strike="noStrike">
-              <a:solidFill>
-                <a:srgbClr val="000000"/>
-              </a:solidFill>
+            <a:endParaRPr b="0" lang="en-IN" sz="3200" spc="-1" strike="noStrike">
               <a:latin typeface="Arial"/>
             </a:endParaRPr>
           </a:p>
@@ -2091,10 +2022,7 @@
             <a:normAutofit/>
           </a:bodyPr>
           <a:p>
-            <a:endParaRPr b="0" lang="en-US" sz="2800" spc="-1" strike="noStrike">
-              <a:solidFill>
-                <a:srgbClr val="000000"/>
-              </a:solidFill>
+            <a:endParaRPr b="0" lang="en-IN" sz="3200" spc="-1" strike="noStrike">
               <a:latin typeface="Arial"/>
             </a:endParaRPr>
           </a:p>
@@ -2124,10 +2052,7 @@
             <a:normAutofit/>
           </a:bodyPr>
           <a:p>
-            <a:endParaRPr b="0" lang="en-US" sz="2800" spc="-1" strike="noStrike">
-              <a:solidFill>
-                <a:srgbClr val="000000"/>
-              </a:solidFill>
+            <a:endParaRPr b="0" lang="en-IN" sz="3200" spc="-1" strike="noStrike">
               <a:latin typeface="Arial"/>
             </a:endParaRPr>
           </a:p>
@@ -2179,10 +2104,8 @@
             <a:noAutofit/>
           </a:bodyPr>
           <a:p>
-            <a:endParaRPr b="0" lang="en-US" sz="1800" spc="-1" strike="noStrike">
-              <a:solidFill>
-                <a:srgbClr val="000000"/>
-              </a:solidFill>
+            <a:pPr algn="ctr"/>
+            <a:endParaRPr b="0" lang="en-IN" sz="4400" spc="-1" strike="noStrike">
               <a:latin typeface="Arial"/>
             </a:endParaRPr>
           </a:p>
@@ -2212,10 +2135,7 @@
             <a:normAutofit/>
           </a:bodyPr>
           <a:p>
-            <a:endParaRPr b="0" lang="en-US" sz="2800" spc="-1" strike="noStrike">
-              <a:solidFill>
-                <a:srgbClr val="000000"/>
-              </a:solidFill>
+            <a:endParaRPr b="0" lang="en-IN" sz="3200" spc="-1" strike="noStrike">
               <a:latin typeface="Arial"/>
             </a:endParaRPr>
           </a:p>
@@ -2245,10 +2165,7 @@
             <a:normAutofit/>
           </a:bodyPr>
           <a:p>
-            <a:endParaRPr b="0" lang="en-US" sz="2800" spc="-1" strike="noStrike">
-              <a:solidFill>
-                <a:srgbClr val="000000"/>
-              </a:solidFill>
+            <a:endParaRPr b="0" lang="en-IN" sz="3200" spc="-1" strike="noStrike">
               <a:latin typeface="Arial"/>
             </a:endParaRPr>
           </a:p>
@@ -2278,10 +2195,7 @@
             <a:normAutofit/>
           </a:bodyPr>
           <a:p>
-            <a:endParaRPr b="0" lang="en-US" sz="2800" spc="-1" strike="noStrike">
-              <a:solidFill>
-                <a:srgbClr val="000000"/>
-              </a:solidFill>
+            <a:endParaRPr b="0" lang="en-IN" sz="3200" spc="-1" strike="noStrike">
               <a:latin typeface="Arial"/>
             </a:endParaRPr>
           </a:p>
@@ -2333,10 +2247,8 @@
             <a:noAutofit/>
           </a:bodyPr>
           <a:p>
-            <a:endParaRPr b="0" lang="en-US" sz="1800" spc="-1" strike="noStrike">
-              <a:solidFill>
-                <a:srgbClr val="000000"/>
-              </a:solidFill>
+            <a:pPr algn="ctr"/>
+            <a:endParaRPr b="0" lang="en-IN" sz="4400" spc="-1" strike="noStrike">
               <a:latin typeface="Arial"/>
             </a:endParaRPr>
           </a:p>
@@ -2366,10 +2278,7 @@
             <a:normAutofit/>
           </a:bodyPr>
           <a:p>
-            <a:endParaRPr b="0" lang="en-US" sz="2800" spc="-1" strike="noStrike">
-              <a:solidFill>
-                <a:srgbClr val="000000"/>
-              </a:solidFill>
+            <a:endParaRPr b="0" lang="en-IN" sz="3200" spc="-1" strike="noStrike">
               <a:latin typeface="Arial"/>
             </a:endParaRPr>
           </a:p>
@@ -2399,10 +2308,7 @@
             <a:normAutofit/>
           </a:bodyPr>
           <a:p>
-            <a:endParaRPr b="0" lang="en-US" sz="2800" spc="-1" strike="noStrike">
-              <a:solidFill>
-                <a:srgbClr val="000000"/>
-              </a:solidFill>
+            <a:endParaRPr b="0" lang="en-IN" sz="3200" spc="-1" strike="noStrike">
               <a:latin typeface="Arial"/>
             </a:endParaRPr>
           </a:p>
@@ -2432,10 +2338,7 @@
             <a:normAutofit/>
           </a:bodyPr>
           <a:p>
-            <a:endParaRPr b="0" lang="en-US" sz="2800" spc="-1" strike="noStrike">
-              <a:solidFill>
-                <a:srgbClr val="000000"/>
-              </a:solidFill>
+            <a:endParaRPr b="0" lang="en-IN" sz="3200" spc="-1" strike="noStrike">
               <a:latin typeface="Arial"/>
             </a:endParaRPr>
           </a:p>
@@ -2483,7 +2386,7 @@
         <p:spPr>
           <a:xfrm>
             <a:off x="0" y="-35280"/>
-            <a:ext cx="9142560" cy="6932880"/>
+            <a:ext cx="9142200" cy="6932520"/>
           </a:xfrm>
           <a:prstGeom prst="rect">
             <a:avLst/>
@@ -2502,7 +2405,7 @@
         <p:spPr>
           <a:xfrm>
             <a:off x="0" y="152280"/>
-            <a:ext cx="1446480" cy="1198800"/>
+            <a:ext cx="1446120" cy="1198440"/>
           </a:xfrm>
           <a:prstGeom prst="rect">
             <a:avLst/>
@@ -2579,7 +2482,7 @@
         <p:spPr>
           <a:xfrm>
             <a:off x="179640" y="138600"/>
-            <a:ext cx="867240" cy="970560"/>
+            <a:ext cx="866880" cy="970200"/>
           </a:xfrm>
           <a:prstGeom prst="rect">
             <a:avLst/>
@@ -2602,7 +2505,7 @@
         <p:spPr>
           <a:xfrm>
             <a:off x="2702520" y="103320"/>
-            <a:ext cx="1619640" cy="989280"/>
+            <a:ext cx="1619280" cy="988920"/>
           </a:xfrm>
           <a:prstGeom prst="rect">
             <a:avLst/>
@@ -2625,7 +2528,7 @@
         <p:spPr>
           <a:xfrm>
             <a:off x="4323600" y="106560"/>
-            <a:ext cx="1618560" cy="987120"/>
+            <a:ext cx="1618200" cy="986760"/>
           </a:xfrm>
           <a:prstGeom prst="rect">
             <a:avLst/>
@@ -2648,7 +2551,7 @@
         <p:spPr>
           <a:xfrm>
             <a:off x="5923800" y="117000"/>
-            <a:ext cx="1618560" cy="988560"/>
+            <a:ext cx="1618200" cy="988200"/>
           </a:xfrm>
           <a:prstGeom prst="rect">
             <a:avLst/>
@@ -2671,7 +2574,7 @@
         <p:spPr>
           <a:xfrm>
             <a:off x="7524000" y="111960"/>
-            <a:ext cx="1618560" cy="988560"/>
+            <a:ext cx="1618200" cy="988200"/>
           </a:xfrm>
           <a:prstGeom prst="rect">
             <a:avLst/>
@@ -2694,7 +2597,7 @@
         <p:spPr>
           <a:xfrm>
             <a:off x="1219320" y="102240"/>
-            <a:ext cx="1618560" cy="988560"/>
+            <a:ext cx="1618200" cy="988200"/>
           </a:xfrm>
           <a:prstGeom prst="rect">
             <a:avLst/>
@@ -2717,7 +2620,7 @@
         <p:spPr>
           <a:xfrm>
             <a:off x="7530120" y="1600200"/>
-            <a:ext cx="1598760" cy="5125680"/>
+            <a:ext cx="1598400" cy="5125320"/>
           </a:xfrm>
           <a:prstGeom prst="rect">
             <a:avLst/>
@@ -2751,19 +2654,14 @@
             <a:noAutofit/>
           </a:bodyPr>
           <a:p>
-            <a:r>
-              <a:rPr b="0" lang="en-US" sz="1800" spc="-1" strike="noStrike">
-                <a:solidFill>
-                  <a:srgbClr val="000000"/>
-                </a:solidFill>
+            <a:pPr algn="ctr"/>
+            <a:r>
+              <a:rPr b="0" lang="en-IN" sz="4400" spc="-1" strike="noStrike">
                 <a:latin typeface="Arial"/>
               </a:rPr>
               <a:t>Click to edit the title text format</a:t>
             </a:r>
-            <a:endParaRPr b="0" lang="en-US" sz="1800" spc="-1" strike="noStrike">
-              <a:solidFill>
-                <a:srgbClr val="000000"/>
-              </a:solidFill>
+            <a:endParaRPr b="0" lang="en-IN" sz="4400" spc="-1" strike="noStrike">
               <a:latin typeface="Arial"/>
             </a:endParaRPr>
           </a:p>
@@ -2805,18 +2703,12 @@
               <a:buChar char=""/>
             </a:pPr>
             <a:r>
-              <a:rPr b="0" lang="en-US" sz="2800" spc="-1" strike="noStrike">
-                <a:solidFill>
-                  <a:srgbClr val="000000"/>
-                </a:solidFill>
+              <a:rPr b="0" lang="en-IN" sz="3200" spc="-1" strike="noStrike">
                 <a:latin typeface="Arial"/>
               </a:rPr>
               <a:t>Click to edit the outline text format</a:t>
             </a:r>
-            <a:endParaRPr b="0" lang="en-US" sz="2800" spc="-1" strike="noStrike">
-              <a:solidFill>
-                <a:srgbClr val="000000"/>
-              </a:solidFill>
+            <a:endParaRPr b="0" lang="en-IN" sz="3200" spc="-1" strike="noStrike">
               <a:latin typeface="Arial"/>
             </a:endParaRPr>
           </a:p>
@@ -2833,18 +2725,12 @@
               <a:buChar char=""/>
             </a:pPr>
             <a:r>
-              <a:rPr b="0" lang="en-US" sz="2000" spc="-1" strike="noStrike">
-                <a:solidFill>
-                  <a:srgbClr val="000000"/>
-                </a:solidFill>
+              <a:rPr b="0" lang="en-IN" sz="2800" spc="-1" strike="noStrike">
                 <a:latin typeface="Arial"/>
               </a:rPr>
               <a:t>Second Outline Level</a:t>
             </a:r>
-            <a:endParaRPr b="0" lang="en-US" sz="2000" spc="-1" strike="noStrike">
-              <a:solidFill>
-                <a:srgbClr val="000000"/>
-              </a:solidFill>
+            <a:endParaRPr b="0" lang="en-IN" sz="2800" spc="-1" strike="noStrike">
               <a:latin typeface="Arial"/>
             </a:endParaRPr>
           </a:p>
@@ -2861,18 +2747,12 @@
               <a:buChar char=""/>
             </a:pPr>
             <a:r>
-              <a:rPr b="0" lang="en-US" sz="1800" spc="-1" strike="noStrike">
-                <a:solidFill>
-                  <a:srgbClr val="000000"/>
-                </a:solidFill>
+              <a:rPr b="0" lang="en-IN" sz="2400" spc="-1" strike="noStrike">
                 <a:latin typeface="Arial"/>
               </a:rPr>
               <a:t>Third Outline Level</a:t>
             </a:r>
-            <a:endParaRPr b="0" lang="en-US" sz="1800" spc="-1" strike="noStrike">
-              <a:solidFill>
-                <a:srgbClr val="000000"/>
-              </a:solidFill>
+            <a:endParaRPr b="0" lang="en-IN" sz="2400" spc="-1" strike="noStrike">
               <a:latin typeface="Arial"/>
             </a:endParaRPr>
           </a:p>
@@ -2889,18 +2769,12 @@
               <a:buChar char=""/>
             </a:pPr>
             <a:r>
-              <a:rPr b="0" lang="en-US" sz="1800" spc="-1" strike="noStrike">
-                <a:solidFill>
-                  <a:srgbClr val="000000"/>
-                </a:solidFill>
+              <a:rPr b="0" lang="en-IN" sz="2000" spc="-1" strike="noStrike">
                 <a:latin typeface="Arial"/>
               </a:rPr>
               <a:t>Fourth Outline Level</a:t>
             </a:r>
-            <a:endParaRPr b="0" lang="en-US" sz="1800" spc="-1" strike="noStrike">
-              <a:solidFill>
-                <a:srgbClr val="000000"/>
-              </a:solidFill>
+            <a:endParaRPr b="0" lang="en-IN" sz="2000" spc="-1" strike="noStrike">
               <a:latin typeface="Arial"/>
             </a:endParaRPr>
           </a:p>
@@ -2917,18 +2791,12 @@
               <a:buChar char=""/>
             </a:pPr>
             <a:r>
-              <a:rPr b="0" lang="en-US" sz="2000" spc="-1" strike="noStrike">
-                <a:solidFill>
-                  <a:srgbClr val="000000"/>
-                </a:solidFill>
+              <a:rPr b="0" lang="en-IN" sz="2000" spc="-1" strike="noStrike">
                 <a:latin typeface="Arial"/>
               </a:rPr>
               <a:t>Fifth Outline Level</a:t>
             </a:r>
-            <a:endParaRPr b="0" lang="en-US" sz="2000" spc="-1" strike="noStrike">
-              <a:solidFill>
-                <a:srgbClr val="000000"/>
-              </a:solidFill>
+            <a:endParaRPr b="0" lang="en-IN" sz="2000" spc="-1" strike="noStrike">
               <a:latin typeface="Arial"/>
             </a:endParaRPr>
           </a:p>
@@ -2945,18 +2813,12 @@
               <a:buChar char=""/>
             </a:pPr>
             <a:r>
-              <a:rPr b="0" lang="en-US" sz="2000" spc="-1" strike="noStrike">
-                <a:solidFill>
-                  <a:srgbClr val="000000"/>
-                </a:solidFill>
+              <a:rPr b="0" lang="en-IN" sz="2000" spc="-1" strike="noStrike">
                 <a:latin typeface="Arial"/>
               </a:rPr>
               <a:t>Sixth Outline Level</a:t>
             </a:r>
-            <a:endParaRPr b="0" lang="en-US" sz="2000" spc="-1" strike="noStrike">
-              <a:solidFill>
-                <a:srgbClr val="000000"/>
-              </a:solidFill>
+            <a:endParaRPr b="0" lang="en-IN" sz="2000" spc="-1" strike="noStrike">
               <a:latin typeface="Arial"/>
             </a:endParaRPr>
           </a:p>
@@ -2973,18 +2835,12 @@
               <a:buChar char=""/>
             </a:pPr>
             <a:r>
-              <a:rPr b="0" lang="en-US" sz="2000" spc="-1" strike="noStrike">
-                <a:solidFill>
-                  <a:srgbClr val="000000"/>
-                </a:solidFill>
+              <a:rPr b="0" lang="en-IN" sz="2000" spc="-1" strike="noStrike">
                 <a:latin typeface="Arial"/>
               </a:rPr>
               <a:t>Seventh Outline Level</a:t>
             </a:r>
-            <a:endParaRPr b="0" lang="en-US" sz="2000" spc="-1" strike="noStrike">
-              <a:solidFill>
-                <a:srgbClr val="000000"/>
-              </a:solidFill>
+            <a:endParaRPr b="0" lang="en-IN" sz="2000" spc="-1" strike="noStrike">
               <a:latin typeface="Arial"/>
             </a:endParaRPr>
           </a:p>
@@ -3036,7 +2892,7 @@
         <p:spPr>
           <a:xfrm>
             <a:off x="1413000" y="2228400"/>
-            <a:ext cx="6310440" cy="706680"/>
+            <a:ext cx="6310080" cy="706320"/>
           </a:xfrm>
           <a:prstGeom prst="rect">
             <a:avLst/>
@@ -3097,7 +2953,7 @@
         <p:spPr>
           <a:xfrm>
             <a:off x="345600" y="3850560"/>
-            <a:ext cx="8456760" cy="2004840"/>
+            <a:ext cx="8456400" cy="2004480"/>
           </a:xfrm>
           <a:prstGeom prst="rect">
             <a:avLst/>
@@ -3380,7 +3236,7 @@
         <p:spPr>
           <a:xfrm>
             <a:off x="1523880" y="1581120"/>
-            <a:ext cx="7618680" cy="34920"/>
+            <a:ext cx="7618320" cy="34560"/>
           </a:xfrm>
           <a:prstGeom prst="rect">
             <a:avLst/>
@@ -3408,7 +3264,7 @@
         <p:spPr>
           <a:xfrm>
             <a:off x="1371600" y="1143000"/>
-            <a:ext cx="7770960" cy="460080"/>
+            <a:ext cx="7770600" cy="459720"/>
           </a:xfrm>
           <a:prstGeom prst="rect">
             <a:avLst/>
@@ -3429,7 +3285,7 @@
             <a:noAutofit/>
           </a:bodyPr>
           <a:p>
-            <a:pPr marL="343080" indent="-341280" algn="r">
+            <a:pPr marL="343080" indent="-340920" algn="r">
               <a:lnSpc>
                 <a:spcPct val="100000"/>
               </a:lnSpc>
@@ -3459,7 +3315,7 @@
         <p:spPr>
           <a:xfrm>
             <a:off x="505800" y="1617840"/>
-            <a:ext cx="6867000" cy="4757400"/>
+            <a:ext cx="6866640" cy="4757040"/>
           </a:xfrm>
           <a:prstGeom prst="rect">
             <a:avLst/>
@@ -3489,7 +3345,7 @@
         <p:spPr>
           <a:xfrm>
             <a:off x="648000" y="1722600"/>
-            <a:ext cx="6159960" cy="4829400"/>
+            <a:ext cx="6840000" cy="4829040"/>
           </a:xfrm>
           <a:prstGeom prst="rect">
             <a:avLst/>
@@ -3538,7 +3394,7 @@
         <p:spPr>
           <a:xfrm>
             <a:off x="1523880" y="1581120"/>
-            <a:ext cx="7618680" cy="34920"/>
+            <a:ext cx="7618320" cy="34560"/>
           </a:xfrm>
           <a:prstGeom prst="rect">
             <a:avLst/>
@@ -3566,7 +3422,7 @@
         <p:spPr>
           <a:xfrm>
             <a:off x="1371600" y="1143000"/>
-            <a:ext cx="7770960" cy="460080"/>
+            <a:ext cx="7770600" cy="459720"/>
           </a:xfrm>
           <a:prstGeom prst="rect">
             <a:avLst/>
@@ -3587,7 +3443,7 @@
             <a:noAutofit/>
           </a:bodyPr>
           <a:p>
-            <a:pPr marL="343080" indent="-341280" algn="r">
+            <a:pPr marL="343080" indent="-340920" algn="r">
               <a:lnSpc>
                 <a:spcPct val="100000"/>
               </a:lnSpc>
@@ -3617,7 +3473,7 @@
         <p:spPr>
           <a:xfrm>
             <a:off x="505800" y="1617840"/>
-            <a:ext cx="6867000" cy="4757400"/>
+            <a:ext cx="6866640" cy="4757040"/>
           </a:xfrm>
           <a:prstGeom prst="rect">
             <a:avLst/>
@@ -3647,7 +3503,7 @@
         <p:spPr>
           <a:xfrm>
             <a:off x="144360" y="2719080"/>
-            <a:ext cx="7228440" cy="2248920"/>
+            <a:ext cx="7228080" cy="2248560"/>
           </a:xfrm>
           <a:prstGeom prst="rect">
             <a:avLst/>
@@ -3696,7 +3552,7 @@
         <p:spPr>
           <a:xfrm>
             <a:off x="1523880" y="1581120"/>
-            <a:ext cx="7618680" cy="35280"/>
+            <a:ext cx="7618320" cy="34920"/>
           </a:xfrm>
           <a:prstGeom prst="rect">
             <a:avLst/>
@@ -3724,7 +3580,7 @@
         <p:spPr>
           <a:xfrm>
             <a:off x="1371600" y="1143000"/>
-            <a:ext cx="7770960" cy="460440"/>
+            <a:ext cx="7770600" cy="460080"/>
           </a:xfrm>
           <a:prstGeom prst="rect">
             <a:avLst/>
@@ -3745,7 +3601,7 @@
             <a:noAutofit/>
           </a:bodyPr>
           <a:p>
-            <a:pPr marL="343080" indent="-341280" algn="r">
+            <a:pPr marL="343080" indent="-340920" algn="r">
               <a:lnSpc>
                 <a:spcPct val="100000"/>
               </a:lnSpc>
@@ -3775,7 +3631,7 @@
         <p:spPr>
           <a:xfrm>
             <a:off x="533520" y="2678760"/>
-            <a:ext cx="6862320" cy="3872880"/>
+            <a:ext cx="6861960" cy="3872520"/>
           </a:xfrm>
           <a:prstGeom prst="rect">
             <a:avLst/>
@@ -3796,7 +3652,7 @@
             <a:noAutofit/>
           </a:bodyPr>
           <a:p>
-            <a:pPr marL="285840" indent="-285480" algn="just">
+            <a:pPr marL="285840" indent="-285120" algn="just">
               <a:lnSpc>
                 <a:spcPct val="150000"/>
               </a:lnSpc>
@@ -3821,7 +3677,7 @@
             </a:endParaRPr>
           </a:p>
           <a:p>
-            <a:pPr marL="285840" indent="-285480" algn="just">
+            <a:pPr marL="285840" indent="-285120" algn="just">
               <a:lnSpc>
                 <a:spcPct val="150000"/>
               </a:lnSpc>
@@ -3846,7 +3702,7 @@
             </a:endParaRPr>
           </a:p>
           <a:p>
-            <a:pPr marL="285840" indent="-285480" algn="just">
+            <a:pPr marL="285840" indent="-285120" algn="just">
               <a:lnSpc>
                 <a:spcPct val="150000"/>
               </a:lnSpc>
@@ -3911,7 +3767,7 @@
         <p:spPr>
           <a:xfrm>
             <a:off x="1523880" y="1581120"/>
-            <a:ext cx="7618680" cy="35280"/>
+            <a:ext cx="7618320" cy="34920"/>
           </a:xfrm>
           <a:prstGeom prst="rect">
             <a:avLst/>
@@ -3939,7 +3795,7 @@
         <p:spPr>
           <a:xfrm>
             <a:off x="1371600" y="1143000"/>
-            <a:ext cx="7770960" cy="460440"/>
+            <a:ext cx="7770600" cy="460080"/>
           </a:xfrm>
           <a:prstGeom prst="rect">
             <a:avLst/>
@@ -3960,7 +3816,7 @@
             <a:noAutofit/>
           </a:bodyPr>
           <a:p>
-            <a:pPr marL="343080" indent="-341280" algn="r">
+            <a:pPr marL="343080" indent="-340920" algn="r">
               <a:lnSpc>
                 <a:spcPct val="100000"/>
               </a:lnSpc>
@@ -3994,7 +3850,7 @@
         <p:spPr>
           <a:xfrm>
             <a:off x="238680" y="1656000"/>
-            <a:ext cx="7537320" cy="4968000"/>
+            <a:ext cx="7536960" cy="4967640"/>
           </a:xfrm>
           <a:prstGeom prst="rect">
             <a:avLst/>
@@ -4043,7 +3899,7 @@
         <p:spPr>
           <a:xfrm>
             <a:off x="1523880" y="1581120"/>
-            <a:ext cx="7618680" cy="35280"/>
+            <a:ext cx="7618320" cy="34920"/>
           </a:xfrm>
           <a:prstGeom prst="rect">
             <a:avLst/>
@@ -4071,7 +3927,7 @@
         <p:spPr>
           <a:xfrm>
             <a:off x="1371600" y="1143000"/>
-            <a:ext cx="7770960" cy="460440"/>
+            <a:ext cx="7770600" cy="460080"/>
           </a:xfrm>
           <a:prstGeom prst="rect">
             <a:avLst/>
@@ -4092,7 +3948,7 @@
             <a:noAutofit/>
           </a:bodyPr>
           <a:p>
-            <a:pPr marL="343080" indent="-341280" algn="r">
+            <a:pPr marL="343080" indent="-340920" algn="r">
               <a:lnSpc>
                 <a:spcPct val="100000"/>
               </a:lnSpc>
@@ -4126,7 +3982,7 @@
         <p:spPr>
           <a:xfrm>
             <a:off x="166680" y="1656000"/>
-            <a:ext cx="7537320" cy="4980600"/>
+            <a:ext cx="7536960" cy="4980240"/>
           </a:xfrm>
           <a:prstGeom prst="rect">
             <a:avLst/>
@@ -4175,7 +4031,7 @@
         <p:spPr>
           <a:xfrm>
             <a:off x="1523880" y="1581120"/>
-            <a:ext cx="7618680" cy="35280"/>
+            <a:ext cx="7618320" cy="34920"/>
           </a:xfrm>
           <a:prstGeom prst="rect">
             <a:avLst/>
@@ -4203,7 +4059,7 @@
         <p:spPr>
           <a:xfrm>
             <a:off x="1371600" y="1143000"/>
-            <a:ext cx="7770960" cy="460440"/>
+            <a:ext cx="7770600" cy="460080"/>
           </a:xfrm>
           <a:prstGeom prst="rect">
             <a:avLst/>
@@ -4224,7 +4080,7 @@
             <a:noAutofit/>
           </a:bodyPr>
           <a:p>
-            <a:pPr marL="343080" indent="-341280" algn="r">
+            <a:pPr marL="343080" indent="-340920" algn="r">
               <a:lnSpc>
                 <a:spcPct val="100000"/>
               </a:lnSpc>
@@ -4254,7 +4110,7 @@
         <p:spPr>
           <a:xfrm>
             <a:off x="480960" y="1728000"/>
-            <a:ext cx="6862320" cy="4722840"/>
+            <a:ext cx="6861960" cy="4722480"/>
           </a:xfrm>
           <a:prstGeom prst="rect">
             <a:avLst/>
@@ -4275,7 +4131,7 @@
             <a:noAutofit/>
           </a:bodyPr>
           <a:p>
-            <a:pPr marL="285840" indent="-285480" algn="just">
+            <a:pPr marL="285840" indent="-285120" algn="just">
               <a:lnSpc>
                 <a:spcPct val="100000"/>
               </a:lnSpc>
@@ -4310,7 +4166,7 @@
             </a:endParaRPr>
           </a:p>
           <a:p>
-            <a:pPr marL="285840" indent="-285480" algn="just">
+            <a:pPr marL="285840" indent="-285120" algn="just">
               <a:lnSpc>
                 <a:spcPct val="100000"/>
               </a:lnSpc>
@@ -4335,22 +4191,17 @@
             </a:endParaRPr>
           </a:p>
           <a:p>
-            <a:pPr marL="285840" indent="-285480" algn="just">
+            <a:pPr algn="just">
               <a:lnSpc>
                 <a:spcPct val="100000"/>
               </a:lnSpc>
-              <a:buClr>
-                <a:srgbClr val="000000"/>
-              </a:buClr>
-              <a:buFont typeface="Arial"/>
-              <a:buChar char="•"/>
             </a:pPr>
             <a:endParaRPr b="0" lang="en-IN" sz="1800" spc="-1" strike="noStrike">
               <a:latin typeface="Arial"/>
             </a:endParaRPr>
           </a:p>
           <a:p>
-            <a:pPr marL="285840" indent="-285480" algn="just">
+            <a:pPr marL="285840" indent="-285120" algn="just">
               <a:lnSpc>
                 <a:spcPct val="100000"/>
               </a:lnSpc>
@@ -4415,7 +4266,7 @@
         <p:spPr>
           <a:xfrm>
             <a:off x="2847600" y="3352680"/>
-            <a:ext cx="2922480" cy="706320"/>
+            <a:ext cx="2922120" cy="705960"/>
           </a:xfrm>
           <a:prstGeom prst="rect">
             <a:avLst/>
@@ -4496,7 +4347,7 @@
         <p:spPr>
           <a:xfrm>
             <a:off x="1523880" y="1581120"/>
-            <a:ext cx="7618680" cy="34920"/>
+            <a:ext cx="7618320" cy="34560"/>
           </a:xfrm>
           <a:prstGeom prst="rect">
             <a:avLst/>
@@ -4524,7 +4375,7 @@
         <p:spPr>
           <a:xfrm>
             <a:off x="2666880" y="1143000"/>
-            <a:ext cx="6475680" cy="460080"/>
+            <a:ext cx="6475320" cy="459720"/>
           </a:xfrm>
           <a:prstGeom prst="rect">
             <a:avLst/>
@@ -4545,7 +4396,7 @@
             <a:noAutofit/>
           </a:bodyPr>
           <a:p>
-            <a:pPr marL="343080" indent="-341280" algn="r">
+            <a:pPr marL="343080" indent="-340920" algn="r">
               <a:lnSpc>
                 <a:spcPct val="100000"/>
               </a:lnSpc>
@@ -4575,7 +4426,7 @@
         <p:spPr>
           <a:xfrm>
             <a:off x="173160" y="1767960"/>
-            <a:ext cx="7455960" cy="4284000"/>
+            <a:ext cx="7455600" cy="4283640"/>
           </a:xfrm>
           <a:prstGeom prst="rect">
             <a:avLst/>
@@ -4616,7 +4467,7 @@
             </a:endParaRPr>
           </a:p>
           <a:p>
-            <a:pPr marL="527040" indent="-285480">
+            <a:pPr marL="527040" indent="-285120">
               <a:lnSpc>
                 <a:spcPct val="150000"/>
               </a:lnSpc>
@@ -4641,7 +4492,7 @@
             </a:endParaRPr>
           </a:p>
           <a:p>
-            <a:pPr marL="527040" indent="-285480">
+            <a:pPr marL="527040" indent="-285120">
               <a:lnSpc>
                 <a:spcPct val="150000"/>
               </a:lnSpc>
@@ -4666,7 +4517,7 @@
             </a:endParaRPr>
           </a:p>
           <a:p>
-            <a:pPr marL="527040" indent="-285480">
+            <a:pPr marL="527040" indent="-285120">
               <a:lnSpc>
                 <a:spcPct val="150000"/>
               </a:lnSpc>
@@ -4691,7 +4542,7 @@
             </a:endParaRPr>
           </a:p>
           <a:p>
-            <a:pPr marL="527040" indent="-285480">
+            <a:pPr marL="527040" indent="-285120">
               <a:lnSpc>
                 <a:spcPct val="150000"/>
               </a:lnSpc>
@@ -4756,7 +4607,7 @@
         <p:spPr>
           <a:xfrm>
             <a:off x="1523880" y="1581120"/>
-            <a:ext cx="7618680" cy="34920"/>
+            <a:ext cx="7618320" cy="34560"/>
           </a:xfrm>
           <a:prstGeom prst="rect">
             <a:avLst/>
@@ -4784,7 +4635,7 @@
         <p:spPr>
           <a:xfrm>
             <a:off x="2666880" y="1143000"/>
-            <a:ext cx="6475680" cy="460080"/>
+            <a:ext cx="6475320" cy="459720"/>
           </a:xfrm>
           <a:prstGeom prst="rect">
             <a:avLst/>
@@ -4805,7 +4656,7 @@
             <a:noAutofit/>
           </a:bodyPr>
           <a:p>
-            <a:pPr marL="343080" indent="-341280" algn="r">
+            <a:pPr marL="343080" indent="-340920" algn="r">
               <a:lnSpc>
                 <a:spcPct val="100000"/>
               </a:lnSpc>
@@ -4835,7 +4686,7 @@
         <p:spPr>
           <a:xfrm>
             <a:off x="0" y="1617840"/>
-            <a:ext cx="7703640" cy="4335120"/>
+            <a:ext cx="7703280" cy="4334760"/>
           </a:xfrm>
           <a:prstGeom prst="rect">
             <a:avLst/>
@@ -4876,7 +4727,7 @@
             </a:endParaRPr>
           </a:p>
           <a:p>
-            <a:pPr marL="527040" indent="-285480">
+            <a:pPr marL="527040" indent="-285120">
               <a:lnSpc>
                 <a:spcPct val="150000"/>
               </a:lnSpc>
@@ -4901,7 +4752,7 @@
             </a:endParaRPr>
           </a:p>
           <a:p>
-            <a:pPr marL="527040" indent="-285480">
+            <a:pPr marL="527040" indent="-285120">
               <a:lnSpc>
                 <a:spcPct val="150000"/>
               </a:lnSpc>
@@ -4926,7 +4777,7 @@
             </a:endParaRPr>
           </a:p>
           <a:p>
-            <a:pPr marL="527040" indent="-285480">
+            <a:pPr marL="527040" indent="-285120">
               <a:lnSpc>
                 <a:spcPct val="150000"/>
               </a:lnSpc>
@@ -4991,7 +4842,7 @@
         <p:spPr>
           <a:xfrm>
             <a:off x="1523880" y="1581120"/>
-            <a:ext cx="7618680" cy="34920"/>
+            <a:ext cx="7618320" cy="34560"/>
           </a:xfrm>
           <a:prstGeom prst="rect">
             <a:avLst/>
@@ -5019,7 +4870,7 @@
         <p:spPr>
           <a:xfrm>
             <a:off x="2666880" y="1143000"/>
-            <a:ext cx="6475680" cy="460080"/>
+            <a:ext cx="6475320" cy="459720"/>
           </a:xfrm>
           <a:prstGeom prst="rect">
             <a:avLst/>
@@ -5040,7 +4891,7 @@
             <a:noAutofit/>
           </a:bodyPr>
           <a:p>
-            <a:pPr marL="343080" indent="-341280" algn="r">
+            <a:pPr marL="343080" indent="-340920" algn="r">
               <a:lnSpc>
                 <a:spcPct val="100000"/>
               </a:lnSpc>
@@ -5070,7 +4921,7 @@
         <p:spPr>
           <a:xfrm>
             <a:off x="360000" y="1656000"/>
-            <a:ext cx="7485480" cy="4839120"/>
+            <a:ext cx="7485120" cy="4838760"/>
           </a:xfrm>
           <a:prstGeom prst="rect">
             <a:avLst/>
@@ -5111,7 +4962,7 @@
             </a:endParaRPr>
           </a:p>
           <a:p>
-            <a:pPr marL="527040" indent="-285480">
+            <a:pPr marL="527040" indent="-285120">
               <a:lnSpc>
                 <a:spcPct val="150000"/>
               </a:lnSpc>
@@ -5217,7 +5068,7 @@
             </a:endParaRPr>
           </a:p>
           <a:p>
-            <a:pPr marL="527040" indent="-285480">
+            <a:pPr marL="527040" indent="-285120">
               <a:lnSpc>
                 <a:spcPct val="150000"/>
               </a:lnSpc>
@@ -5343,7 +5194,7 @@
         <p:spPr>
           <a:xfrm>
             <a:off x="1523880" y="1581120"/>
-            <a:ext cx="7618680" cy="34920"/>
+            <a:ext cx="7618320" cy="34560"/>
           </a:xfrm>
           <a:prstGeom prst="rect">
             <a:avLst/>
@@ -5371,7 +5222,7 @@
         <p:spPr>
           <a:xfrm>
             <a:off x="2666880" y="1143000"/>
-            <a:ext cx="6475680" cy="460080"/>
+            <a:ext cx="6475320" cy="459720"/>
           </a:xfrm>
           <a:prstGeom prst="rect">
             <a:avLst/>
@@ -5392,7 +5243,7 @@
             <a:noAutofit/>
           </a:bodyPr>
           <a:p>
-            <a:pPr marL="343080" indent="-341280" algn="r">
+            <a:pPr marL="343080" indent="-340920" algn="r">
               <a:lnSpc>
                 <a:spcPct val="100000"/>
               </a:lnSpc>
@@ -5422,7 +5273,7 @@
         <p:spPr>
           <a:xfrm>
             <a:off x="360000" y="1656000"/>
-            <a:ext cx="7485480" cy="4839120"/>
+            <a:ext cx="7485120" cy="4838760"/>
           </a:xfrm>
           <a:prstGeom prst="rect">
             <a:avLst/>
@@ -5463,7 +5314,7 @@
             </a:endParaRPr>
           </a:p>
           <a:p>
-            <a:pPr marL="527040" indent="-285480">
+            <a:pPr marL="527040" indent="-285120">
               <a:lnSpc>
                 <a:spcPct val="150000"/>
               </a:lnSpc>
@@ -5569,7 +5420,7 @@
             </a:endParaRPr>
           </a:p>
           <a:p>
-            <a:pPr marL="527040" indent="-285480">
+            <a:pPr marL="527040" indent="-285120">
               <a:lnSpc>
                 <a:spcPct val="150000"/>
               </a:lnSpc>
@@ -5695,7 +5546,7 @@
         <p:spPr>
           <a:xfrm>
             <a:off x="1523880" y="1581120"/>
-            <a:ext cx="7618680" cy="35280"/>
+            <a:ext cx="7618320" cy="34920"/>
           </a:xfrm>
           <a:prstGeom prst="rect">
             <a:avLst/>
@@ -5723,7 +5574,7 @@
         <p:spPr>
           <a:xfrm>
             <a:off x="1371600" y="1143000"/>
-            <a:ext cx="7770960" cy="460440"/>
+            <a:ext cx="7770600" cy="460080"/>
           </a:xfrm>
           <a:prstGeom prst="rect">
             <a:avLst/>
@@ -5744,7 +5595,7 @@
             <a:noAutofit/>
           </a:bodyPr>
           <a:p>
-            <a:pPr marL="343080" indent="-341280" algn="r">
+            <a:pPr marL="343080" indent="-340920" algn="r">
               <a:lnSpc>
                 <a:spcPct val="100000"/>
               </a:lnSpc>
@@ -5774,7 +5625,7 @@
         <p:spPr>
           <a:xfrm>
             <a:off x="516960" y="2133720"/>
-            <a:ext cx="7004160" cy="3731760"/>
+            <a:ext cx="7003800" cy="3731400"/>
           </a:xfrm>
           <a:prstGeom prst="rect">
             <a:avLst/>
@@ -5795,7 +5646,7 @@
             <a:noAutofit/>
           </a:bodyPr>
           <a:p>
-            <a:pPr marL="285840" indent="-285480" algn="just">
+            <a:pPr marL="285840" indent="-285120" algn="just">
               <a:lnSpc>
                 <a:spcPct val="100000"/>
               </a:lnSpc>
@@ -5830,7 +5681,7 @@
             </a:endParaRPr>
           </a:p>
           <a:p>
-            <a:pPr marL="285840" indent="-285480" algn="just">
+            <a:pPr marL="285840" indent="-285120" algn="just">
               <a:lnSpc>
                 <a:spcPct val="100000"/>
               </a:lnSpc>
@@ -5865,7 +5716,7 @@
             </a:endParaRPr>
           </a:p>
           <a:p>
-            <a:pPr marL="285840" indent="-285480" algn="just">
+            <a:pPr marL="285840" indent="-285120" algn="just">
               <a:lnSpc>
                 <a:spcPct val="100000"/>
               </a:lnSpc>
@@ -5900,7 +5751,7 @@
             </a:endParaRPr>
           </a:p>
           <a:p>
-            <a:pPr marL="285840" indent="-285480" algn="just">
+            <a:pPr marL="285840" indent="-285120" algn="just">
               <a:lnSpc>
                 <a:spcPct val="100000"/>
               </a:lnSpc>
@@ -5965,7 +5816,7 @@
         <p:spPr>
           <a:xfrm>
             <a:off x="1523880" y="1581120"/>
-            <a:ext cx="7618680" cy="35280"/>
+            <a:ext cx="7618320" cy="34920"/>
           </a:xfrm>
           <a:prstGeom prst="rect">
             <a:avLst/>
@@ -5993,7 +5844,7 @@
         <p:spPr>
           <a:xfrm>
             <a:off x="1371600" y="1143000"/>
-            <a:ext cx="7770960" cy="460440"/>
+            <a:ext cx="7770600" cy="460080"/>
           </a:xfrm>
           <a:prstGeom prst="rect">
             <a:avLst/>
@@ -6014,7 +5865,7 @@
             <a:noAutofit/>
           </a:bodyPr>
           <a:p>
-            <a:pPr marL="343080" indent="-341280" algn="r">
+            <a:pPr marL="343080" indent="-340920" algn="r">
               <a:lnSpc>
                 <a:spcPct val="100000"/>
               </a:lnSpc>
@@ -6044,7 +5895,7 @@
         <p:spPr>
           <a:xfrm>
             <a:off x="590760" y="1989360"/>
-            <a:ext cx="7532280" cy="4663440"/>
+            <a:ext cx="7531920" cy="4663080"/>
           </a:xfrm>
           <a:prstGeom prst="rect">
             <a:avLst/>
@@ -6125,7 +5976,7 @@
             </a:endParaRPr>
           </a:p>
           <a:p>
-            <a:pPr marL="286560" indent="-285480">
+            <a:pPr marL="286560" indent="-285120">
               <a:lnSpc>
                 <a:spcPct val="150000"/>
               </a:lnSpc>
@@ -6150,7 +6001,7 @@
             </a:endParaRPr>
           </a:p>
           <a:p>
-            <a:pPr marL="286560" indent="-285480">
+            <a:pPr marL="286560" indent="-285120">
               <a:lnSpc>
                 <a:spcPct val="150000"/>
               </a:lnSpc>
@@ -6195,7 +6046,7 @@
             </a:endParaRPr>
           </a:p>
           <a:p>
-            <a:pPr marL="286560" indent="-285480">
+            <a:pPr marL="286560" indent="-285120">
               <a:lnSpc>
                 <a:spcPct val="150000"/>
               </a:lnSpc>
@@ -6222,6 +6073,7 @@
                   <a:srgbClr val="000000"/>
                 </a:solidFill>
                 <a:latin typeface="Calibri"/>
+                <a:ea typeface="DejaVu Sans"/>
               </a:rPr>
               <a:t> </a:t>
             </a:r>
@@ -6270,7 +6122,7 @@
         <p:spPr>
           <a:xfrm>
             <a:off x="1523880" y="1581120"/>
-            <a:ext cx="7618680" cy="35280"/>
+            <a:ext cx="7618320" cy="34920"/>
           </a:xfrm>
           <a:prstGeom prst="rect">
             <a:avLst/>
@@ -6298,7 +6150,7 @@
         <p:spPr>
           <a:xfrm>
             <a:off x="1371600" y="1143000"/>
-            <a:ext cx="7770960" cy="460440"/>
+            <a:ext cx="7770600" cy="460080"/>
           </a:xfrm>
           <a:prstGeom prst="rect">
             <a:avLst/>
@@ -6319,7 +6171,7 @@
             <a:noAutofit/>
           </a:bodyPr>
           <a:p>
-            <a:pPr marL="343080" indent="-341280" algn="r">
+            <a:pPr marL="343080" indent="-340920" algn="r">
               <a:lnSpc>
                 <a:spcPct val="100000"/>
               </a:lnSpc>
@@ -6349,7 +6201,7 @@
         <p:spPr>
           <a:xfrm>
             <a:off x="590760" y="1791360"/>
-            <a:ext cx="7004160" cy="3679920"/>
+            <a:ext cx="7003800" cy="3679560"/>
           </a:xfrm>
           <a:prstGeom prst="rect">
             <a:avLst/>
@@ -6390,7 +6242,7 @@
             </a:endParaRPr>
           </a:p>
           <a:p>
-            <a:pPr marL="286560" indent="-285480">
+            <a:pPr marL="286560" indent="-285120">
               <a:lnSpc>
                 <a:spcPct val="150000"/>
               </a:lnSpc>
@@ -6415,7 +6267,7 @@
             </a:endParaRPr>
           </a:p>
           <a:p>
-            <a:pPr marL="286560" indent="-285480">
+            <a:pPr marL="286560" indent="-285120">
               <a:lnSpc>
                 <a:spcPct val="150000"/>
               </a:lnSpc>
@@ -6440,7 +6292,7 @@
             </a:endParaRPr>
           </a:p>
           <a:p>
-            <a:pPr marL="286560" indent="-285480">
+            <a:pPr marL="286560" indent="-285120">
               <a:lnSpc>
                 <a:spcPct val="150000"/>
               </a:lnSpc>
@@ -6505,7 +6357,7 @@
         <p:spPr>
           <a:xfrm>
             <a:off x="1523880" y="1581120"/>
-            <a:ext cx="7618680" cy="34920"/>
+            <a:ext cx="7618320" cy="34560"/>
           </a:xfrm>
           <a:prstGeom prst="rect">
             <a:avLst/>
@@ -6533,7 +6385,7 @@
         <p:spPr>
           <a:xfrm>
             <a:off x="1371600" y="1143000"/>
-            <a:ext cx="7770960" cy="460080"/>
+            <a:ext cx="7770600" cy="459720"/>
           </a:xfrm>
           <a:prstGeom prst="rect">
             <a:avLst/>
@@ -6554,7 +6406,7 @@
             <a:noAutofit/>
           </a:bodyPr>
           <a:p>
-            <a:pPr marL="343080" indent="-341280" algn="r">
+            <a:pPr marL="343080" indent="-340920" algn="r">
               <a:lnSpc>
                 <a:spcPct val="100000"/>
               </a:lnSpc>
@@ -6584,7 +6436,7 @@
         <p:spPr>
           <a:xfrm>
             <a:off x="505800" y="1617840"/>
-            <a:ext cx="6867000" cy="4757400"/>
+            <a:ext cx="6866640" cy="4757040"/>
           </a:xfrm>
           <a:prstGeom prst="rect">
             <a:avLst/>
@@ -6614,7 +6466,7 @@
         <p:spPr>
           <a:xfrm>
             <a:off x="288000" y="1900800"/>
-            <a:ext cx="7141320" cy="4579200"/>
+            <a:ext cx="7140960" cy="4578840"/>
           </a:xfrm>
           <a:prstGeom prst="rect">
             <a:avLst/>

--- a/presentations/Review 2 - Project Progress Presentation 2020.pptx
+++ b/presentations/Review 2 - Project Progress Presentation 2020.pptx
@@ -24,6 +24,7 @@
     <p:sldId id="269" r:id="rId17"/>
     <p:sldId id="270" r:id="rId18"/>
     <p:sldId id="271" r:id="rId19"/>
+    <p:sldId id="272" r:id="rId20"/>
   </p:sldIdLst>
   <p:sldSz cx="9144000" cy="6858000"/>
   <p:notesSz cx="6797675" cy="9874250"/>
@@ -254,7 +255,7 @@
           </a:bodyPr>
           <a:p>
             <a:pPr algn="r"/>
-            <a:fld id="{91595A53-19CC-4917-8F50-2644EC7B63B0}" type="slidenum">
+            <a:fld id="{25E1DB71-29A5-43EE-B931-CD53E6B89C7E}" type="slidenum">
               <a:rPr b="0" lang="en-IN" sz="1400" spc="-1" strike="noStrike">
                 <a:latin typeface="Times New Roman"/>
               </a:rPr>
@@ -291,7 +292,7 @@
       </p:grpSpPr>
       <p:sp>
         <p:nvSpPr>
-          <p:cNvPr id="103" name="PlaceHolder 1"/>
+          <p:cNvPr id="106" name="PlaceHolder 1"/>
           <p:cNvSpPr>
             <a:spLocks noGrp="1"/>
           </p:cNvSpPr>
@@ -302,7 +303,7 @@
         <p:spPr>
           <a:xfrm>
             <a:off x="680400" y="4690800"/>
-            <a:ext cx="5436360" cy="4441320"/>
+            <a:ext cx="5436000" cy="4440960"/>
           </a:xfrm>
           <a:prstGeom prst="rect">
             <a:avLst/>
@@ -321,14 +322,14 @@
       </p:sp>
       <p:sp>
         <p:nvSpPr>
-          <p:cNvPr id="104" name="CustomShape 2"/>
+          <p:cNvPr id="107" name="CustomShape 2"/>
           <p:cNvSpPr/>
           <p:nvPr/>
         </p:nvSpPr>
         <p:spPr>
           <a:xfrm>
             <a:off x="3849840" y="9378360"/>
-            <a:ext cx="2944800" cy="492120"/>
+            <a:ext cx="2944440" cy="491760"/>
           </a:xfrm>
           <a:prstGeom prst="rect">
             <a:avLst/>
@@ -354,7 +355,7 @@
                 <a:spcPct val="100000"/>
               </a:lnSpc>
             </a:pPr>
-            <a:fld id="{CEE71D06-3EFC-449E-846E-A9672EAF01DD}" type="slidenum">
+            <a:fld id="{D5CEC7BD-608A-42BE-A5DB-1B056894C54D}" type="slidenum">
               <a:rPr b="0" lang="en-IN" sz="1400" spc="-1" strike="noStrike">
                 <a:solidFill>
                   <a:srgbClr val="000000"/>
@@ -394,7 +395,7 @@
       </p:grpSpPr>
       <p:sp>
         <p:nvSpPr>
-          <p:cNvPr id="105" name="PlaceHolder 1"/>
+          <p:cNvPr id="108" name="PlaceHolder 1"/>
           <p:cNvSpPr>
             <a:spLocks noGrp="1"/>
           </p:cNvSpPr>
@@ -405,7 +406,7 @@
         <p:spPr>
           <a:xfrm>
             <a:off x="680400" y="4690800"/>
-            <a:ext cx="5436360" cy="4441320"/>
+            <a:ext cx="5436000" cy="4440960"/>
           </a:xfrm>
           <a:prstGeom prst="rect">
             <a:avLst/>
@@ -424,14 +425,14 @@
       </p:sp>
       <p:sp>
         <p:nvSpPr>
-          <p:cNvPr id="106" name="CustomShape 2"/>
+          <p:cNvPr id="109" name="CustomShape 2"/>
           <p:cNvSpPr/>
           <p:nvPr/>
         </p:nvSpPr>
         <p:spPr>
           <a:xfrm>
             <a:off x="3849840" y="9378360"/>
-            <a:ext cx="2944800" cy="492120"/>
+            <a:ext cx="2944440" cy="491760"/>
           </a:xfrm>
           <a:prstGeom prst="rect">
             <a:avLst/>
@@ -457,7 +458,7 @@
                 <a:spcPct val="100000"/>
               </a:lnSpc>
             </a:pPr>
-            <a:fld id="{774718DD-9826-425F-B968-378F91976ED3}" type="slidenum">
+            <a:fld id="{67A64534-F013-4523-BA56-052686720EAF}" type="slidenum">
               <a:rPr b="0" lang="en-IN" sz="1400" spc="-1" strike="noStrike">
                 <a:solidFill>
                   <a:srgbClr val="000000"/>
@@ -497,7 +498,7 @@
       </p:grpSpPr>
       <p:sp>
         <p:nvSpPr>
-          <p:cNvPr id="107" name="PlaceHolder 1"/>
+          <p:cNvPr id="110" name="PlaceHolder 1"/>
           <p:cNvSpPr>
             <a:spLocks noGrp="1"/>
           </p:cNvSpPr>
@@ -508,7 +509,7 @@
         <p:spPr>
           <a:xfrm>
             <a:off x="680400" y="4690800"/>
-            <a:ext cx="5436360" cy="4441320"/>
+            <a:ext cx="5436000" cy="4440960"/>
           </a:xfrm>
           <a:prstGeom prst="rect">
             <a:avLst/>
@@ -527,14 +528,14 @@
       </p:sp>
       <p:sp>
         <p:nvSpPr>
-          <p:cNvPr id="108" name="CustomShape 2"/>
+          <p:cNvPr id="111" name="CustomShape 2"/>
           <p:cNvSpPr/>
           <p:nvPr/>
         </p:nvSpPr>
         <p:spPr>
           <a:xfrm>
             <a:off x="3849840" y="9378360"/>
-            <a:ext cx="2944440" cy="492480"/>
+            <a:ext cx="2944080" cy="492120"/>
           </a:xfrm>
           <a:prstGeom prst="rect">
             <a:avLst/>
@@ -560,7 +561,7 @@
                 <a:spcPct val="100000"/>
               </a:lnSpc>
             </a:pPr>
-            <a:fld id="{1C7C0B72-45E9-4B20-9276-AA7DF1141F85}" type="slidenum">
+            <a:fld id="{7066F66F-05BA-42F7-9A7A-8E56671466C9}" type="slidenum">
               <a:rPr b="0" lang="en-IN" sz="1400" spc="-1" strike="noStrike">
                 <a:solidFill>
                   <a:srgbClr val="000000"/>
@@ -600,7 +601,7 @@
       </p:grpSpPr>
       <p:sp>
         <p:nvSpPr>
-          <p:cNvPr id="109" name="PlaceHolder 1"/>
+          <p:cNvPr id="112" name="PlaceHolder 1"/>
           <p:cNvSpPr>
             <a:spLocks noGrp="1"/>
           </p:cNvSpPr>
@@ -611,7 +612,7 @@
         <p:spPr>
           <a:xfrm>
             <a:off x="680400" y="4690800"/>
-            <a:ext cx="5436360" cy="4441320"/>
+            <a:ext cx="5436000" cy="4440960"/>
           </a:xfrm>
           <a:prstGeom prst="rect">
             <a:avLst/>
@@ -630,14 +631,14 @@
       </p:sp>
       <p:sp>
         <p:nvSpPr>
-          <p:cNvPr id="110" name="CustomShape 2"/>
+          <p:cNvPr id="113" name="CustomShape 2"/>
           <p:cNvSpPr/>
           <p:nvPr/>
         </p:nvSpPr>
         <p:spPr>
           <a:xfrm>
             <a:off x="3849840" y="9378360"/>
-            <a:ext cx="2944440" cy="492480"/>
+            <a:ext cx="2944080" cy="492120"/>
           </a:xfrm>
           <a:prstGeom prst="rect">
             <a:avLst/>
@@ -663,7 +664,7 @@
                 <a:spcPct val="100000"/>
               </a:lnSpc>
             </a:pPr>
-            <a:fld id="{3465E582-3450-4C86-8263-31D2A2422883}" type="slidenum">
+            <a:fld id="{9162FD67-D1EF-4F86-B92C-69F2060EF2C1}" type="slidenum">
               <a:rPr b="0" lang="en-IN" sz="1400" spc="-1" strike="noStrike">
                 <a:solidFill>
                   <a:srgbClr val="000000"/>
@@ -703,7 +704,7 @@
       </p:grpSpPr>
       <p:sp>
         <p:nvSpPr>
-          <p:cNvPr id="111" name="PlaceHolder 1"/>
+          <p:cNvPr id="114" name="PlaceHolder 1"/>
           <p:cNvSpPr>
             <a:spLocks noGrp="1"/>
           </p:cNvSpPr>
@@ -714,7 +715,7 @@
         <p:spPr>
           <a:xfrm>
             <a:off x="680400" y="4690800"/>
-            <a:ext cx="5436360" cy="4441320"/>
+            <a:ext cx="5436000" cy="4440960"/>
           </a:xfrm>
           <a:prstGeom prst="rect">
             <a:avLst/>
@@ -733,14 +734,14 @@
       </p:sp>
       <p:sp>
         <p:nvSpPr>
-          <p:cNvPr id="112" name="CustomShape 2"/>
+          <p:cNvPr id="115" name="CustomShape 2"/>
           <p:cNvSpPr/>
           <p:nvPr/>
         </p:nvSpPr>
         <p:spPr>
           <a:xfrm>
             <a:off x="3849840" y="9378360"/>
-            <a:ext cx="2944440" cy="492480"/>
+            <a:ext cx="2944080" cy="492120"/>
           </a:xfrm>
           <a:prstGeom prst="rect">
             <a:avLst/>
@@ -766,7 +767,7 @@
                 <a:spcPct val="100000"/>
               </a:lnSpc>
             </a:pPr>
-            <a:fld id="{7ADBA6F5-ADD2-4E29-81FD-5661DFDBA29B}" type="slidenum">
+            <a:fld id="{D5F2346F-6B8A-47FF-BD14-CD78AB8ED370}" type="slidenum">
               <a:rPr b="0" lang="en-IN" sz="1400" spc="-1" strike="noStrike">
                 <a:solidFill>
                   <a:srgbClr val="000000"/>
@@ -806,7 +807,7 @@
       </p:grpSpPr>
       <p:sp>
         <p:nvSpPr>
-          <p:cNvPr id="113" name="PlaceHolder 1"/>
+          <p:cNvPr id="116" name="PlaceHolder 1"/>
           <p:cNvSpPr>
             <a:spLocks noGrp="1"/>
           </p:cNvSpPr>
@@ -817,7 +818,7 @@
         <p:spPr>
           <a:xfrm>
             <a:off x="680400" y="4690800"/>
-            <a:ext cx="5436360" cy="4441320"/>
+            <a:ext cx="5436000" cy="4440960"/>
           </a:xfrm>
           <a:prstGeom prst="rect">
             <a:avLst/>
@@ -836,14 +837,14 @@
       </p:sp>
       <p:sp>
         <p:nvSpPr>
-          <p:cNvPr id="114" name="CustomShape 2"/>
+          <p:cNvPr id="117" name="CustomShape 2"/>
           <p:cNvSpPr/>
           <p:nvPr/>
         </p:nvSpPr>
         <p:spPr>
           <a:xfrm>
             <a:off x="3849840" y="9378360"/>
-            <a:ext cx="2944440" cy="492480"/>
+            <a:ext cx="2944080" cy="492120"/>
           </a:xfrm>
           <a:prstGeom prst="rect">
             <a:avLst/>
@@ -869,7 +870,110 @@
                 <a:spcPct val="100000"/>
               </a:lnSpc>
             </a:pPr>
-            <a:fld id="{71121606-EB88-4DB1-BD69-7AEFC6F674F9}" type="slidenum">
+            <a:fld id="{D339A5F6-2DCC-4054-A05F-D5BBF56D2CF0}" type="slidenum">
+              <a:rPr b="0" lang="en-IN" sz="1400" spc="-1" strike="noStrike">
+                <a:solidFill>
+                  <a:srgbClr val="000000"/>
+                </a:solidFill>
+                <a:latin typeface="Times New Roman"/>
+                <a:ea typeface="+mn-ea"/>
+              </a:rPr>
+              <a:t>&lt;number&gt;</a:t>
+            </a:fld>
+            <a:endParaRPr b="0" lang="en-IN" sz="1400" spc="-1" strike="noStrike">
+              <a:latin typeface="Arial"/>
+            </a:endParaRPr>
+          </a:p>
+        </p:txBody>
+      </p:sp>
+    </p:spTree>
+  </p:cSld>
+</p:notes>
+</file>
+
+<file path=ppt/notesSlides/notesSlide16.xml><?xml version="1.0" encoding="utf-8"?>
+<p:notes xmlns:a="http://schemas.openxmlformats.org/drawingml/2006/main" xmlns:p="http://schemas.openxmlformats.org/presentationml/2006/main" xmlns:r="http://schemas.openxmlformats.org/officeDocument/2006/relationships" xmlns:p14="http://schemas.microsoft.com/office/powerpoint/2010/main" xmlns:p15="http://schemas.microsoft.com/office/powerpoint/2012/main" xmlns:mc="http://schemas.openxmlformats.org/markup-compatibility/2006">
+  <p:cSld>
+    <p:spTree>
+      <p:nvGrpSpPr>
+        <p:cNvPr id="1" name=""/>
+        <p:cNvGrpSpPr/>
+        <p:nvPr/>
+      </p:nvGrpSpPr>
+      <p:grpSpPr>
+        <a:xfrm>
+          <a:off x="0" y="0"/>
+          <a:ext cx="0" cy="0"/>
+          <a:chOff x="0" y="0"/>
+          <a:chExt cx="0" cy="0"/>
+        </a:xfrm>
+      </p:grpSpPr>
+      <p:sp>
+        <p:nvSpPr>
+          <p:cNvPr id="118" name="PlaceHolder 1"/>
+          <p:cNvSpPr>
+            <a:spLocks noGrp="1"/>
+          </p:cNvSpPr>
+          <p:nvPr>
+            <p:ph type="body"/>
+          </p:nvPr>
+        </p:nvSpPr>
+        <p:spPr>
+          <a:xfrm>
+            <a:off x="680400" y="4690800"/>
+            <a:ext cx="5436000" cy="4440960"/>
+          </a:xfrm>
+          <a:prstGeom prst="rect">
+            <a:avLst/>
+          </a:prstGeom>
+        </p:spPr>
+        <p:txBody>
+          <a:bodyPr lIns="0" rIns="0" tIns="0" bIns="0">
+            <a:noAutofit/>
+          </a:bodyPr>
+          <a:p>
+            <a:endParaRPr b="0" lang="en-IN" sz="2000" spc="-1" strike="noStrike">
+              <a:latin typeface="Arial"/>
+            </a:endParaRPr>
+          </a:p>
+        </p:txBody>
+      </p:sp>
+      <p:sp>
+        <p:nvSpPr>
+          <p:cNvPr id="119" name="CustomShape 2"/>
+          <p:cNvSpPr/>
+          <p:nvPr/>
+        </p:nvSpPr>
+        <p:spPr>
+          <a:xfrm>
+            <a:off x="3849840" y="9378360"/>
+            <a:ext cx="2944080" cy="492120"/>
+          </a:xfrm>
+          <a:prstGeom prst="rect">
+            <a:avLst/>
+          </a:prstGeom>
+          <a:noFill/>
+          <a:ln>
+            <a:noFill/>
+          </a:ln>
+        </p:spPr>
+        <p:style>
+          <a:lnRef idx="0"/>
+          <a:fillRef idx="0"/>
+          <a:effectRef idx="0"/>
+          <a:fontRef idx="minor"/>
+        </p:style>
+        <p:txBody>
+          <a:bodyPr lIns="90000" rIns="90000" tIns="45000" bIns="45000" anchor="b">
+            <a:noAutofit/>
+          </a:bodyPr>
+          <a:p>
+            <a:pPr algn="r">
+              <a:lnSpc>
+                <a:spcPct val="100000"/>
+              </a:lnSpc>
+            </a:pPr>
+            <a:fld id="{A87899E8-BEB7-4701-BB6D-1CCE46D2A804}" type="slidenum">
               <a:rPr b="0" lang="en-IN" sz="1400" spc="-1" strike="noStrike">
                 <a:solidFill>
                   <a:srgbClr val="000000"/>
@@ -909,7 +1013,7 @@
       </p:grpSpPr>
       <p:sp>
         <p:nvSpPr>
-          <p:cNvPr id="101" name="PlaceHolder 1"/>
+          <p:cNvPr id="104" name="PlaceHolder 1"/>
           <p:cNvSpPr>
             <a:spLocks noGrp="1"/>
           </p:cNvSpPr>
@@ -920,7 +1024,7 @@
         <p:spPr>
           <a:xfrm>
             <a:off x="680400" y="4690800"/>
-            <a:ext cx="5436360" cy="4441320"/>
+            <a:ext cx="5436000" cy="4440960"/>
           </a:xfrm>
           <a:prstGeom prst="rect">
             <a:avLst/>
@@ -939,14 +1043,14 @@
       </p:sp>
       <p:sp>
         <p:nvSpPr>
-          <p:cNvPr id="102" name="CustomShape 2"/>
+          <p:cNvPr id="105" name="CustomShape 2"/>
           <p:cNvSpPr/>
           <p:nvPr/>
         </p:nvSpPr>
         <p:spPr>
           <a:xfrm>
             <a:off x="3849840" y="9378360"/>
-            <a:ext cx="2944800" cy="492120"/>
+            <a:ext cx="2944440" cy="491760"/>
           </a:xfrm>
           <a:prstGeom prst="rect">
             <a:avLst/>
@@ -972,7 +1076,7 @@
                 <a:spcPct val="100000"/>
               </a:lnSpc>
             </a:pPr>
-            <a:fld id="{161BC15F-C65F-4766-BE38-2DBD79506AD9}" type="slidenum">
+            <a:fld id="{F7E11511-1042-424C-BE14-5FC96585AE6C}" type="slidenum">
               <a:rPr b="0" lang="en-IN" sz="1400" spc="-1" strike="noStrike">
                 <a:solidFill>
                   <a:srgbClr val="000000"/>
@@ -2386,7 +2490,7 @@
         <p:spPr>
           <a:xfrm>
             <a:off x="0" y="-35280"/>
-            <a:ext cx="9142200" cy="6932520"/>
+            <a:ext cx="9141840" cy="6932160"/>
           </a:xfrm>
           <a:prstGeom prst="rect">
             <a:avLst/>
@@ -2405,7 +2509,7 @@
         <p:spPr>
           <a:xfrm>
             <a:off x="0" y="152280"/>
-            <a:ext cx="1446120" cy="1198440"/>
+            <a:ext cx="1445760" cy="1198080"/>
           </a:xfrm>
           <a:prstGeom prst="rect">
             <a:avLst/>
@@ -2482,7 +2586,7 @@
         <p:spPr>
           <a:xfrm>
             <a:off x="179640" y="138600"/>
-            <a:ext cx="866880" cy="970200"/>
+            <a:ext cx="866520" cy="969840"/>
           </a:xfrm>
           <a:prstGeom prst="rect">
             <a:avLst/>
@@ -2505,7 +2609,7 @@
         <p:spPr>
           <a:xfrm>
             <a:off x="2702520" y="103320"/>
-            <a:ext cx="1619280" cy="988920"/>
+            <a:ext cx="1618920" cy="988560"/>
           </a:xfrm>
           <a:prstGeom prst="rect">
             <a:avLst/>
@@ -2528,7 +2632,7 @@
         <p:spPr>
           <a:xfrm>
             <a:off x="4323600" y="106560"/>
-            <a:ext cx="1618200" cy="986760"/>
+            <a:ext cx="1617840" cy="986400"/>
           </a:xfrm>
           <a:prstGeom prst="rect">
             <a:avLst/>
@@ -2551,7 +2655,7 @@
         <p:spPr>
           <a:xfrm>
             <a:off x="5923800" y="117000"/>
-            <a:ext cx="1618200" cy="988200"/>
+            <a:ext cx="1617840" cy="987840"/>
           </a:xfrm>
           <a:prstGeom prst="rect">
             <a:avLst/>
@@ -2574,7 +2678,7 @@
         <p:spPr>
           <a:xfrm>
             <a:off x="7524000" y="111960"/>
-            <a:ext cx="1618200" cy="988200"/>
+            <a:ext cx="1617840" cy="987840"/>
           </a:xfrm>
           <a:prstGeom prst="rect">
             <a:avLst/>
@@ -2597,7 +2701,7 @@
         <p:spPr>
           <a:xfrm>
             <a:off x="1219320" y="102240"/>
-            <a:ext cx="1618200" cy="988200"/>
+            <a:ext cx="1617840" cy="987840"/>
           </a:xfrm>
           <a:prstGeom prst="rect">
             <a:avLst/>
@@ -2620,7 +2724,7 @@
         <p:spPr>
           <a:xfrm>
             <a:off x="7530120" y="1600200"/>
-            <a:ext cx="1598400" cy="5125320"/>
+            <a:ext cx="1598040" cy="5124960"/>
           </a:xfrm>
           <a:prstGeom prst="rect">
             <a:avLst/>
@@ -2892,7 +2996,7 @@
         <p:spPr>
           <a:xfrm>
             <a:off x="1413000" y="2228400"/>
-            <a:ext cx="6310080" cy="706320"/>
+            <a:ext cx="6309720" cy="705960"/>
           </a:xfrm>
           <a:prstGeom prst="rect">
             <a:avLst/>
@@ -2953,7 +3057,7 @@
         <p:spPr>
           <a:xfrm>
             <a:off x="345600" y="3850560"/>
-            <a:ext cx="8456400" cy="2004480"/>
+            <a:ext cx="8456040" cy="2004120"/>
           </a:xfrm>
           <a:prstGeom prst="rect">
             <a:avLst/>
@@ -3236,7 +3340,7 @@
         <p:spPr>
           <a:xfrm>
             <a:off x="1523880" y="1581120"/>
-            <a:ext cx="7618320" cy="34560"/>
+            <a:ext cx="7617960" cy="34200"/>
           </a:xfrm>
           <a:prstGeom prst="rect">
             <a:avLst/>
@@ -3264,7 +3368,7 @@
         <p:spPr>
           <a:xfrm>
             <a:off x="1371600" y="1143000"/>
-            <a:ext cx="7770600" cy="459720"/>
+            <a:ext cx="7770240" cy="459360"/>
           </a:xfrm>
           <a:prstGeom prst="rect">
             <a:avLst/>
@@ -3285,7 +3389,7 @@
             <a:noAutofit/>
           </a:bodyPr>
           <a:p>
-            <a:pPr marL="343080" indent="-340920" algn="r">
+            <a:pPr marL="343080" indent="-340560" algn="r">
               <a:lnSpc>
                 <a:spcPct val="100000"/>
               </a:lnSpc>
@@ -3315,7 +3419,7 @@
         <p:spPr>
           <a:xfrm>
             <a:off x="505800" y="1617840"/>
-            <a:ext cx="6866640" cy="4757040"/>
+            <a:ext cx="6866280" cy="4756680"/>
           </a:xfrm>
           <a:prstGeom prst="rect">
             <a:avLst/>
@@ -3344,8 +3448,8 @@
         </p:blipFill>
         <p:spPr>
           <a:xfrm>
-            <a:off x="648000" y="1722600"/>
-            <a:ext cx="6840000" cy="4829040"/>
+            <a:off x="288000" y="1728000"/>
+            <a:ext cx="7272000" cy="4896000"/>
           </a:xfrm>
           <a:prstGeom prst="rect">
             <a:avLst/>
@@ -3394,7 +3498,7 @@
         <p:spPr>
           <a:xfrm>
             <a:off x="1523880" y="1581120"/>
-            <a:ext cx="7618320" cy="34560"/>
+            <a:ext cx="7617960" cy="34200"/>
           </a:xfrm>
           <a:prstGeom prst="rect">
             <a:avLst/>
@@ -3422,7 +3526,7 @@
         <p:spPr>
           <a:xfrm>
             <a:off x="1371600" y="1143000"/>
-            <a:ext cx="7770600" cy="459720"/>
+            <a:ext cx="7770240" cy="459360"/>
           </a:xfrm>
           <a:prstGeom prst="rect">
             <a:avLst/>
@@ -3443,7 +3547,7 @@
             <a:noAutofit/>
           </a:bodyPr>
           <a:p>
-            <a:pPr marL="343080" indent="-340920" algn="r">
+            <a:pPr marL="343080" indent="-340560" algn="r">
               <a:lnSpc>
                 <a:spcPct val="100000"/>
               </a:lnSpc>
@@ -3473,7 +3577,7 @@
         <p:spPr>
           <a:xfrm>
             <a:off x="505800" y="1617840"/>
-            <a:ext cx="6866640" cy="4757040"/>
+            <a:ext cx="6866280" cy="4756680"/>
           </a:xfrm>
           <a:prstGeom prst="rect">
             <a:avLst/>
@@ -3503,7 +3607,7 @@
         <p:spPr>
           <a:xfrm>
             <a:off x="144360" y="2719080"/>
-            <a:ext cx="7228080" cy="2248560"/>
+            <a:ext cx="7227720" cy="2248200"/>
           </a:xfrm>
           <a:prstGeom prst="rect">
             <a:avLst/>
@@ -3552,7 +3656,7 @@
         <p:spPr>
           <a:xfrm>
             <a:off x="1523880" y="1581120"/>
-            <a:ext cx="7618320" cy="34920"/>
+            <a:ext cx="7617960" cy="34560"/>
           </a:xfrm>
           <a:prstGeom prst="rect">
             <a:avLst/>
@@ -3580,7 +3684,7 @@
         <p:spPr>
           <a:xfrm>
             <a:off x="1371600" y="1143000"/>
-            <a:ext cx="7770600" cy="460080"/>
+            <a:ext cx="7770240" cy="459720"/>
           </a:xfrm>
           <a:prstGeom prst="rect">
             <a:avLst/>
@@ -3601,7 +3705,7 @@
             <a:noAutofit/>
           </a:bodyPr>
           <a:p>
-            <a:pPr marL="343080" indent="-340920" algn="r">
+            <a:pPr marL="343080" indent="-340560" algn="r">
               <a:lnSpc>
                 <a:spcPct val="100000"/>
               </a:lnSpc>
@@ -3631,7 +3735,7 @@
         <p:spPr>
           <a:xfrm>
             <a:off x="533520" y="2678760"/>
-            <a:ext cx="6861960" cy="3872520"/>
+            <a:ext cx="6861600" cy="3872160"/>
           </a:xfrm>
           <a:prstGeom prst="rect">
             <a:avLst/>
@@ -3652,7 +3756,7 @@
             <a:noAutofit/>
           </a:bodyPr>
           <a:p>
-            <a:pPr marL="285840" indent="-285120" algn="just">
+            <a:pPr marL="285840" indent="-284760" algn="just">
               <a:lnSpc>
                 <a:spcPct val="150000"/>
               </a:lnSpc>
@@ -3677,7 +3781,7 @@
             </a:endParaRPr>
           </a:p>
           <a:p>
-            <a:pPr marL="285840" indent="-285120" algn="just">
+            <a:pPr marL="285840" indent="-284760" algn="just">
               <a:lnSpc>
                 <a:spcPct val="150000"/>
               </a:lnSpc>
@@ -3702,7 +3806,7 @@
             </a:endParaRPr>
           </a:p>
           <a:p>
-            <a:pPr marL="285840" indent="-285120" algn="just">
+            <a:pPr marL="285840" indent="-284760" algn="just">
               <a:lnSpc>
                 <a:spcPct val="150000"/>
               </a:lnSpc>
@@ -3767,7 +3871,7 @@
         <p:spPr>
           <a:xfrm>
             <a:off x="1523880" y="1581120"/>
-            <a:ext cx="7618320" cy="34920"/>
+            <a:ext cx="7617960" cy="34560"/>
           </a:xfrm>
           <a:prstGeom prst="rect">
             <a:avLst/>
@@ -3795,7 +3899,7 @@
         <p:spPr>
           <a:xfrm>
             <a:off x="1371600" y="1143000"/>
-            <a:ext cx="7770600" cy="460080"/>
+            <a:ext cx="7770240" cy="459720"/>
           </a:xfrm>
           <a:prstGeom prst="rect">
             <a:avLst/>
@@ -3816,7 +3920,7 @@
             <a:noAutofit/>
           </a:bodyPr>
           <a:p>
-            <a:pPr marL="343080" indent="-340920" algn="r">
+            <a:pPr marL="343080" indent="-340560" algn="r">
               <a:lnSpc>
                 <a:spcPct val="100000"/>
               </a:lnSpc>
@@ -3829,7 +3933,7 @@
                 <a:latin typeface="Times New Roman"/>
                 <a:ea typeface="Trebuchet MS"/>
               </a:rPr>
-              <a:t>Policy and Algorithm 1 of 2 (Infrequent Transfer)</a:t>
+              <a:t>Actual Hadoop Architecture</a:t>
             </a:r>
             <a:endParaRPr b="0" lang="en-IN" sz="2400" spc="-1" strike="noStrike">
               <a:latin typeface="Arial"/>
@@ -3849,8 +3953,8 @@
         </p:blipFill>
         <p:spPr>
           <a:xfrm>
-            <a:off x="238680" y="1656000"/>
-            <a:ext cx="7536960" cy="4967640"/>
+            <a:off x="288000" y="1728000"/>
+            <a:ext cx="7272000" cy="4896000"/>
           </a:xfrm>
           <a:prstGeom prst="rect">
             <a:avLst/>
@@ -3899,7 +4003,7 @@
         <p:spPr>
           <a:xfrm>
             <a:off x="1523880" y="1581120"/>
-            <a:ext cx="7618320" cy="34920"/>
+            <a:ext cx="7617960" cy="34560"/>
           </a:xfrm>
           <a:prstGeom prst="rect">
             <a:avLst/>
@@ -3927,7 +4031,7 @@
         <p:spPr>
           <a:xfrm>
             <a:off x="1371600" y="1143000"/>
-            <a:ext cx="7770600" cy="460080"/>
+            <a:ext cx="7770240" cy="459720"/>
           </a:xfrm>
           <a:prstGeom prst="rect">
             <a:avLst/>
@@ -3948,7 +4052,7 @@
             <a:noAutofit/>
           </a:bodyPr>
           <a:p>
-            <a:pPr marL="343080" indent="-340920" algn="r">
+            <a:pPr marL="343080" indent="-340560" algn="r">
               <a:lnSpc>
                 <a:spcPct val="100000"/>
               </a:lnSpc>
@@ -3961,7 +4065,7 @@
                 <a:latin typeface="Times New Roman"/>
                 <a:ea typeface="Trebuchet MS"/>
               </a:rPr>
-              <a:t>Policy and Algorithm 2 of 2 (Frequent Transfer)</a:t>
+              <a:t>Policy and Algorithm 1 of 2 (Infrequent Transfer)</a:t>
             </a:r>
             <a:endParaRPr b="0" lang="en-IN" sz="2400" spc="-1" strike="noStrike">
               <a:latin typeface="Arial"/>
@@ -3981,8 +4085,8 @@
         </p:blipFill>
         <p:spPr>
           <a:xfrm>
-            <a:off x="166680" y="1656000"/>
-            <a:ext cx="7536960" cy="4980240"/>
+            <a:off x="238680" y="1656000"/>
+            <a:ext cx="7536600" cy="4967280"/>
           </a:xfrm>
           <a:prstGeom prst="rect">
             <a:avLst/>
@@ -4031,7 +4135,7 @@
         <p:spPr>
           <a:xfrm>
             <a:off x="1523880" y="1581120"/>
-            <a:ext cx="7618320" cy="34920"/>
+            <a:ext cx="7617960" cy="34560"/>
           </a:xfrm>
           <a:prstGeom prst="rect">
             <a:avLst/>
@@ -4059,7 +4163,7 @@
         <p:spPr>
           <a:xfrm>
             <a:off x="1371600" y="1143000"/>
-            <a:ext cx="7770600" cy="460080"/>
+            <a:ext cx="7770240" cy="459720"/>
           </a:xfrm>
           <a:prstGeom prst="rect">
             <a:avLst/>
@@ -4080,7 +4184,7 @@
             <a:noAutofit/>
           </a:bodyPr>
           <a:p>
-            <a:pPr marL="343080" indent="-340920" algn="r">
+            <a:pPr marL="343080" indent="-340560" algn="r">
               <a:lnSpc>
                 <a:spcPct val="100000"/>
               </a:lnSpc>
@@ -4093,7 +4197,7 @@
                 <a:latin typeface="Times New Roman"/>
                 <a:ea typeface="Trebuchet MS"/>
               </a:rPr>
-              <a:t>Technologies Used</a:t>
+              <a:t>Policy and Algorithm 2 of 2 (Frequent Transfer)</a:t>
             </a:r>
             <a:endParaRPr b="0" lang="en-IN" sz="2400" spc="-1" strike="noStrike">
               <a:latin typeface="Arial"/>
@@ -4101,132 +4205,29 @@
           </a:p>
         </p:txBody>
       </p:sp>
-      <p:sp>
-        <p:nvSpPr>
-          <p:cNvPr id="99" name="CustomShape 3"/>
-          <p:cNvSpPr/>
+      <p:pic>
+        <p:nvPicPr>
+          <p:cNvPr id="99" name="" descr=""/>
+          <p:cNvPicPr/>
           <p:nvPr/>
-        </p:nvSpPr>
-        <p:spPr>
-          <a:xfrm>
-            <a:off x="480960" y="1728000"/>
-            <a:ext cx="6861960" cy="4722480"/>
-          </a:xfrm>
-          <a:prstGeom prst="rect">
-            <a:avLst/>
-          </a:prstGeom>
-          <a:noFill/>
+        </p:nvPicPr>
+        <p:blipFill>
+          <a:blip r:embed="rId1"/>
+          <a:stretch/>
+        </p:blipFill>
+        <p:spPr>
+          <a:xfrm>
+            <a:off x="166680" y="1656000"/>
+            <a:ext cx="7536600" cy="4979880"/>
+          </a:xfrm>
+          <a:prstGeom prst="rect">
+            <a:avLst/>
+          </a:prstGeom>
           <a:ln>
             <a:noFill/>
           </a:ln>
         </p:spPr>
-        <p:style>
-          <a:lnRef idx="0"/>
-          <a:fillRef idx="0"/>
-          <a:effectRef idx="0"/>
-          <a:fontRef idx="minor"/>
-        </p:style>
-        <p:txBody>
-          <a:bodyPr lIns="90000" rIns="90000" tIns="45000" bIns="45000" anchor="ctr">
-            <a:noAutofit/>
-          </a:bodyPr>
-          <a:p>
-            <a:pPr marL="285840" indent="-285120" algn="just">
-              <a:lnSpc>
-                <a:spcPct val="100000"/>
-              </a:lnSpc>
-              <a:buClr>
-                <a:srgbClr val="000000"/>
-              </a:buClr>
-              <a:buFont typeface="Arial"/>
-              <a:buChar char="•"/>
-            </a:pPr>
-            <a:r>
-              <a:rPr b="0" lang="en-IN" sz="1800" spc="-1" strike="noStrike">
-                <a:solidFill>
-                  <a:srgbClr val="000000"/>
-                </a:solidFill>
-                <a:latin typeface="Arial"/>
-                <a:ea typeface="Arial"/>
-              </a:rPr>
-              <a:t>HDFS replication simulator</a:t>
-            </a:r>
-            <a:endParaRPr b="0" lang="en-IN" sz="1800" spc="-1" strike="noStrike">
-              <a:latin typeface="Arial"/>
-            </a:endParaRPr>
-          </a:p>
-          <a:p>
-            <a:pPr algn="just">
-              <a:lnSpc>
-                <a:spcPct val="100000"/>
-              </a:lnSpc>
-            </a:pPr>
-            <a:endParaRPr b="0" lang="en-IN" sz="1800" spc="-1" strike="noStrike">
-              <a:latin typeface="Arial"/>
-            </a:endParaRPr>
-          </a:p>
-          <a:p>
-            <a:pPr marL="285840" indent="-285120" algn="just">
-              <a:lnSpc>
-                <a:spcPct val="100000"/>
-              </a:lnSpc>
-              <a:buClr>
-                <a:srgbClr val="000000"/>
-              </a:buClr>
-              <a:buFont typeface="Arial"/>
-              <a:buChar char="•"/>
-            </a:pPr>
-            <a:r>
-              <a:rPr b="0" lang="en-IN" sz="1800" spc="-1" strike="noStrike">
-                <a:solidFill>
-                  <a:srgbClr val="000000"/>
-                </a:solidFill>
-                <a:latin typeface="Arial"/>
-                <a:ea typeface="Arial"/>
-              </a:rPr>
-              <a:t>Java</a:t>
-            </a:r>
-            <a:endParaRPr b="0" lang="en-IN" sz="1800" spc="-1" strike="noStrike">
-              <a:latin typeface="Arial"/>
-            </a:endParaRPr>
-          </a:p>
-          <a:p>
-            <a:pPr algn="just">
-              <a:lnSpc>
-                <a:spcPct val="100000"/>
-              </a:lnSpc>
-            </a:pPr>
-            <a:endParaRPr b="0" lang="en-IN" sz="1800" spc="-1" strike="noStrike">
-              <a:latin typeface="Arial"/>
-            </a:endParaRPr>
-          </a:p>
-          <a:p>
-            <a:pPr marL="285840" indent="-285120" algn="just">
-              <a:lnSpc>
-                <a:spcPct val="100000"/>
-              </a:lnSpc>
-              <a:buClr>
-                <a:srgbClr val="000000"/>
-              </a:buClr>
-              <a:buFont typeface="Arial"/>
-              <a:buChar char="•"/>
-            </a:pPr>
-            <a:r>
-              <a:rPr b="0" lang="en-IN" sz="1800" spc="-1" strike="noStrike">
-                <a:solidFill>
-                  <a:srgbClr val="000000"/>
-                </a:solidFill>
-                <a:latin typeface="Arial"/>
-                <a:ea typeface="Arial"/>
-              </a:rPr>
-              <a:t>Draw.io</a:t>
-            </a:r>
-            <a:endParaRPr b="0" lang="en-IN" sz="1800" spc="-1" strike="noStrike">
-              <a:latin typeface="Arial"/>
-            </a:endParaRPr>
-          </a:p>
-        </p:txBody>
-      </p:sp>
+      </p:pic>
     </p:spTree>
   </p:cSld>
   <mc:AlternateContent>
@@ -4265,8 +4266,243 @@
         </p:nvSpPr>
         <p:spPr>
           <a:xfrm>
+            <a:off x="1523880" y="1581120"/>
+            <a:ext cx="7617960" cy="34560"/>
+          </a:xfrm>
+          <a:prstGeom prst="rect">
+            <a:avLst/>
+          </a:prstGeom>
+          <a:solidFill>
+            <a:srgbClr val="33cccc"/>
+          </a:solidFill>
+          <a:ln>
+            <a:noFill/>
+          </a:ln>
+        </p:spPr>
+        <p:style>
+          <a:lnRef idx="0"/>
+          <a:fillRef idx="0"/>
+          <a:effectRef idx="0"/>
+          <a:fontRef idx="minor"/>
+        </p:style>
+      </p:sp>
+      <p:sp>
+        <p:nvSpPr>
+          <p:cNvPr id="101" name="CustomShape 2"/>
+          <p:cNvSpPr/>
+          <p:nvPr/>
+        </p:nvSpPr>
+        <p:spPr>
+          <a:xfrm>
+            <a:off x="1371600" y="1143000"/>
+            <a:ext cx="7770240" cy="459720"/>
+          </a:xfrm>
+          <a:prstGeom prst="rect">
+            <a:avLst/>
+          </a:prstGeom>
+          <a:noFill/>
+          <a:ln>
+            <a:noFill/>
+          </a:ln>
+        </p:spPr>
+        <p:style>
+          <a:lnRef idx="0"/>
+          <a:fillRef idx="0"/>
+          <a:effectRef idx="0"/>
+          <a:fontRef idx="minor"/>
+        </p:style>
+        <p:txBody>
+          <a:bodyPr lIns="90000" rIns="90000" tIns="45000" bIns="45000">
+            <a:noAutofit/>
+          </a:bodyPr>
+          <a:p>
+            <a:pPr marL="343080" indent="-340560" algn="r">
+              <a:lnSpc>
+                <a:spcPct val="100000"/>
+              </a:lnSpc>
+            </a:pPr>
+            <a:r>
+              <a:rPr b="1" lang="en-IN" sz="2400" spc="-1" strike="noStrike">
+                <a:solidFill>
+                  <a:srgbClr val="ff0000"/>
+                </a:solidFill>
+                <a:latin typeface="Times New Roman"/>
+                <a:ea typeface="Trebuchet MS"/>
+              </a:rPr>
+              <a:t>Technologies Used</a:t>
+            </a:r>
+            <a:endParaRPr b="0" lang="en-IN" sz="2400" spc="-1" strike="noStrike">
+              <a:latin typeface="Arial"/>
+            </a:endParaRPr>
+          </a:p>
+        </p:txBody>
+      </p:sp>
+      <p:sp>
+        <p:nvSpPr>
+          <p:cNvPr id="102" name="CustomShape 3"/>
+          <p:cNvSpPr/>
+          <p:nvPr/>
+        </p:nvSpPr>
+        <p:spPr>
+          <a:xfrm>
+            <a:off x="480960" y="1728000"/>
+            <a:ext cx="6861600" cy="4722120"/>
+          </a:xfrm>
+          <a:prstGeom prst="rect">
+            <a:avLst/>
+          </a:prstGeom>
+          <a:noFill/>
+          <a:ln>
+            <a:noFill/>
+          </a:ln>
+        </p:spPr>
+        <p:style>
+          <a:lnRef idx="0"/>
+          <a:fillRef idx="0"/>
+          <a:effectRef idx="0"/>
+          <a:fontRef idx="minor"/>
+        </p:style>
+        <p:txBody>
+          <a:bodyPr lIns="90000" rIns="90000" tIns="45000" bIns="45000" anchor="ctr">
+            <a:noAutofit/>
+          </a:bodyPr>
+          <a:p>
+            <a:pPr marL="285840" indent="-284760" algn="just">
+              <a:lnSpc>
+                <a:spcPct val="100000"/>
+              </a:lnSpc>
+              <a:buClr>
+                <a:srgbClr val="000000"/>
+              </a:buClr>
+              <a:buFont typeface="Arial"/>
+              <a:buChar char="•"/>
+            </a:pPr>
+            <a:r>
+              <a:rPr b="0" lang="en-IN" sz="1800" spc="-1" strike="noStrike">
+                <a:solidFill>
+                  <a:srgbClr val="000000"/>
+                </a:solidFill>
+                <a:latin typeface="Arial"/>
+                <a:ea typeface="Arial"/>
+              </a:rPr>
+              <a:t>HDFS replication simulator</a:t>
+            </a:r>
+            <a:endParaRPr b="0" lang="en-IN" sz="1800" spc="-1" strike="noStrike">
+              <a:latin typeface="Arial"/>
+            </a:endParaRPr>
+          </a:p>
+          <a:p>
+            <a:pPr algn="just">
+              <a:lnSpc>
+                <a:spcPct val="100000"/>
+              </a:lnSpc>
+            </a:pPr>
+            <a:endParaRPr b="0" lang="en-IN" sz="1800" spc="-1" strike="noStrike">
+              <a:latin typeface="Arial"/>
+            </a:endParaRPr>
+          </a:p>
+          <a:p>
+            <a:pPr marL="285840" indent="-284760" algn="just">
+              <a:lnSpc>
+                <a:spcPct val="100000"/>
+              </a:lnSpc>
+              <a:buClr>
+                <a:srgbClr val="000000"/>
+              </a:buClr>
+              <a:buFont typeface="Arial"/>
+              <a:buChar char="•"/>
+            </a:pPr>
+            <a:r>
+              <a:rPr b="0" lang="en-IN" sz="1800" spc="-1" strike="noStrike">
+                <a:solidFill>
+                  <a:srgbClr val="000000"/>
+                </a:solidFill>
+                <a:latin typeface="Arial"/>
+                <a:ea typeface="Arial"/>
+              </a:rPr>
+              <a:t>Java</a:t>
+            </a:r>
+            <a:endParaRPr b="0" lang="en-IN" sz="1800" spc="-1" strike="noStrike">
+              <a:latin typeface="Arial"/>
+            </a:endParaRPr>
+          </a:p>
+          <a:p>
+            <a:pPr algn="just">
+              <a:lnSpc>
+                <a:spcPct val="100000"/>
+              </a:lnSpc>
+            </a:pPr>
+            <a:endParaRPr b="0" lang="en-IN" sz="1800" spc="-1" strike="noStrike">
+              <a:latin typeface="Arial"/>
+            </a:endParaRPr>
+          </a:p>
+          <a:p>
+            <a:pPr marL="285840" indent="-284760" algn="just">
+              <a:lnSpc>
+                <a:spcPct val="100000"/>
+              </a:lnSpc>
+              <a:buClr>
+                <a:srgbClr val="000000"/>
+              </a:buClr>
+              <a:buFont typeface="Arial"/>
+              <a:buChar char="•"/>
+            </a:pPr>
+            <a:r>
+              <a:rPr b="0" lang="en-IN" sz="1800" spc="-1" strike="noStrike">
+                <a:solidFill>
+                  <a:srgbClr val="000000"/>
+                </a:solidFill>
+                <a:latin typeface="Arial"/>
+                <a:ea typeface="Arial"/>
+              </a:rPr>
+              <a:t>Draw.io</a:t>
+            </a:r>
+            <a:endParaRPr b="0" lang="en-IN" sz="1800" spc="-1" strike="noStrike">
+              <a:latin typeface="Arial"/>
+            </a:endParaRPr>
+          </a:p>
+        </p:txBody>
+      </p:sp>
+    </p:spTree>
+  </p:cSld>
+  <mc:AlternateContent>
+    <mc:Choice Requires="p14">
+      <p:transition spd="slow" p14:dur="2000"/>
+    </mc:Choice>
+    <mc:Fallback>
+      <p:transition spd="slow"/>
+    </mc:Fallback>
+  </mc:AlternateContent>
+</p:sld>
+</file>
+
+<file path=ppt/slides/slide17.xml><?xml version="1.0" encoding="utf-8"?>
+<p:sld xmlns:a="http://schemas.openxmlformats.org/drawingml/2006/main" xmlns:p="http://schemas.openxmlformats.org/presentationml/2006/main" xmlns:r="http://schemas.openxmlformats.org/officeDocument/2006/relationships" xmlns:p14="http://schemas.microsoft.com/office/powerpoint/2010/main" xmlns:p15="http://schemas.microsoft.com/office/powerpoint/2012/main" xmlns:mc="http://schemas.openxmlformats.org/markup-compatibility/2006">
+  <p:cSld>
+    <p:spTree>
+      <p:nvGrpSpPr>
+        <p:cNvPr id="1" name=""/>
+        <p:cNvGrpSpPr/>
+        <p:nvPr/>
+      </p:nvGrpSpPr>
+      <p:grpSpPr>
+        <a:xfrm>
+          <a:off x="0" y="0"/>
+          <a:ext cx="0" cy="0"/>
+          <a:chOff x="0" y="0"/>
+          <a:chExt cx="0" cy="0"/>
+        </a:xfrm>
+      </p:grpSpPr>
+      <p:sp>
+        <p:nvSpPr>
+          <p:cNvPr id="103" name="CustomShape 1"/>
+          <p:cNvSpPr/>
+          <p:nvPr/>
+        </p:nvSpPr>
+        <p:spPr>
+          <a:xfrm>
             <a:off x="2847600" y="3352680"/>
-            <a:ext cx="2922120" cy="705960"/>
+            <a:ext cx="2921760" cy="705600"/>
           </a:xfrm>
           <a:prstGeom prst="rect">
             <a:avLst/>
@@ -4347,7 +4583,7 @@
         <p:spPr>
           <a:xfrm>
             <a:off x="1523880" y="1581120"/>
-            <a:ext cx="7618320" cy="34560"/>
+            <a:ext cx="7617960" cy="34200"/>
           </a:xfrm>
           <a:prstGeom prst="rect">
             <a:avLst/>
@@ -4375,7 +4611,7 @@
         <p:spPr>
           <a:xfrm>
             <a:off x="2666880" y="1143000"/>
-            <a:ext cx="6475320" cy="459720"/>
+            <a:ext cx="6474960" cy="459360"/>
           </a:xfrm>
           <a:prstGeom prst="rect">
             <a:avLst/>
@@ -4396,7 +4632,7 @@
             <a:noAutofit/>
           </a:bodyPr>
           <a:p>
-            <a:pPr marL="343080" indent="-340920" algn="r">
+            <a:pPr marL="343080" indent="-340560" algn="r">
               <a:lnSpc>
                 <a:spcPct val="100000"/>
               </a:lnSpc>
@@ -4426,7 +4662,7 @@
         <p:spPr>
           <a:xfrm>
             <a:off x="173160" y="1767960"/>
-            <a:ext cx="7455600" cy="4283640"/>
+            <a:ext cx="7455240" cy="4283280"/>
           </a:xfrm>
           <a:prstGeom prst="rect">
             <a:avLst/>
@@ -4467,7 +4703,7 @@
             </a:endParaRPr>
           </a:p>
           <a:p>
-            <a:pPr marL="527040" indent="-285120">
+            <a:pPr marL="527040" indent="-284760">
               <a:lnSpc>
                 <a:spcPct val="150000"/>
               </a:lnSpc>
@@ -4492,7 +4728,7 @@
             </a:endParaRPr>
           </a:p>
           <a:p>
-            <a:pPr marL="527040" indent="-285120">
+            <a:pPr marL="527040" indent="-284760">
               <a:lnSpc>
                 <a:spcPct val="150000"/>
               </a:lnSpc>
@@ -4517,7 +4753,7 @@
             </a:endParaRPr>
           </a:p>
           <a:p>
-            <a:pPr marL="527040" indent="-285120">
+            <a:pPr marL="527040" indent="-284760">
               <a:lnSpc>
                 <a:spcPct val="150000"/>
               </a:lnSpc>
@@ -4542,7 +4778,7 @@
             </a:endParaRPr>
           </a:p>
           <a:p>
-            <a:pPr marL="527040" indent="-285120">
+            <a:pPr marL="527040" indent="-284760">
               <a:lnSpc>
                 <a:spcPct val="150000"/>
               </a:lnSpc>
@@ -4607,7 +4843,7 @@
         <p:spPr>
           <a:xfrm>
             <a:off x="1523880" y="1581120"/>
-            <a:ext cx="7618320" cy="34560"/>
+            <a:ext cx="7617960" cy="34200"/>
           </a:xfrm>
           <a:prstGeom prst="rect">
             <a:avLst/>
@@ -4635,7 +4871,7 @@
         <p:spPr>
           <a:xfrm>
             <a:off x="2666880" y="1143000"/>
-            <a:ext cx="6475320" cy="459720"/>
+            <a:ext cx="6474960" cy="459360"/>
           </a:xfrm>
           <a:prstGeom prst="rect">
             <a:avLst/>
@@ -4656,7 +4892,7 @@
             <a:noAutofit/>
           </a:bodyPr>
           <a:p>
-            <a:pPr marL="343080" indent="-340920" algn="r">
+            <a:pPr marL="343080" indent="-340560" algn="r">
               <a:lnSpc>
                 <a:spcPct val="100000"/>
               </a:lnSpc>
@@ -4686,7 +4922,7 @@
         <p:spPr>
           <a:xfrm>
             <a:off x="0" y="1617840"/>
-            <a:ext cx="7703280" cy="4334760"/>
+            <a:ext cx="7702920" cy="4334400"/>
           </a:xfrm>
           <a:prstGeom prst="rect">
             <a:avLst/>
@@ -4727,7 +4963,7 @@
             </a:endParaRPr>
           </a:p>
           <a:p>
-            <a:pPr marL="527040" indent="-285120">
+            <a:pPr marL="527040" indent="-284760">
               <a:lnSpc>
                 <a:spcPct val="150000"/>
               </a:lnSpc>
@@ -4752,7 +4988,7 @@
             </a:endParaRPr>
           </a:p>
           <a:p>
-            <a:pPr marL="527040" indent="-285120">
+            <a:pPr marL="527040" indent="-284760">
               <a:lnSpc>
                 <a:spcPct val="150000"/>
               </a:lnSpc>
@@ -4777,7 +5013,7 @@
             </a:endParaRPr>
           </a:p>
           <a:p>
-            <a:pPr marL="527040" indent="-285120">
+            <a:pPr marL="527040" indent="-284760">
               <a:lnSpc>
                 <a:spcPct val="150000"/>
               </a:lnSpc>
@@ -4842,7 +5078,7 @@
         <p:spPr>
           <a:xfrm>
             <a:off x="1523880" y="1581120"/>
-            <a:ext cx="7618320" cy="34560"/>
+            <a:ext cx="7617960" cy="34200"/>
           </a:xfrm>
           <a:prstGeom prst="rect">
             <a:avLst/>
@@ -4870,7 +5106,7 @@
         <p:spPr>
           <a:xfrm>
             <a:off x="2666880" y="1143000"/>
-            <a:ext cx="6475320" cy="459720"/>
+            <a:ext cx="6474960" cy="459360"/>
           </a:xfrm>
           <a:prstGeom prst="rect">
             <a:avLst/>
@@ -4891,7 +5127,7 @@
             <a:noAutofit/>
           </a:bodyPr>
           <a:p>
-            <a:pPr marL="343080" indent="-340920" algn="r">
+            <a:pPr marL="343080" indent="-340560" algn="r">
               <a:lnSpc>
                 <a:spcPct val="100000"/>
               </a:lnSpc>
@@ -4921,7 +5157,7 @@
         <p:spPr>
           <a:xfrm>
             <a:off x="360000" y="1656000"/>
-            <a:ext cx="7485120" cy="4838760"/>
+            <a:ext cx="7484760" cy="4838400"/>
           </a:xfrm>
           <a:prstGeom prst="rect">
             <a:avLst/>
@@ -4962,7 +5198,7 @@
             </a:endParaRPr>
           </a:p>
           <a:p>
-            <a:pPr marL="527040" indent="-285120">
+            <a:pPr marL="527040" indent="-284760">
               <a:lnSpc>
                 <a:spcPct val="150000"/>
               </a:lnSpc>
@@ -5068,7 +5304,7 @@
             </a:endParaRPr>
           </a:p>
           <a:p>
-            <a:pPr marL="527040" indent="-285120">
+            <a:pPr marL="527040" indent="-284760">
               <a:lnSpc>
                 <a:spcPct val="150000"/>
               </a:lnSpc>
@@ -5194,7 +5430,7 @@
         <p:spPr>
           <a:xfrm>
             <a:off x="1523880" y="1581120"/>
-            <a:ext cx="7618320" cy="34560"/>
+            <a:ext cx="7617960" cy="34200"/>
           </a:xfrm>
           <a:prstGeom prst="rect">
             <a:avLst/>
@@ -5222,7 +5458,7 @@
         <p:spPr>
           <a:xfrm>
             <a:off x="2666880" y="1143000"/>
-            <a:ext cx="6475320" cy="459720"/>
+            <a:ext cx="6474960" cy="459360"/>
           </a:xfrm>
           <a:prstGeom prst="rect">
             <a:avLst/>
@@ -5243,7 +5479,7 @@
             <a:noAutofit/>
           </a:bodyPr>
           <a:p>
-            <a:pPr marL="343080" indent="-340920" algn="r">
+            <a:pPr marL="343080" indent="-340560" algn="r">
               <a:lnSpc>
                 <a:spcPct val="100000"/>
               </a:lnSpc>
@@ -5273,7 +5509,7 @@
         <p:spPr>
           <a:xfrm>
             <a:off x="360000" y="1656000"/>
-            <a:ext cx="7485120" cy="4838760"/>
+            <a:ext cx="7484760" cy="4838400"/>
           </a:xfrm>
           <a:prstGeom prst="rect">
             <a:avLst/>
@@ -5314,7 +5550,7 @@
             </a:endParaRPr>
           </a:p>
           <a:p>
-            <a:pPr marL="527040" indent="-285120">
+            <a:pPr marL="527040" indent="-284760">
               <a:lnSpc>
                 <a:spcPct val="150000"/>
               </a:lnSpc>
@@ -5420,7 +5656,7 @@
             </a:endParaRPr>
           </a:p>
           <a:p>
-            <a:pPr marL="527040" indent="-285120">
+            <a:pPr marL="527040" indent="-284760">
               <a:lnSpc>
                 <a:spcPct val="150000"/>
               </a:lnSpc>
@@ -5546,7 +5782,7 @@
         <p:spPr>
           <a:xfrm>
             <a:off x="1523880" y="1581120"/>
-            <a:ext cx="7618320" cy="34920"/>
+            <a:ext cx="7617960" cy="34560"/>
           </a:xfrm>
           <a:prstGeom prst="rect">
             <a:avLst/>
@@ -5574,7 +5810,7 @@
         <p:spPr>
           <a:xfrm>
             <a:off x="1371600" y="1143000"/>
-            <a:ext cx="7770600" cy="460080"/>
+            <a:ext cx="7770240" cy="459720"/>
           </a:xfrm>
           <a:prstGeom prst="rect">
             <a:avLst/>
@@ -5595,7 +5831,7 @@
             <a:noAutofit/>
           </a:bodyPr>
           <a:p>
-            <a:pPr marL="343080" indent="-340920" algn="r">
+            <a:pPr marL="343080" indent="-340560" algn="r">
               <a:lnSpc>
                 <a:spcPct val="100000"/>
               </a:lnSpc>
@@ -5625,7 +5861,7 @@
         <p:spPr>
           <a:xfrm>
             <a:off x="516960" y="2133720"/>
-            <a:ext cx="7003800" cy="3731400"/>
+            <a:ext cx="7003440" cy="3731040"/>
           </a:xfrm>
           <a:prstGeom prst="rect">
             <a:avLst/>
@@ -5646,7 +5882,7 @@
             <a:noAutofit/>
           </a:bodyPr>
           <a:p>
-            <a:pPr marL="285840" indent="-285120" algn="just">
+            <a:pPr marL="285840" indent="-284760" algn="just">
               <a:lnSpc>
                 <a:spcPct val="100000"/>
               </a:lnSpc>
@@ -5681,7 +5917,7 @@
             </a:endParaRPr>
           </a:p>
           <a:p>
-            <a:pPr marL="285840" indent="-285120" algn="just">
+            <a:pPr marL="285840" indent="-284760" algn="just">
               <a:lnSpc>
                 <a:spcPct val="100000"/>
               </a:lnSpc>
@@ -5716,7 +5952,7 @@
             </a:endParaRPr>
           </a:p>
           <a:p>
-            <a:pPr marL="285840" indent="-285120" algn="just">
+            <a:pPr marL="285840" indent="-284760" algn="just">
               <a:lnSpc>
                 <a:spcPct val="100000"/>
               </a:lnSpc>
@@ -5751,7 +5987,7 @@
             </a:endParaRPr>
           </a:p>
           <a:p>
-            <a:pPr marL="285840" indent="-285120" algn="just">
+            <a:pPr marL="285840" indent="-284760" algn="just">
               <a:lnSpc>
                 <a:spcPct val="100000"/>
               </a:lnSpc>
@@ -5816,7 +6052,7 @@
         <p:spPr>
           <a:xfrm>
             <a:off x="1523880" y="1581120"/>
-            <a:ext cx="7618320" cy="34920"/>
+            <a:ext cx="7617960" cy="34560"/>
           </a:xfrm>
           <a:prstGeom prst="rect">
             <a:avLst/>
@@ -5844,7 +6080,7 @@
         <p:spPr>
           <a:xfrm>
             <a:off x="1371600" y="1143000"/>
-            <a:ext cx="7770600" cy="460080"/>
+            <a:ext cx="7770240" cy="459720"/>
           </a:xfrm>
           <a:prstGeom prst="rect">
             <a:avLst/>
@@ -5865,7 +6101,7 @@
             <a:noAutofit/>
           </a:bodyPr>
           <a:p>
-            <a:pPr marL="343080" indent="-340920" algn="r">
+            <a:pPr marL="343080" indent="-340560" algn="r">
               <a:lnSpc>
                 <a:spcPct val="100000"/>
               </a:lnSpc>
@@ -5895,7 +6131,7 @@
         <p:spPr>
           <a:xfrm>
             <a:off x="590760" y="1989360"/>
-            <a:ext cx="7531920" cy="4663080"/>
+            <a:ext cx="7531560" cy="4662720"/>
           </a:xfrm>
           <a:prstGeom prst="rect">
             <a:avLst/>
@@ -5976,7 +6212,7 @@
             </a:endParaRPr>
           </a:p>
           <a:p>
-            <a:pPr marL="286560" indent="-285120">
+            <a:pPr marL="286560" indent="-284760">
               <a:lnSpc>
                 <a:spcPct val="150000"/>
               </a:lnSpc>
@@ -6001,7 +6237,7 @@
             </a:endParaRPr>
           </a:p>
           <a:p>
-            <a:pPr marL="286560" indent="-285120">
+            <a:pPr marL="286560" indent="-284760">
               <a:lnSpc>
                 <a:spcPct val="150000"/>
               </a:lnSpc>
@@ -6046,7 +6282,7 @@
             </a:endParaRPr>
           </a:p>
           <a:p>
-            <a:pPr marL="286560" indent="-285120">
+            <a:pPr marL="286560" indent="-284760">
               <a:lnSpc>
                 <a:spcPct val="150000"/>
               </a:lnSpc>
@@ -6122,7 +6358,7 @@
         <p:spPr>
           <a:xfrm>
             <a:off x="1523880" y="1581120"/>
-            <a:ext cx="7618320" cy="34920"/>
+            <a:ext cx="7617960" cy="34560"/>
           </a:xfrm>
           <a:prstGeom prst="rect">
             <a:avLst/>
@@ -6150,7 +6386,7 @@
         <p:spPr>
           <a:xfrm>
             <a:off x="1371600" y="1143000"/>
-            <a:ext cx="7770600" cy="460080"/>
+            <a:ext cx="7770240" cy="459720"/>
           </a:xfrm>
           <a:prstGeom prst="rect">
             <a:avLst/>
@@ -6171,7 +6407,7 @@
             <a:noAutofit/>
           </a:bodyPr>
           <a:p>
-            <a:pPr marL="343080" indent="-340920" algn="r">
+            <a:pPr marL="343080" indent="-340560" algn="r">
               <a:lnSpc>
                 <a:spcPct val="100000"/>
               </a:lnSpc>
@@ -6201,7 +6437,7 @@
         <p:spPr>
           <a:xfrm>
             <a:off x="590760" y="1791360"/>
-            <a:ext cx="7003800" cy="3679560"/>
+            <a:ext cx="7003440" cy="3679200"/>
           </a:xfrm>
           <a:prstGeom prst="rect">
             <a:avLst/>
@@ -6242,7 +6478,7 @@
             </a:endParaRPr>
           </a:p>
           <a:p>
-            <a:pPr marL="286560" indent="-285120">
+            <a:pPr marL="286560" indent="-284760">
               <a:lnSpc>
                 <a:spcPct val="150000"/>
               </a:lnSpc>
@@ -6267,7 +6503,7 @@
             </a:endParaRPr>
           </a:p>
           <a:p>
-            <a:pPr marL="286560" indent="-285120">
+            <a:pPr marL="286560" indent="-284760">
               <a:lnSpc>
                 <a:spcPct val="150000"/>
               </a:lnSpc>
@@ -6292,7 +6528,7 @@
             </a:endParaRPr>
           </a:p>
           <a:p>
-            <a:pPr marL="286560" indent="-285120">
+            <a:pPr marL="286560" indent="-284760">
               <a:lnSpc>
                 <a:spcPct val="150000"/>
               </a:lnSpc>
@@ -6357,7 +6593,7 @@
         <p:spPr>
           <a:xfrm>
             <a:off x="1523880" y="1581120"/>
-            <a:ext cx="7618320" cy="34560"/>
+            <a:ext cx="7617960" cy="34200"/>
           </a:xfrm>
           <a:prstGeom prst="rect">
             <a:avLst/>
@@ -6385,7 +6621,7 @@
         <p:spPr>
           <a:xfrm>
             <a:off x="1371600" y="1143000"/>
-            <a:ext cx="7770600" cy="459720"/>
+            <a:ext cx="7770240" cy="459360"/>
           </a:xfrm>
           <a:prstGeom prst="rect">
             <a:avLst/>
@@ -6406,7 +6642,7 @@
             <a:noAutofit/>
           </a:bodyPr>
           <a:p>
-            <a:pPr marL="343080" indent="-340920" algn="r">
+            <a:pPr marL="343080" indent="-340560" algn="r">
               <a:lnSpc>
                 <a:spcPct val="100000"/>
               </a:lnSpc>
@@ -6436,7 +6672,7 @@
         <p:spPr>
           <a:xfrm>
             <a:off x="505800" y="1617840"/>
-            <a:ext cx="6866640" cy="4757040"/>
+            <a:ext cx="6866280" cy="4756680"/>
           </a:xfrm>
           <a:prstGeom prst="rect">
             <a:avLst/>
@@ -6466,7 +6702,7 @@
         <p:spPr>
           <a:xfrm>
             <a:off x="288000" y="1900800"/>
-            <a:ext cx="7140960" cy="4578840"/>
+            <a:ext cx="7140600" cy="4578480"/>
           </a:xfrm>
           <a:prstGeom prst="rect">
             <a:avLst/>

--- a/presentations/Review 2 - Project Progress Presentation 2020.pptx
+++ b/presentations/Review 2 - Project Progress Presentation 2020.pptx
@@ -25,6 +25,8 @@
     <p:sldId id="270" r:id="rId18"/>
     <p:sldId id="271" r:id="rId19"/>
     <p:sldId id="272" r:id="rId20"/>
+    <p:sldId id="273" r:id="rId21"/>
+    <p:sldId id="274" r:id="rId22"/>
   </p:sldIdLst>
   <p:sldSz cx="9144000" cy="6858000"/>
   <p:notesSz cx="6797675" cy="9874250"/>
@@ -255,7 +257,7 @@
           </a:bodyPr>
           <a:p>
             <a:pPr algn="r"/>
-            <a:fld id="{25E1DB71-29A5-43EE-B931-CD53E6B89C7E}" type="slidenum">
+            <a:fld id="{B1113202-9E66-4603-8CFD-951FE3D79942}" type="slidenum">
               <a:rPr b="0" lang="en-IN" sz="1400" spc="-1" strike="noStrike">
                 <a:latin typeface="Times New Roman"/>
               </a:rPr>
@@ -292,7 +294,7 @@
       </p:grpSpPr>
       <p:sp>
         <p:nvSpPr>
-          <p:cNvPr id="106" name="PlaceHolder 1"/>
+          <p:cNvPr id="112" name="PlaceHolder 1"/>
           <p:cNvSpPr>
             <a:spLocks noGrp="1"/>
           </p:cNvSpPr>
@@ -303,7 +305,7 @@
         <p:spPr>
           <a:xfrm>
             <a:off x="680400" y="4690800"/>
-            <a:ext cx="5436000" cy="4440960"/>
+            <a:ext cx="5435640" cy="4440600"/>
           </a:xfrm>
           <a:prstGeom prst="rect">
             <a:avLst/>
@@ -322,14 +324,14 @@
       </p:sp>
       <p:sp>
         <p:nvSpPr>
-          <p:cNvPr id="107" name="CustomShape 2"/>
+          <p:cNvPr id="113" name="CustomShape 2"/>
           <p:cNvSpPr/>
           <p:nvPr/>
         </p:nvSpPr>
         <p:spPr>
           <a:xfrm>
             <a:off x="3849840" y="9378360"/>
-            <a:ext cx="2944440" cy="491760"/>
+            <a:ext cx="2944080" cy="491400"/>
           </a:xfrm>
           <a:prstGeom prst="rect">
             <a:avLst/>
@@ -355,7 +357,7 @@
                 <a:spcPct val="100000"/>
               </a:lnSpc>
             </a:pPr>
-            <a:fld id="{D5CEC7BD-608A-42BE-A5DB-1B056894C54D}" type="slidenum">
+            <a:fld id="{2E77DE51-1A9F-4FC8-A22C-EBF1322E77B4}" type="slidenum">
               <a:rPr b="0" lang="en-IN" sz="1400" spc="-1" strike="noStrike">
                 <a:solidFill>
                   <a:srgbClr val="000000"/>
@@ -395,7 +397,7 @@
       </p:grpSpPr>
       <p:sp>
         <p:nvSpPr>
-          <p:cNvPr id="108" name="PlaceHolder 1"/>
+          <p:cNvPr id="114" name="PlaceHolder 1"/>
           <p:cNvSpPr>
             <a:spLocks noGrp="1"/>
           </p:cNvSpPr>
@@ -406,7 +408,7 @@
         <p:spPr>
           <a:xfrm>
             <a:off x="680400" y="4690800"/>
-            <a:ext cx="5436000" cy="4440960"/>
+            <a:ext cx="5435640" cy="4440600"/>
           </a:xfrm>
           <a:prstGeom prst="rect">
             <a:avLst/>
@@ -425,14 +427,14 @@
       </p:sp>
       <p:sp>
         <p:nvSpPr>
-          <p:cNvPr id="109" name="CustomShape 2"/>
+          <p:cNvPr id="115" name="CustomShape 2"/>
           <p:cNvSpPr/>
           <p:nvPr/>
         </p:nvSpPr>
         <p:spPr>
           <a:xfrm>
             <a:off x="3849840" y="9378360"/>
-            <a:ext cx="2944440" cy="491760"/>
+            <a:ext cx="2944080" cy="491400"/>
           </a:xfrm>
           <a:prstGeom prst="rect">
             <a:avLst/>
@@ -458,7 +460,7 @@
                 <a:spcPct val="100000"/>
               </a:lnSpc>
             </a:pPr>
-            <a:fld id="{67A64534-F013-4523-BA56-052686720EAF}" type="slidenum">
+            <a:fld id="{039FCFCE-56E7-48E9-987E-53475BCBD117}" type="slidenum">
               <a:rPr b="0" lang="en-IN" sz="1400" spc="-1" strike="noStrike">
                 <a:solidFill>
                   <a:srgbClr val="000000"/>
@@ -498,7 +500,7 @@
       </p:grpSpPr>
       <p:sp>
         <p:nvSpPr>
-          <p:cNvPr id="110" name="PlaceHolder 1"/>
+          <p:cNvPr id="116" name="PlaceHolder 1"/>
           <p:cNvSpPr>
             <a:spLocks noGrp="1"/>
           </p:cNvSpPr>
@@ -509,7 +511,7 @@
         <p:spPr>
           <a:xfrm>
             <a:off x="680400" y="4690800"/>
-            <a:ext cx="5436000" cy="4440960"/>
+            <a:ext cx="5435640" cy="4440600"/>
           </a:xfrm>
           <a:prstGeom prst="rect">
             <a:avLst/>
@@ -528,14 +530,14 @@
       </p:sp>
       <p:sp>
         <p:nvSpPr>
-          <p:cNvPr id="111" name="CustomShape 2"/>
+          <p:cNvPr id="117" name="CustomShape 2"/>
           <p:cNvSpPr/>
           <p:nvPr/>
         </p:nvSpPr>
         <p:spPr>
           <a:xfrm>
             <a:off x="3849840" y="9378360"/>
-            <a:ext cx="2944080" cy="492120"/>
+            <a:ext cx="2943720" cy="491760"/>
           </a:xfrm>
           <a:prstGeom prst="rect">
             <a:avLst/>
@@ -561,7 +563,7 @@
                 <a:spcPct val="100000"/>
               </a:lnSpc>
             </a:pPr>
-            <a:fld id="{7066F66F-05BA-42F7-9A7A-8E56671466C9}" type="slidenum">
+            <a:fld id="{DC478665-0E89-4663-B971-CAC24C7B879F}" type="slidenum">
               <a:rPr b="0" lang="en-IN" sz="1400" spc="-1" strike="noStrike">
                 <a:solidFill>
                   <a:srgbClr val="000000"/>
@@ -601,7 +603,7 @@
       </p:grpSpPr>
       <p:sp>
         <p:nvSpPr>
-          <p:cNvPr id="112" name="PlaceHolder 1"/>
+          <p:cNvPr id="118" name="PlaceHolder 1"/>
           <p:cNvSpPr>
             <a:spLocks noGrp="1"/>
           </p:cNvSpPr>
@@ -612,7 +614,7 @@
         <p:spPr>
           <a:xfrm>
             <a:off x="680400" y="4690800"/>
-            <a:ext cx="5436000" cy="4440960"/>
+            <a:ext cx="5435640" cy="4440600"/>
           </a:xfrm>
           <a:prstGeom prst="rect">
             <a:avLst/>
@@ -631,14 +633,14 @@
       </p:sp>
       <p:sp>
         <p:nvSpPr>
-          <p:cNvPr id="113" name="CustomShape 2"/>
+          <p:cNvPr id="119" name="CustomShape 2"/>
           <p:cNvSpPr/>
           <p:nvPr/>
         </p:nvSpPr>
         <p:spPr>
           <a:xfrm>
             <a:off x="3849840" y="9378360"/>
-            <a:ext cx="2944080" cy="492120"/>
+            <a:ext cx="2943720" cy="491760"/>
           </a:xfrm>
           <a:prstGeom prst="rect">
             <a:avLst/>
@@ -664,7 +666,7 @@
                 <a:spcPct val="100000"/>
               </a:lnSpc>
             </a:pPr>
-            <a:fld id="{9162FD67-D1EF-4F86-B92C-69F2060EF2C1}" type="slidenum">
+            <a:fld id="{38EC0C9B-65BF-4A85-88BD-257EE13022F0}" type="slidenum">
               <a:rPr b="0" lang="en-IN" sz="1400" spc="-1" strike="noStrike">
                 <a:solidFill>
                   <a:srgbClr val="000000"/>
@@ -704,7 +706,7 @@
       </p:grpSpPr>
       <p:sp>
         <p:nvSpPr>
-          <p:cNvPr id="114" name="PlaceHolder 1"/>
+          <p:cNvPr id="120" name="PlaceHolder 1"/>
           <p:cNvSpPr>
             <a:spLocks noGrp="1"/>
           </p:cNvSpPr>
@@ -715,7 +717,7 @@
         <p:spPr>
           <a:xfrm>
             <a:off x="680400" y="4690800"/>
-            <a:ext cx="5436000" cy="4440960"/>
+            <a:ext cx="5435640" cy="4440600"/>
           </a:xfrm>
           <a:prstGeom prst="rect">
             <a:avLst/>
@@ -734,14 +736,14 @@
       </p:sp>
       <p:sp>
         <p:nvSpPr>
-          <p:cNvPr id="115" name="CustomShape 2"/>
+          <p:cNvPr id="121" name="CustomShape 2"/>
           <p:cNvSpPr/>
           <p:nvPr/>
         </p:nvSpPr>
         <p:spPr>
           <a:xfrm>
             <a:off x="3849840" y="9378360"/>
-            <a:ext cx="2944080" cy="492120"/>
+            <a:ext cx="2943720" cy="491760"/>
           </a:xfrm>
           <a:prstGeom prst="rect">
             <a:avLst/>
@@ -767,7 +769,7 @@
                 <a:spcPct val="100000"/>
               </a:lnSpc>
             </a:pPr>
-            <a:fld id="{D5F2346F-6B8A-47FF-BD14-CD78AB8ED370}" type="slidenum">
+            <a:fld id="{491E0487-D1BF-4855-BD0B-602E7578140C}" type="slidenum">
               <a:rPr b="0" lang="en-IN" sz="1400" spc="-1" strike="noStrike">
                 <a:solidFill>
                   <a:srgbClr val="000000"/>
@@ -807,7 +809,7 @@
       </p:grpSpPr>
       <p:sp>
         <p:nvSpPr>
-          <p:cNvPr id="116" name="PlaceHolder 1"/>
+          <p:cNvPr id="122" name="PlaceHolder 1"/>
           <p:cNvSpPr>
             <a:spLocks noGrp="1"/>
           </p:cNvSpPr>
@@ -818,7 +820,7 @@
         <p:spPr>
           <a:xfrm>
             <a:off x="680400" y="4690800"/>
-            <a:ext cx="5436000" cy="4440960"/>
+            <a:ext cx="5435640" cy="4440600"/>
           </a:xfrm>
           <a:prstGeom prst="rect">
             <a:avLst/>
@@ -837,14 +839,14 @@
       </p:sp>
       <p:sp>
         <p:nvSpPr>
-          <p:cNvPr id="117" name="CustomShape 2"/>
+          <p:cNvPr id="123" name="CustomShape 2"/>
           <p:cNvSpPr/>
           <p:nvPr/>
         </p:nvSpPr>
         <p:spPr>
           <a:xfrm>
             <a:off x="3849840" y="9378360"/>
-            <a:ext cx="2944080" cy="492120"/>
+            <a:ext cx="2943720" cy="491760"/>
           </a:xfrm>
           <a:prstGeom prst="rect">
             <a:avLst/>
@@ -870,7 +872,7 @@
                 <a:spcPct val="100000"/>
               </a:lnSpc>
             </a:pPr>
-            <a:fld id="{D339A5F6-2DCC-4054-A05F-D5BBF56D2CF0}" type="slidenum">
+            <a:fld id="{5ED10752-F8D7-4569-84F8-9D2EB78081D9}" type="slidenum">
               <a:rPr b="0" lang="en-IN" sz="1400" spc="-1" strike="noStrike">
                 <a:solidFill>
                   <a:srgbClr val="000000"/>
@@ -910,7 +912,7 @@
       </p:grpSpPr>
       <p:sp>
         <p:nvSpPr>
-          <p:cNvPr id="118" name="PlaceHolder 1"/>
+          <p:cNvPr id="124" name="PlaceHolder 1"/>
           <p:cNvSpPr>
             <a:spLocks noGrp="1"/>
           </p:cNvSpPr>
@@ -921,7 +923,7 @@
         <p:spPr>
           <a:xfrm>
             <a:off x="680400" y="4690800"/>
-            <a:ext cx="5436000" cy="4440960"/>
+            <a:ext cx="5435640" cy="4440600"/>
           </a:xfrm>
           <a:prstGeom prst="rect">
             <a:avLst/>
@@ -940,14 +942,14 @@
       </p:sp>
       <p:sp>
         <p:nvSpPr>
-          <p:cNvPr id="119" name="CustomShape 2"/>
+          <p:cNvPr id="125" name="CustomShape 2"/>
           <p:cNvSpPr/>
           <p:nvPr/>
         </p:nvSpPr>
         <p:spPr>
           <a:xfrm>
             <a:off x="3849840" y="9378360"/>
-            <a:ext cx="2944080" cy="492120"/>
+            <a:ext cx="2943720" cy="491760"/>
           </a:xfrm>
           <a:prstGeom prst="rect">
             <a:avLst/>
@@ -973,7 +975,213 @@
                 <a:spcPct val="100000"/>
               </a:lnSpc>
             </a:pPr>
-            <a:fld id="{A87899E8-BEB7-4701-BB6D-1CCE46D2A804}" type="slidenum">
+            <a:fld id="{7889656C-33E4-4314-B278-72632628BCFC}" type="slidenum">
+              <a:rPr b="0" lang="en-IN" sz="1400" spc="-1" strike="noStrike">
+                <a:solidFill>
+                  <a:srgbClr val="000000"/>
+                </a:solidFill>
+                <a:latin typeface="Times New Roman"/>
+                <a:ea typeface="+mn-ea"/>
+              </a:rPr>
+              <a:t>&lt;number&gt;</a:t>
+            </a:fld>
+            <a:endParaRPr b="0" lang="en-IN" sz="1400" spc="-1" strike="noStrike">
+              <a:latin typeface="Arial"/>
+            </a:endParaRPr>
+          </a:p>
+        </p:txBody>
+      </p:sp>
+    </p:spTree>
+  </p:cSld>
+</p:notes>
+</file>
+
+<file path=ppt/notesSlides/notesSlide17.xml><?xml version="1.0" encoding="utf-8"?>
+<p:notes xmlns:a="http://schemas.openxmlformats.org/drawingml/2006/main" xmlns:p="http://schemas.openxmlformats.org/presentationml/2006/main" xmlns:r="http://schemas.openxmlformats.org/officeDocument/2006/relationships" xmlns:p14="http://schemas.microsoft.com/office/powerpoint/2010/main" xmlns:p15="http://schemas.microsoft.com/office/powerpoint/2012/main" xmlns:mc="http://schemas.openxmlformats.org/markup-compatibility/2006">
+  <p:cSld>
+    <p:spTree>
+      <p:nvGrpSpPr>
+        <p:cNvPr id="1" name=""/>
+        <p:cNvGrpSpPr/>
+        <p:nvPr/>
+      </p:nvGrpSpPr>
+      <p:grpSpPr>
+        <a:xfrm>
+          <a:off x="0" y="0"/>
+          <a:ext cx="0" cy="0"/>
+          <a:chOff x="0" y="0"/>
+          <a:chExt cx="0" cy="0"/>
+        </a:xfrm>
+      </p:grpSpPr>
+      <p:sp>
+        <p:nvSpPr>
+          <p:cNvPr id="126" name="PlaceHolder 1"/>
+          <p:cNvSpPr>
+            <a:spLocks noGrp="1"/>
+          </p:cNvSpPr>
+          <p:nvPr>
+            <p:ph type="body"/>
+          </p:nvPr>
+        </p:nvSpPr>
+        <p:spPr>
+          <a:xfrm>
+            <a:off x="680400" y="4690800"/>
+            <a:ext cx="5435640" cy="4440600"/>
+          </a:xfrm>
+          <a:prstGeom prst="rect">
+            <a:avLst/>
+          </a:prstGeom>
+        </p:spPr>
+        <p:txBody>
+          <a:bodyPr lIns="0" rIns="0" tIns="0" bIns="0">
+            <a:noAutofit/>
+          </a:bodyPr>
+          <a:p>
+            <a:endParaRPr b="0" lang="en-IN" sz="2000" spc="-1" strike="noStrike">
+              <a:latin typeface="Arial"/>
+            </a:endParaRPr>
+          </a:p>
+        </p:txBody>
+      </p:sp>
+      <p:sp>
+        <p:nvSpPr>
+          <p:cNvPr id="127" name="CustomShape 2"/>
+          <p:cNvSpPr/>
+          <p:nvPr/>
+        </p:nvSpPr>
+        <p:spPr>
+          <a:xfrm>
+            <a:off x="3849840" y="9378360"/>
+            <a:ext cx="2943720" cy="491760"/>
+          </a:xfrm>
+          <a:prstGeom prst="rect">
+            <a:avLst/>
+          </a:prstGeom>
+          <a:noFill/>
+          <a:ln>
+            <a:noFill/>
+          </a:ln>
+        </p:spPr>
+        <p:style>
+          <a:lnRef idx="0"/>
+          <a:fillRef idx="0"/>
+          <a:effectRef idx="0"/>
+          <a:fontRef idx="minor"/>
+        </p:style>
+        <p:txBody>
+          <a:bodyPr lIns="90000" rIns="90000" tIns="45000" bIns="45000" anchor="b">
+            <a:noAutofit/>
+          </a:bodyPr>
+          <a:p>
+            <a:pPr algn="r">
+              <a:lnSpc>
+                <a:spcPct val="100000"/>
+              </a:lnSpc>
+            </a:pPr>
+            <a:fld id="{0D7C6A21-1A33-4A4F-80F6-749AF31F8FAF}" type="slidenum">
+              <a:rPr b="0" lang="en-IN" sz="1400" spc="-1" strike="noStrike">
+                <a:solidFill>
+                  <a:srgbClr val="000000"/>
+                </a:solidFill>
+                <a:latin typeface="Times New Roman"/>
+                <a:ea typeface="+mn-ea"/>
+              </a:rPr>
+              <a:t>&lt;number&gt;</a:t>
+            </a:fld>
+            <a:endParaRPr b="0" lang="en-IN" sz="1400" spc="-1" strike="noStrike">
+              <a:latin typeface="Arial"/>
+            </a:endParaRPr>
+          </a:p>
+        </p:txBody>
+      </p:sp>
+    </p:spTree>
+  </p:cSld>
+</p:notes>
+</file>
+
+<file path=ppt/notesSlides/notesSlide18.xml><?xml version="1.0" encoding="utf-8"?>
+<p:notes xmlns:a="http://schemas.openxmlformats.org/drawingml/2006/main" xmlns:p="http://schemas.openxmlformats.org/presentationml/2006/main" xmlns:r="http://schemas.openxmlformats.org/officeDocument/2006/relationships" xmlns:p14="http://schemas.microsoft.com/office/powerpoint/2010/main" xmlns:p15="http://schemas.microsoft.com/office/powerpoint/2012/main" xmlns:mc="http://schemas.openxmlformats.org/markup-compatibility/2006">
+  <p:cSld>
+    <p:spTree>
+      <p:nvGrpSpPr>
+        <p:cNvPr id="1" name=""/>
+        <p:cNvGrpSpPr/>
+        <p:nvPr/>
+      </p:nvGrpSpPr>
+      <p:grpSpPr>
+        <a:xfrm>
+          <a:off x="0" y="0"/>
+          <a:ext cx="0" cy="0"/>
+          <a:chOff x="0" y="0"/>
+          <a:chExt cx="0" cy="0"/>
+        </a:xfrm>
+      </p:grpSpPr>
+      <p:sp>
+        <p:nvSpPr>
+          <p:cNvPr id="128" name="PlaceHolder 1"/>
+          <p:cNvSpPr>
+            <a:spLocks noGrp="1"/>
+          </p:cNvSpPr>
+          <p:nvPr>
+            <p:ph type="body"/>
+          </p:nvPr>
+        </p:nvSpPr>
+        <p:spPr>
+          <a:xfrm>
+            <a:off x="680400" y="4690800"/>
+            <a:ext cx="5435640" cy="4440600"/>
+          </a:xfrm>
+          <a:prstGeom prst="rect">
+            <a:avLst/>
+          </a:prstGeom>
+        </p:spPr>
+        <p:txBody>
+          <a:bodyPr lIns="0" rIns="0" tIns="0" bIns="0">
+            <a:noAutofit/>
+          </a:bodyPr>
+          <a:p>
+            <a:endParaRPr b="0" lang="en-IN" sz="2000" spc="-1" strike="noStrike">
+              <a:latin typeface="Arial"/>
+            </a:endParaRPr>
+          </a:p>
+        </p:txBody>
+      </p:sp>
+      <p:sp>
+        <p:nvSpPr>
+          <p:cNvPr id="129" name="CustomShape 2"/>
+          <p:cNvSpPr/>
+          <p:nvPr/>
+        </p:nvSpPr>
+        <p:spPr>
+          <a:xfrm>
+            <a:off x="3849840" y="9378360"/>
+            <a:ext cx="2943720" cy="491760"/>
+          </a:xfrm>
+          <a:prstGeom prst="rect">
+            <a:avLst/>
+          </a:prstGeom>
+          <a:noFill/>
+          <a:ln>
+            <a:noFill/>
+          </a:ln>
+        </p:spPr>
+        <p:style>
+          <a:lnRef idx="0"/>
+          <a:fillRef idx="0"/>
+          <a:effectRef idx="0"/>
+          <a:fontRef idx="minor"/>
+        </p:style>
+        <p:txBody>
+          <a:bodyPr lIns="90000" rIns="90000" tIns="45000" bIns="45000" anchor="b">
+            <a:noAutofit/>
+          </a:bodyPr>
+          <a:p>
+            <a:pPr algn="r">
+              <a:lnSpc>
+                <a:spcPct val="100000"/>
+              </a:lnSpc>
+            </a:pPr>
+            <a:fld id="{DA3E7F20-717E-4602-8417-4A327972A24D}" type="slidenum">
               <a:rPr b="0" lang="en-IN" sz="1400" spc="-1" strike="noStrike">
                 <a:solidFill>
                   <a:srgbClr val="000000"/>
@@ -1013,7 +1221,7 @@
       </p:grpSpPr>
       <p:sp>
         <p:nvSpPr>
-          <p:cNvPr id="104" name="PlaceHolder 1"/>
+          <p:cNvPr id="110" name="PlaceHolder 1"/>
           <p:cNvSpPr>
             <a:spLocks noGrp="1"/>
           </p:cNvSpPr>
@@ -1024,7 +1232,7 @@
         <p:spPr>
           <a:xfrm>
             <a:off x="680400" y="4690800"/>
-            <a:ext cx="5436000" cy="4440960"/>
+            <a:ext cx="5435640" cy="4440600"/>
           </a:xfrm>
           <a:prstGeom prst="rect">
             <a:avLst/>
@@ -1043,14 +1251,14 @@
       </p:sp>
       <p:sp>
         <p:nvSpPr>
-          <p:cNvPr id="105" name="CustomShape 2"/>
+          <p:cNvPr id="111" name="CustomShape 2"/>
           <p:cNvSpPr/>
           <p:nvPr/>
         </p:nvSpPr>
         <p:spPr>
           <a:xfrm>
             <a:off x="3849840" y="9378360"/>
-            <a:ext cx="2944440" cy="491760"/>
+            <a:ext cx="2944080" cy="491400"/>
           </a:xfrm>
           <a:prstGeom prst="rect">
             <a:avLst/>
@@ -1076,7 +1284,7 @@
                 <a:spcPct val="100000"/>
               </a:lnSpc>
             </a:pPr>
-            <a:fld id="{F7E11511-1042-424C-BE14-5FC96585AE6C}" type="slidenum">
+            <a:fld id="{B998AE1C-26A5-4A09-B666-3FE8F4354379}" type="slidenum">
               <a:rPr b="0" lang="en-IN" sz="1400" spc="-1" strike="noStrike">
                 <a:solidFill>
                   <a:srgbClr val="000000"/>
@@ -2490,7 +2698,7 @@
         <p:spPr>
           <a:xfrm>
             <a:off x="0" y="-35280"/>
-            <a:ext cx="9141840" cy="6932160"/>
+            <a:ext cx="9141480" cy="6931800"/>
           </a:xfrm>
           <a:prstGeom prst="rect">
             <a:avLst/>
@@ -2509,7 +2717,7 @@
         <p:spPr>
           <a:xfrm>
             <a:off x="0" y="152280"/>
-            <a:ext cx="1445760" cy="1198080"/>
+            <a:ext cx="1445400" cy="1197720"/>
           </a:xfrm>
           <a:prstGeom prst="rect">
             <a:avLst/>
@@ -2586,7 +2794,7 @@
         <p:spPr>
           <a:xfrm>
             <a:off x="179640" y="138600"/>
-            <a:ext cx="866520" cy="969840"/>
+            <a:ext cx="866160" cy="969480"/>
           </a:xfrm>
           <a:prstGeom prst="rect">
             <a:avLst/>
@@ -2609,7 +2817,7 @@
         <p:spPr>
           <a:xfrm>
             <a:off x="2702520" y="103320"/>
-            <a:ext cx="1618920" cy="988560"/>
+            <a:ext cx="1618560" cy="988200"/>
           </a:xfrm>
           <a:prstGeom prst="rect">
             <a:avLst/>
@@ -2632,7 +2840,7 @@
         <p:spPr>
           <a:xfrm>
             <a:off x="4323600" y="106560"/>
-            <a:ext cx="1617840" cy="986400"/>
+            <a:ext cx="1617480" cy="986040"/>
           </a:xfrm>
           <a:prstGeom prst="rect">
             <a:avLst/>
@@ -2655,7 +2863,7 @@
         <p:spPr>
           <a:xfrm>
             <a:off x="5923800" y="117000"/>
-            <a:ext cx="1617840" cy="987840"/>
+            <a:ext cx="1617480" cy="987480"/>
           </a:xfrm>
           <a:prstGeom prst="rect">
             <a:avLst/>
@@ -2678,7 +2886,7 @@
         <p:spPr>
           <a:xfrm>
             <a:off x="7524000" y="111960"/>
-            <a:ext cx="1617840" cy="987840"/>
+            <a:ext cx="1617480" cy="987480"/>
           </a:xfrm>
           <a:prstGeom prst="rect">
             <a:avLst/>
@@ -2701,7 +2909,7 @@
         <p:spPr>
           <a:xfrm>
             <a:off x="1219320" y="102240"/>
-            <a:ext cx="1617840" cy="987840"/>
+            <a:ext cx="1617480" cy="987480"/>
           </a:xfrm>
           <a:prstGeom prst="rect">
             <a:avLst/>
@@ -2724,7 +2932,7 @@
         <p:spPr>
           <a:xfrm>
             <a:off x="7530120" y="1600200"/>
-            <a:ext cx="1598040" cy="5124960"/>
+            <a:ext cx="1597680" cy="5124600"/>
           </a:xfrm>
           <a:prstGeom prst="rect">
             <a:avLst/>
@@ -2996,7 +3204,7 @@
         <p:spPr>
           <a:xfrm>
             <a:off x="1413000" y="2228400"/>
-            <a:ext cx="6309720" cy="705960"/>
+            <a:ext cx="6309360" cy="705600"/>
           </a:xfrm>
           <a:prstGeom prst="rect">
             <a:avLst/>
@@ -3057,7 +3265,7 @@
         <p:spPr>
           <a:xfrm>
             <a:off x="345600" y="3850560"/>
-            <a:ext cx="8456040" cy="2004120"/>
+            <a:ext cx="8455680" cy="2003760"/>
           </a:xfrm>
           <a:prstGeom prst="rect">
             <a:avLst/>
@@ -3340,7 +3548,7 @@
         <p:spPr>
           <a:xfrm>
             <a:off x="1523880" y="1581120"/>
-            <a:ext cx="7617960" cy="34200"/>
+            <a:ext cx="7617600" cy="33840"/>
           </a:xfrm>
           <a:prstGeom prst="rect">
             <a:avLst/>
@@ -3368,7 +3576,7 @@
         <p:spPr>
           <a:xfrm>
             <a:off x="1371600" y="1143000"/>
-            <a:ext cx="7770240" cy="459360"/>
+            <a:ext cx="7769880" cy="459000"/>
           </a:xfrm>
           <a:prstGeom prst="rect">
             <a:avLst/>
@@ -3389,7 +3597,7 @@
             <a:noAutofit/>
           </a:bodyPr>
           <a:p>
-            <a:pPr marL="343080" indent="-340560" algn="r">
+            <a:pPr marL="343080" indent="-340200" algn="r">
               <a:lnSpc>
                 <a:spcPct val="100000"/>
               </a:lnSpc>
@@ -3419,7 +3627,7 @@
         <p:spPr>
           <a:xfrm>
             <a:off x="505800" y="1617840"/>
-            <a:ext cx="6866280" cy="4756680"/>
+            <a:ext cx="6865920" cy="4756320"/>
           </a:xfrm>
           <a:prstGeom prst="rect">
             <a:avLst/>
@@ -3449,7 +3657,7 @@
         <p:spPr>
           <a:xfrm>
             <a:off x="288000" y="1728000"/>
-            <a:ext cx="7272000" cy="4896000"/>
+            <a:ext cx="7271640" cy="4895640"/>
           </a:xfrm>
           <a:prstGeom prst="rect">
             <a:avLst/>
@@ -3498,7 +3706,7 @@
         <p:spPr>
           <a:xfrm>
             <a:off x="1523880" y="1581120"/>
-            <a:ext cx="7617960" cy="34200"/>
+            <a:ext cx="7617600" cy="33840"/>
           </a:xfrm>
           <a:prstGeom prst="rect">
             <a:avLst/>
@@ -3526,7 +3734,7 @@
         <p:spPr>
           <a:xfrm>
             <a:off x="1371600" y="1143000"/>
-            <a:ext cx="7770240" cy="459360"/>
+            <a:ext cx="7769880" cy="459000"/>
           </a:xfrm>
           <a:prstGeom prst="rect">
             <a:avLst/>
@@ -3547,7 +3755,7 @@
             <a:noAutofit/>
           </a:bodyPr>
           <a:p>
-            <a:pPr marL="343080" indent="-340560" algn="r">
+            <a:pPr marL="343080" indent="-340200" algn="r">
               <a:lnSpc>
                 <a:spcPct val="100000"/>
               </a:lnSpc>
@@ -3577,7 +3785,7 @@
         <p:spPr>
           <a:xfrm>
             <a:off x="505800" y="1617840"/>
-            <a:ext cx="6866280" cy="4756680"/>
+            <a:ext cx="6865920" cy="4756320"/>
           </a:xfrm>
           <a:prstGeom prst="rect">
             <a:avLst/>
@@ -3607,7 +3815,7 @@
         <p:spPr>
           <a:xfrm>
             <a:off x="144360" y="2719080"/>
-            <a:ext cx="7227720" cy="2248200"/>
+            <a:ext cx="7227360" cy="2247840"/>
           </a:xfrm>
           <a:prstGeom prst="rect">
             <a:avLst/>
@@ -3656,7 +3864,7 @@
         <p:spPr>
           <a:xfrm>
             <a:off x="1523880" y="1581120"/>
-            <a:ext cx="7617960" cy="34560"/>
+            <a:ext cx="7617600" cy="34200"/>
           </a:xfrm>
           <a:prstGeom prst="rect">
             <a:avLst/>
@@ -3684,7 +3892,7 @@
         <p:spPr>
           <a:xfrm>
             <a:off x="1371600" y="1143000"/>
-            <a:ext cx="7770240" cy="459720"/>
+            <a:ext cx="7769880" cy="459360"/>
           </a:xfrm>
           <a:prstGeom prst="rect">
             <a:avLst/>
@@ -3705,7 +3913,7 @@
             <a:noAutofit/>
           </a:bodyPr>
           <a:p>
-            <a:pPr marL="343080" indent="-340560" algn="r">
+            <a:pPr marL="343080" indent="-340200" algn="r">
               <a:lnSpc>
                 <a:spcPct val="100000"/>
               </a:lnSpc>
@@ -3735,7 +3943,7 @@
         <p:spPr>
           <a:xfrm>
             <a:off x="533520" y="2678760"/>
-            <a:ext cx="6861600" cy="3872160"/>
+            <a:ext cx="6861240" cy="3871800"/>
           </a:xfrm>
           <a:prstGeom prst="rect">
             <a:avLst/>
@@ -3756,7 +3964,7 @@
             <a:noAutofit/>
           </a:bodyPr>
           <a:p>
-            <a:pPr marL="285840" indent="-284760" algn="just">
+            <a:pPr marL="285840" indent="-284400" algn="just">
               <a:lnSpc>
                 <a:spcPct val="150000"/>
               </a:lnSpc>
@@ -3781,7 +3989,7 @@
             </a:endParaRPr>
           </a:p>
           <a:p>
-            <a:pPr marL="285840" indent="-284760" algn="just">
+            <a:pPr marL="285840" indent="-284400" algn="just">
               <a:lnSpc>
                 <a:spcPct val="150000"/>
               </a:lnSpc>
@@ -3806,7 +4014,7 @@
             </a:endParaRPr>
           </a:p>
           <a:p>
-            <a:pPr marL="285840" indent="-284760" algn="just">
+            <a:pPr marL="285840" indent="-284400" algn="just">
               <a:lnSpc>
                 <a:spcPct val="150000"/>
               </a:lnSpc>
@@ -3871,7 +4079,7 @@
         <p:spPr>
           <a:xfrm>
             <a:off x="1523880" y="1581120"/>
-            <a:ext cx="7617960" cy="34560"/>
+            <a:ext cx="7617600" cy="34200"/>
           </a:xfrm>
           <a:prstGeom prst="rect">
             <a:avLst/>
@@ -3899,7 +4107,7 @@
         <p:spPr>
           <a:xfrm>
             <a:off x="1371600" y="1143000"/>
-            <a:ext cx="7770240" cy="459720"/>
+            <a:ext cx="7769880" cy="459360"/>
           </a:xfrm>
           <a:prstGeom prst="rect">
             <a:avLst/>
@@ -3920,7 +4128,7 @@
             <a:noAutofit/>
           </a:bodyPr>
           <a:p>
-            <a:pPr marL="343080" indent="-340560" algn="r">
+            <a:pPr marL="343080" indent="-340200" algn="r">
               <a:lnSpc>
                 <a:spcPct val="100000"/>
               </a:lnSpc>
@@ -3954,7 +4162,7 @@
         <p:spPr>
           <a:xfrm>
             <a:off x="288000" y="1728000"/>
-            <a:ext cx="7272000" cy="4896000"/>
+            <a:ext cx="7271640" cy="4895640"/>
           </a:xfrm>
           <a:prstGeom prst="rect">
             <a:avLst/>
@@ -4003,7 +4211,7 @@
         <p:spPr>
           <a:xfrm>
             <a:off x="1523880" y="1581120"/>
-            <a:ext cx="7617960" cy="34560"/>
+            <a:ext cx="7617600" cy="34200"/>
           </a:xfrm>
           <a:prstGeom prst="rect">
             <a:avLst/>
@@ -4031,7 +4239,7 @@
         <p:spPr>
           <a:xfrm>
             <a:off x="1371600" y="1143000"/>
-            <a:ext cx="7770240" cy="459720"/>
+            <a:ext cx="7769880" cy="459360"/>
           </a:xfrm>
           <a:prstGeom prst="rect">
             <a:avLst/>
@@ -4052,7 +4260,7 @@
             <a:noAutofit/>
           </a:bodyPr>
           <a:p>
-            <a:pPr marL="343080" indent="-340560" algn="r">
+            <a:pPr marL="343080" indent="-340200" algn="r">
               <a:lnSpc>
                 <a:spcPct val="100000"/>
               </a:lnSpc>
@@ -4086,7 +4294,7 @@
         <p:spPr>
           <a:xfrm>
             <a:off x="238680" y="1656000"/>
-            <a:ext cx="7536600" cy="4967280"/>
+            <a:ext cx="7536240" cy="4966920"/>
           </a:xfrm>
           <a:prstGeom prst="rect">
             <a:avLst/>
@@ -4135,7 +4343,7 @@
         <p:spPr>
           <a:xfrm>
             <a:off x="1523880" y="1581120"/>
-            <a:ext cx="7617960" cy="34560"/>
+            <a:ext cx="7617600" cy="34200"/>
           </a:xfrm>
           <a:prstGeom prst="rect">
             <a:avLst/>
@@ -4163,7 +4371,7 @@
         <p:spPr>
           <a:xfrm>
             <a:off x="1371600" y="1143000"/>
-            <a:ext cx="7770240" cy="459720"/>
+            <a:ext cx="7769880" cy="459360"/>
           </a:xfrm>
           <a:prstGeom prst="rect">
             <a:avLst/>
@@ -4184,7 +4392,7 @@
             <a:noAutofit/>
           </a:bodyPr>
           <a:p>
-            <a:pPr marL="343080" indent="-340560" algn="r">
+            <a:pPr marL="343080" indent="-340200" algn="r">
               <a:lnSpc>
                 <a:spcPct val="100000"/>
               </a:lnSpc>
@@ -4197,7 +4405,7 @@
                 <a:latin typeface="Times New Roman"/>
                 <a:ea typeface="Trebuchet MS"/>
               </a:rPr>
-              <a:t>Policy and Algorithm 2 of 2 (Frequent Transfer)</a:t>
+              <a:t>Policy and Algorithm 1 of 2 (Infrequent Transfer)</a:t>
             </a:r>
             <a:endParaRPr b="0" lang="en-IN" sz="2400" spc="-1" strike="noStrike">
               <a:latin typeface="Arial"/>
@@ -4213,12 +4421,13 @@
         </p:nvPicPr>
         <p:blipFill>
           <a:blip r:embed="rId1"/>
+          <a:srcRect l="0" t="5802" r="46821" b="3202"/>
           <a:stretch/>
         </p:blipFill>
         <p:spPr>
           <a:xfrm>
-            <a:off x="166680" y="1656000"/>
-            <a:ext cx="7536600" cy="4979880"/>
+            <a:off x="1473840" y="1800360"/>
+            <a:ext cx="4862160" cy="4679640"/>
           </a:xfrm>
           <a:prstGeom prst="rect">
             <a:avLst/>
@@ -4267,7 +4476,7 @@
         <p:spPr>
           <a:xfrm>
             <a:off x="1523880" y="1581120"/>
-            <a:ext cx="7617960" cy="34560"/>
+            <a:ext cx="7617600" cy="34200"/>
           </a:xfrm>
           <a:prstGeom prst="rect">
             <a:avLst/>
@@ -4295,7 +4504,7 @@
         <p:spPr>
           <a:xfrm>
             <a:off x="1371600" y="1143000"/>
-            <a:ext cx="7770240" cy="459720"/>
+            <a:ext cx="7769880" cy="459360"/>
           </a:xfrm>
           <a:prstGeom prst="rect">
             <a:avLst/>
@@ -4316,7 +4525,7 @@
             <a:noAutofit/>
           </a:bodyPr>
           <a:p>
-            <a:pPr marL="343080" indent="-340560" algn="r">
+            <a:pPr marL="343080" indent="-340200" algn="r">
               <a:lnSpc>
                 <a:spcPct val="100000"/>
               </a:lnSpc>
@@ -4329,7 +4538,7 @@
                 <a:latin typeface="Times New Roman"/>
                 <a:ea typeface="Trebuchet MS"/>
               </a:rPr>
-              <a:t>Technologies Used</a:t>
+              <a:t>Policy and Algorithm 2 of 2 (Frequent Transfer)</a:t>
             </a:r>
             <a:endParaRPr b="0" lang="en-IN" sz="2400" spc="-1" strike="noStrike">
               <a:latin typeface="Arial"/>
@@ -4337,132 +4546,29 @@
           </a:p>
         </p:txBody>
       </p:sp>
-      <p:sp>
-        <p:nvSpPr>
-          <p:cNvPr id="102" name="CustomShape 3"/>
-          <p:cNvSpPr/>
+      <p:pic>
+        <p:nvPicPr>
+          <p:cNvPr id="102" name="" descr=""/>
+          <p:cNvPicPr/>
           <p:nvPr/>
-        </p:nvSpPr>
-        <p:spPr>
-          <a:xfrm>
-            <a:off x="480960" y="1728000"/>
-            <a:ext cx="6861600" cy="4722120"/>
-          </a:xfrm>
-          <a:prstGeom prst="rect">
-            <a:avLst/>
-          </a:prstGeom>
-          <a:noFill/>
+        </p:nvPicPr>
+        <p:blipFill>
+          <a:blip r:embed="rId1"/>
+          <a:stretch/>
+        </p:blipFill>
+        <p:spPr>
+          <a:xfrm>
+            <a:off x="166680" y="1656000"/>
+            <a:ext cx="7536240" cy="4979520"/>
+          </a:xfrm>
+          <a:prstGeom prst="rect">
+            <a:avLst/>
+          </a:prstGeom>
           <a:ln>
             <a:noFill/>
           </a:ln>
         </p:spPr>
-        <p:style>
-          <a:lnRef idx="0"/>
-          <a:fillRef idx="0"/>
-          <a:effectRef idx="0"/>
-          <a:fontRef idx="minor"/>
-        </p:style>
-        <p:txBody>
-          <a:bodyPr lIns="90000" rIns="90000" tIns="45000" bIns="45000" anchor="ctr">
-            <a:noAutofit/>
-          </a:bodyPr>
-          <a:p>
-            <a:pPr marL="285840" indent="-284760" algn="just">
-              <a:lnSpc>
-                <a:spcPct val="100000"/>
-              </a:lnSpc>
-              <a:buClr>
-                <a:srgbClr val="000000"/>
-              </a:buClr>
-              <a:buFont typeface="Arial"/>
-              <a:buChar char="•"/>
-            </a:pPr>
-            <a:r>
-              <a:rPr b="0" lang="en-IN" sz="1800" spc="-1" strike="noStrike">
-                <a:solidFill>
-                  <a:srgbClr val="000000"/>
-                </a:solidFill>
-                <a:latin typeface="Arial"/>
-                <a:ea typeface="Arial"/>
-              </a:rPr>
-              <a:t>HDFS replication simulator</a:t>
-            </a:r>
-            <a:endParaRPr b="0" lang="en-IN" sz="1800" spc="-1" strike="noStrike">
-              <a:latin typeface="Arial"/>
-            </a:endParaRPr>
-          </a:p>
-          <a:p>
-            <a:pPr algn="just">
-              <a:lnSpc>
-                <a:spcPct val="100000"/>
-              </a:lnSpc>
-            </a:pPr>
-            <a:endParaRPr b="0" lang="en-IN" sz="1800" spc="-1" strike="noStrike">
-              <a:latin typeface="Arial"/>
-            </a:endParaRPr>
-          </a:p>
-          <a:p>
-            <a:pPr marL="285840" indent="-284760" algn="just">
-              <a:lnSpc>
-                <a:spcPct val="100000"/>
-              </a:lnSpc>
-              <a:buClr>
-                <a:srgbClr val="000000"/>
-              </a:buClr>
-              <a:buFont typeface="Arial"/>
-              <a:buChar char="•"/>
-            </a:pPr>
-            <a:r>
-              <a:rPr b="0" lang="en-IN" sz="1800" spc="-1" strike="noStrike">
-                <a:solidFill>
-                  <a:srgbClr val="000000"/>
-                </a:solidFill>
-                <a:latin typeface="Arial"/>
-                <a:ea typeface="Arial"/>
-              </a:rPr>
-              <a:t>Java</a:t>
-            </a:r>
-            <a:endParaRPr b="0" lang="en-IN" sz="1800" spc="-1" strike="noStrike">
-              <a:latin typeface="Arial"/>
-            </a:endParaRPr>
-          </a:p>
-          <a:p>
-            <a:pPr algn="just">
-              <a:lnSpc>
-                <a:spcPct val="100000"/>
-              </a:lnSpc>
-            </a:pPr>
-            <a:endParaRPr b="0" lang="en-IN" sz="1800" spc="-1" strike="noStrike">
-              <a:latin typeface="Arial"/>
-            </a:endParaRPr>
-          </a:p>
-          <a:p>
-            <a:pPr marL="285840" indent="-284760" algn="just">
-              <a:lnSpc>
-                <a:spcPct val="100000"/>
-              </a:lnSpc>
-              <a:buClr>
-                <a:srgbClr val="000000"/>
-              </a:buClr>
-              <a:buFont typeface="Arial"/>
-              <a:buChar char="•"/>
-            </a:pPr>
-            <a:r>
-              <a:rPr b="0" lang="en-IN" sz="1800" spc="-1" strike="noStrike">
-                <a:solidFill>
-                  <a:srgbClr val="000000"/>
-                </a:solidFill>
-                <a:latin typeface="Arial"/>
-                <a:ea typeface="Arial"/>
-              </a:rPr>
-              <a:t>Draw.io</a:t>
-            </a:r>
-            <a:endParaRPr b="0" lang="en-IN" sz="1800" spc="-1" strike="noStrike">
-              <a:latin typeface="Arial"/>
-            </a:endParaRPr>
-          </a:p>
-        </p:txBody>
-      </p:sp>
+      </p:pic>
     </p:spTree>
   </p:cSld>
   <mc:AlternateContent>
@@ -4501,8 +4607,376 @@
         </p:nvSpPr>
         <p:spPr>
           <a:xfrm>
+            <a:off x="1523880" y="1581120"/>
+            <a:ext cx="7617600" cy="34200"/>
+          </a:xfrm>
+          <a:prstGeom prst="rect">
+            <a:avLst/>
+          </a:prstGeom>
+          <a:solidFill>
+            <a:srgbClr val="33cccc"/>
+          </a:solidFill>
+          <a:ln>
+            <a:noFill/>
+          </a:ln>
+        </p:spPr>
+        <p:style>
+          <a:lnRef idx="0"/>
+          <a:fillRef idx="0"/>
+          <a:effectRef idx="0"/>
+          <a:fontRef idx="minor"/>
+        </p:style>
+      </p:sp>
+      <p:sp>
+        <p:nvSpPr>
+          <p:cNvPr id="104" name="CustomShape 2"/>
+          <p:cNvSpPr/>
+          <p:nvPr/>
+        </p:nvSpPr>
+        <p:spPr>
+          <a:xfrm>
+            <a:off x="1371600" y="1143000"/>
+            <a:ext cx="7769880" cy="459360"/>
+          </a:xfrm>
+          <a:prstGeom prst="rect">
+            <a:avLst/>
+          </a:prstGeom>
+          <a:noFill/>
+          <a:ln>
+            <a:noFill/>
+          </a:ln>
+        </p:spPr>
+        <p:style>
+          <a:lnRef idx="0"/>
+          <a:fillRef idx="0"/>
+          <a:effectRef idx="0"/>
+          <a:fontRef idx="minor"/>
+        </p:style>
+        <p:txBody>
+          <a:bodyPr lIns="90000" rIns="90000" tIns="45000" bIns="45000">
+            <a:noAutofit/>
+          </a:bodyPr>
+          <a:p>
+            <a:pPr marL="343080" indent="-340200" algn="r">
+              <a:lnSpc>
+                <a:spcPct val="100000"/>
+              </a:lnSpc>
+            </a:pPr>
+            <a:r>
+              <a:rPr b="1" lang="en-IN" sz="2400" spc="-1" strike="noStrike">
+                <a:solidFill>
+                  <a:srgbClr val="ff0000"/>
+                </a:solidFill>
+                <a:latin typeface="Times New Roman"/>
+                <a:ea typeface="Trebuchet MS"/>
+              </a:rPr>
+              <a:t>Policy and Algorithm 2 of 2 (Frequent Transfer)</a:t>
+            </a:r>
+            <a:endParaRPr b="0" lang="en-IN" sz="2400" spc="-1" strike="noStrike">
+              <a:latin typeface="Arial"/>
+            </a:endParaRPr>
+          </a:p>
+        </p:txBody>
+      </p:sp>
+      <p:pic>
+        <p:nvPicPr>
+          <p:cNvPr id="105" name="" descr=""/>
+          <p:cNvPicPr/>
+          <p:nvPr/>
+        </p:nvPicPr>
+        <p:blipFill>
+          <a:blip r:embed="rId1"/>
+          <a:srcRect l="0" t="3227" r="52752" b="2803"/>
+          <a:stretch/>
+        </p:blipFill>
+        <p:spPr>
+          <a:xfrm>
+            <a:off x="1440360" y="1728000"/>
+            <a:ext cx="4319640" cy="4832640"/>
+          </a:xfrm>
+          <a:prstGeom prst="rect">
+            <a:avLst/>
+          </a:prstGeom>
+          <a:ln>
+            <a:noFill/>
+          </a:ln>
+        </p:spPr>
+      </p:pic>
+    </p:spTree>
+  </p:cSld>
+  <mc:AlternateContent>
+    <mc:Choice Requires="p14">
+      <p:transition spd="slow" p14:dur="2000"/>
+    </mc:Choice>
+    <mc:Fallback>
+      <p:transition spd="slow"/>
+    </mc:Fallback>
+  </mc:AlternateContent>
+</p:sld>
+</file>
+
+<file path=ppt/slides/slide18.xml><?xml version="1.0" encoding="utf-8"?>
+<p:sld xmlns:a="http://schemas.openxmlformats.org/drawingml/2006/main" xmlns:p="http://schemas.openxmlformats.org/presentationml/2006/main" xmlns:r="http://schemas.openxmlformats.org/officeDocument/2006/relationships" xmlns:p14="http://schemas.microsoft.com/office/powerpoint/2010/main" xmlns:p15="http://schemas.microsoft.com/office/powerpoint/2012/main" xmlns:mc="http://schemas.openxmlformats.org/markup-compatibility/2006">
+  <p:cSld>
+    <p:spTree>
+      <p:nvGrpSpPr>
+        <p:cNvPr id="1" name=""/>
+        <p:cNvGrpSpPr/>
+        <p:nvPr/>
+      </p:nvGrpSpPr>
+      <p:grpSpPr>
+        <a:xfrm>
+          <a:off x="0" y="0"/>
+          <a:ext cx="0" cy="0"/>
+          <a:chOff x="0" y="0"/>
+          <a:chExt cx="0" cy="0"/>
+        </a:xfrm>
+      </p:grpSpPr>
+      <p:sp>
+        <p:nvSpPr>
+          <p:cNvPr id="106" name="CustomShape 1"/>
+          <p:cNvSpPr/>
+          <p:nvPr/>
+        </p:nvSpPr>
+        <p:spPr>
+          <a:xfrm>
+            <a:off x="1523880" y="1581120"/>
+            <a:ext cx="7617600" cy="34200"/>
+          </a:xfrm>
+          <a:prstGeom prst="rect">
+            <a:avLst/>
+          </a:prstGeom>
+          <a:solidFill>
+            <a:srgbClr val="33cccc"/>
+          </a:solidFill>
+          <a:ln>
+            <a:noFill/>
+          </a:ln>
+        </p:spPr>
+        <p:style>
+          <a:lnRef idx="0"/>
+          <a:fillRef idx="0"/>
+          <a:effectRef idx="0"/>
+          <a:fontRef idx="minor"/>
+        </p:style>
+      </p:sp>
+      <p:sp>
+        <p:nvSpPr>
+          <p:cNvPr id="107" name="CustomShape 2"/>
+          <p:cNvSpPr/>
+          <p:nvPr/>
+        </p:nvSpPr>
+        <p:spPr>
+          <a:xfrm>
+            <a:off x="1371600" y="1143000"/>
+            <a:ext cx="7769880" cy="459360"/>
+          </a:xfrm>
+          <a:prstGeom prst="rect">
+            <a:avLst/>
+          </a:prstGeom>
+          <a:noFill/>
+          <a:ln>
+            <a:noFill/>
+          </a:ln>
+        </p:spPr>
+        <p:style>
+          <a:lnRef idx="0"/>
+          <a:fillRef idx="0"/>
+          <a:effectRef idx="0"/>
+          <a:fontRef idx="minor"/>
+        </p:style>
+        <p:txBody>
+          <a:bodyPr lIns="90000" rIns="90000" tIns="45000" bIns="45000">
+            <a:noAutofit/>
+          </a:bodyPr>
+          <a:p>
+            <a:pPr marL="343080" indent="-340200" algn="r">
+              <a:lnSpc>
+                <a:spcPct val="100000"/>
+              </a:lnSpc>
+            </a:pPr>
+            <a:r>
+              <a:rPr b="1" lang="en-IN" sz="2400" spc="-1" strike="noStrike">
+                <a:solidFill>
+                  <a:srgbClr val="ff0000"/>
+                </a:solidFill>
+                <a:latin typeface="Times New Roman"/>
+                <a:ea typeface="Trebuchet MS"/>
+              </a:rPr>
+              <a:t>Technologies Used</a:t>
+            </a:r>
+            <a:endParaRPr b="0" lang="en-IN" sz="2400" spc="-1" strike="noStrike">
+              <a:latin typeface="Arial"/>
+            </a:endParaRPr>
+          </a:p>
+        </p:txBody>
+      </p:sp>
+      <p:sp>
+        <p:nvSpPr>
+          <p:cNvPr id="108" name="CustomShape 3"/>
+          <p:cNvSpPr/>
+          <p:nvPr/>
+        </p:nvSpPr>
+        <p:spPr>
+          <a:xfrm>
+            <a:off x="480960" y="1728000"/>
+            <a:ext cx="6861240" cy="4721760"/>
+          </a:xfrm>
+          <a:prstGeom prst="rect">
+            <a:avLst/>
+          </a:prstGeom>
+          <a:noFill/>
+          <a:ln>
+            <a:noFill/>
+          </a:ln>
+        </p:spPr>
+        <p:style>
+          <a:lnRef idx="0"/>
+          <a:fillRef idx="0"/>
+          <a:effectRef idx="0"/>
+          <a:fontRef idx="minor"/>
+        </p:style>
+        <p:txBody>
+          <a:bodyPr lIns="90000" rIns="90000" tIns="45000" bIns="45000" anchor="ctr">
+            <a:noAutofit/>
+          </a:bodyPr>
+          <a:p>
+            <a:pPr marL="285840" indent="-284400" algn="just">
+              <a:lnSpc>
+                <a:spcPct val="100000"/>
+              </a:lnSpc>
+              <a:buClr>
+                <a:srgbClr val="000000"/>
+              </a:buClr>
+              <a:buFont typeface="Arial"/>
+              <a:buChar char="•"/>
+            </a:pPr>
+            <a:r>
+              <a:rPr b="0" lang="en-IN" sz="1800" spc="-1" strike="noStrike">
+                <a:solidFill>
+                  <a:srgbClr val="000000"/>
+                </a:solidFill>
+                <a:latin typeface="Arial"/>
+                <a:ea typeface="Arial"/>
+              </a:rPr>
+              <a:t>HDFS replication simulator</a:t>
+            </a:r>
+            <a:endParaRPr b="0" lang="en-IN" sz="1800" spc="-1" strike="noStrike">
+              <a:latin typeface="Arial"/>
+            </a:endParaRPr>
+          </a:p>
+          <a:p>
+            <a:pPr algn="just">
+              <a:lnSpc>
+                <a:spcPct val="100000"/>
+              </a:lnSpc>
+            </a:pPr>
+            <a:endParaRPr b="0" lang="en-IN" sz="1800" spc="-1" strike="noStrike">
+              <a:latin typeface="Arial"/>
+            </a:endParaRPr>
+          </a:p>
+          <a:p>
+            <a:pPr marL="285840" indent="-284400" algn="just">
+              <a:lnSpc>
+                <a:spcPct val="100000"/>
+              </a:lnSpc>
+              <a:buClr>
+                <a:srgbClr val="000000"/>
+              </a:buClr>
+              <a:buFont typeface="Arial"/>
+              <a:buChar char="•"/>
+            </a:pPr>
+            <a:r>
+              <a:rPr b="0" lang="en-IN" sz="1800" spc="-1" strike="noStrike">
+                <a:solidFill>
+                  <a:srgbClr val="000000"/>
+                </a:solidFill>
+                <a:latin typeface="Arial"/>
+                <a:ea typeface="Arial"/>
+              </a:rPr>
+              <a:t>Java</a:t>
+            </a:r>
+            <a:endParaRPr b="0" lang="en-IN" sz="1800" spc="-1" strike="noStrike">
+              <a:latin typeface="Arial"/>
+            </a:endParaRPr>
+          </a:p>
+          <a:p>
+            <a:pPr algn="just">
+              <a:lnSpc>
+                <a:spcPct val="100000"/>
+              </a:lnSpc>
+            </a:pPr>
+            <a:endParaRPr b="0" lang="en-IN" sz="1800" spc="-1" strike="noStrike">
+              <a:latin typeface="Arial"/>
+            </a:endParaRPr>
+          </a:p>
+          <a:p>
+            <a:pPr marL="285840" indent="-284400" algn="just">
+              <a:lnSpc>
+                <a:spcPct val="100000"/>
+              </a:lnSpc>
+              <a:buClr>
+                <a:srgbClr val="000000"/>
+              </a:buClr>
+              <a:buFont typeface="Arial"/>
+              <a:buChar char="•"/>
+            </a:pPr>
+            <a:r>
+              <a:rPr b="0" lang="en-IN" sz="1800" spc="-1" strike="noStrike">
+                <a:solidFill>
+                  <a:srgbClr val="000000"/>
+                </a:solidFill>
+                <a:latin typeface="Arial"/>
+                <a:ea typeface="Arial"/>
+              </a:rPr>
+              <a:t>Draw.io</a:t>
+            </a:r>
+            <a:endParaRPr b="0" lang="en-IN" sz="1800" spc="-1" strike="noStrike">
+              <a:latin typeface="Arial"/>
+            </a:endParaRPr>
+          </a:p>
+        </p:txBody>
+      </p:sp>
+    </p:spTree>
+  </p:cSld>
+  <mc:AlternateContent>
+    <mc:Choice Requires="p14">
+      <p:transition spd="slow" p14:dur="2000"/>
+    </mc:Choice>
+    <mc:Fallback>
+      <p:transition spd="slow"/>
+    </mc:Fallback>
+  </mc:AlternateContent>
+</p:sld>
+</file>
+
+<file path=ppt/slides/slide19.xml><?xml version="1.0" encoding="utf-8"?>
+<p:sld xmlns:a="http://schemas.openxmlformats.org/drawingml/2006/main" xmlns:p="http://schemas.openxmlformats.org/presentationml/2006/main" xmlns:r="http://schemas.openxmlformats.org/officeDocument/2006/relationships" xmlns:p14="http://schemas.microsoft.com/office/powerpoint/2010/main" xmlns:p15="http://schemas.microsoft.com/office/powerpoint/2012/main" xmlns:mc="http://schemas.openxmlformats.org/markup-compatibility/2006">
+  <p:cSld>
+    <p:spTree>
+      <p:nvGrpSpPr>
+        <p:cNvPr id="1" name=""/>
+        <p:cNvGrpSpPr/>
+        <p:nvPr/>
+      </p:nvGrpSpPr>
+      <p:grpSpPr>
+        <a:xfrm>
+          <a:off x="0" y="0"/>
+          <a:ext cx="0" cy="0"/>
+          <a:chOff x="0" y="0"/>
+          <a:chExt cx="0" cy="0"/>
+        </a:xfrm>
+      </p:grpSpPr>
+      <p:sp>
+        <p:nvSpPr>
+          <p:cNvPr id="109" name="CustomShape 1"/>
+          <p:cNvSpPr/>
+          <p:nvPr/>
+        </p:nvSpPr>
+        <p:spPr>
+          <a:xfrm>
             <a:off x="2847600" y="3352680"/>
-            <a:ext cx="2921760" cy="705600"/>
+            <a:ext cx="2921400" cy="705240"/>
           </a:xfrm>
           <a:prstGeom prst="rect">
             <a:avLst/>
@@ -4583,7 +5057,7 @@
         <p:spPr>
           <a:xfrm>
             <a:off x="1523880" y="1581120"/>
-            <a:ext cx="7617960" cy="34200"/>
+            <a:ext cx="7617600" cy="33840"/>
           </a:xfrm>
           <a:prstGeom prst="rect">
             <a:avLst/>
@@ -4611,7 +5085,7 @@
         <p:spPr>
           <a:xfrm>
             <a:off x="2666880" y="1143000"/>
-            <a:ext cx="6474960" cy="459360"/>
+            <a:ext cx="6474600" cy="459000"/>
           </a:xfrm>
           <a:prstGeom prst="rect">
             <a:avLst/>
@@ -4632,7 +5106,7 @@
             <a:noAutofit/>
           </a:bodyPr>
           <a:p>
-            <a:pPr marL="343080" indent="-340560" algn="r">
+            <a:pPr marL="343080" indent="-340200" algn="r">
               <a:lnSpc>
                 <a:spcPct val="100000"/>
               </a:lnSpc>
@@ -4662,7 +5136,7 @@
         <p:spPr>
           <a:xfrm>
             <a:off x="173160" y="1767960"/>
-            <a:ext cx="7455240" cy="4283280"/>
+            <a:ext cx="7454880" cy="4282920"/>
           </a:xfrm>
           <a:prstGeom prst="rect">
             <a:avLst/>
@@ -4703,7 +5177,7 @@
             </a:endParaRPr>
           </a:p>
           <a:p>
-            <a:pPr marL="527040" indent="-284760">
+            <a:pPr marL="527040" indent="-284400">
               <a:lnSpc>
                 <a:spcPct val="150000"/>
               </a:lnSpc>
@@ -4728,7 +5202,7 @@
             </a:endParaRPr>
           </a:p>
           <a:p>
-            <a:pPr marL="527040" indent="-284760">
+            <a:pPr marL="527040" indent="-284400">
               <a:lnSpc>
                 <a:spcPct val="150000"/>
               </a:lnSpc>
@@ -4753,7 +5227,7 @@
             </a:endParaRPr>
           </a:p>
           <a:p>
-            <a:pPr marL="527040" indent="-284760">
+            <a:pPr marL="527040" indent="-284400">
               <a:lnSpc>
                 <a:spcPct val="150000"/>
               </a:lnSpc>
@@ -4778,7 +5252,7 @@
             </a:endParaRPr>
           </a:p>
           <a:p>
-            <a:pPr marL="527040" indent="-284760">
+            <a:pPr marL="527040" indent="-284400">
               <a:lnSpc>
                 <a:spcPct val="150000"/>
               </a:lnSpc>
@@ -4843,7 +5317,7 @@
         <p:spPr>
           <a:xfrm>
             <a:off x="1523880" y="1581120"/>
-            <a:ext cx="7617960" cy="34200"/>
+            <a:ext cx="7617600" cy="33840"/>
           </a:xfrm>
           <a:prstGeom prst="rect">
             <a:avLst/>
@@ -4871,7 +5345,7 @@
         <p:spPr>
           <a:xfrm>
             <a:off x="2666880" y="1143000"/>
-            <a:ext cx="6474960" cy="459360"/>
+            <a:ext cx="6474600" cy="459000"/>
           </a:xfrm>
           <a:prstGeom prst="rect">
             <a:avLst/>
@@ -4892,7 +5366,7 @@
             <a:noAutofit/>
           </a:bodyPr>
           <a:p>
-            <a:pPr marL="343080" indent="-340560" algn="r">
+            <a:pPr marL="343080" indent="-340200" algn="r">
               <a:lnSpc>
                 <a:spcPct val="100000"/>
               </a:lnSpc>
@@ -4922,7 +5396,7 @@
         <p:spPr>
           <a:xfrm>
             <a:off x="0" y="1617840"/>
-            <a:ext cx="7702920" cy="4334400"/>
+            <a:ext cx="7702560" cy="4334040"/>
           </a:xfrm>
           <a:prstGeom prst="rect">
             <a:avLst/>
@@ -4963,7 +5437,7 @@
             </a:endParaRPr>
           </a:p>
           <a:p>
-            <a:pPr marL="527040" indent="-284760">
+            <a:pPr marL="527040" indent="-284400">
               <a:lnSpc>
                 <a:spcPct val="150000"/>
               </a:lnSpc>
@@ -4988,7 +5462,7 @@
             </a:endParaRPr>
           </a:p>
           <a:p>
-            <a:pPr marL="527040" indent="-284760">
+            <a:pPr marL="527040" indent="-284400">
               <a:lnSpc>
                 <a:spcPct val="150000"/>
               </a:lnSpc>
@@ -5013,7 +5487,7 @@
             </a:endParaRPr>
           </a:p>
           <a:p>
-            <a:pPr marL="527040" indent="-284760">
+            <a:pPr marL="527040" indent="-284400">
               <a:lnSpc>
                 <a:spcPct val="150000"/>
               </a:lnSpc>
@@ -5078,7 +5552,7 @@
         <p:spPr>
           <a:xfrm>
             <a:off x="1523880" y="1581120"/>
-            <a:ext cx="7617960" cy="34200"/>
+            <a:ext cx="7617600" cy="33840"/>
           </a:xfrm>
           <a:prstGeom prst="rect">
             <a:avLst/>
@@ -5106,7 +5580,7 @@
         <p:spPr>
           <a:xfrm>
             <a:off x="2666880" y="1143000"/>
-            <a:ext cx="6474960" cy="459360"/>
+            <a:ext cx="6474600" cy="459000"/>
           </a:xfrm>
           <a:prstGeom prst="rect">
             <a:avLst/>
@@ -5127,7 +5601,7 @@
             <a:noAutofit/>
           </a:bodyPr>
           <a:p>
-            <a:pPr marL="343080" indent="-340560" algn="r">
+            <a:pPr marL="343080" indent="-340200" algn="r">
               <a:lnSpc>
                 <a:spcPct val="100000"/>
               </a:lnSpc>
@@ -5157,7 +5631,7 @@
         <p:spPr>
           <a:xfrm>
             <a:off x="360000" y="1656000"/>
-            <a:ext cx="7484760" cy="4838400"/>
+            <a:ext cx="7484400" cy="4838040"/>
           </a:xfrm>
           <a:prstGeom prst="rect">
             <a:avLst/>
@@ -5198,7 +5672,7 @@
             </a:endParaRPr>
           </a:p>
           <a:p>
-            <a:pPr marL="527040" indent="-284760">
+            <a:pPr marL="527040" indent="-284400">
               <a:lnSpc>
                 <a:spcPct val="150000"/>
               </a:lnSpc>
@@ -5304,7 +5778,7 @@
             </a:endParaRPr>
           </a:p>
           <a:p>
-            <a:pPr marL="527040" indent="-284760">
+            <a:pPr marL="527040" indent="-284400">
               <a:lnSpc>
                 <a:spcPct val="150000"/>
               </a:lnSpc>
@@ -5430,7 +5904,7 @@
         <p:spPr>
           <a:xfrm>
             <a:off x="1523880" y="1581120"/>
-            <a:ext cx="7617960" cy="34200"/>
+            <a:ext cx="7617600" cy="33840"/>
           </a:xfrm>
           <a:prstGeom prst="rect">
             <a:avLst/>
@@ -5458,7 +5932,7 @@
         <p:spPr>
           <a:xfrm>
             <a:off x="2666880" y="1143000"/>
-            <a:ext cx="6474960" cy="459360"/>
+            <a:ext cx="6474600" cy="459000"/>
           </a:xfrm>
           <a:prstGeom prst="rect">
             <a:avLst/>
@@ -5479,7 +5953,7 @@
             <a:noAutofit/>
           </a:bodyPr>
           <a:p>
-            <a:pPr marL="343080" indent="-340560" algn="r">
+            <a:pPr marL="343080" indent="-340200" algn="r">
               <a:lnSpc>
                 <a:spcPct val="100000"/>
               </a:lnSpc>
@@ -5509,7 +5983,7 @@
         <p:spPr>
           <a:xfrm>
             <a:off x="360000" y="1656000"/>
-            <a:ext cx="7484760" cy="4838400"/>
+            <a:ext cx="7484400" cy="4838040"/>
           </a:xfrm>
           <a:prstGeom prst="rect">
             <a:avLst/>
@@ -5550,7 +6024,7 @@
             </a:endParaRPr>
           </a:p>
           <a:p>
-            <a:pPr marL="527040" indent="-284760">
+            <a:pPr marL="527040" indent="-284400">
               <a:lnSpc>
                 <a:spcPct val="150000"/>
               </a:lnSpc>
@@ -5656,7 +6130,7 @@
             </a:endParaRPr>
           </a:p>
           <a:p>
-            <a:pPr marL="527040" indent="-284760">
+            <a:pPr marL="527040" indent="-284400">
               <a:lnSpc>
                 <a:spcPct val="150000"/>
               </a:lnSpc>
@@ -5782,7 +6256,7 @@
         <p:spPr>
           <a:xfrm>
             <a:off x="1523880" y="1581120"/>
-            <a:ext cx="7617960" cy="34560"/>
+            <a:ext cx="7617600" cy="34200"/>
           </a:xfrm>
           <a:prstGeom prst="rect">
             <a:avLst/>
@@ -5810,7 +6284,7 @@
         <p:spPr>
           <a:xfrm>
             <a:off x="1371600" y="1143000"/>
-            <a:ext cx="7770240" cy="459720"/>
+            <a:ext cx="7769880" cy="459360"/>
           </a:xfrm>
           <a:prstGeom prst="rect">
             <a:avLst/>
@@ -5831,7 +6305,7 @@
             <a:noAutofit/>
           </a:bodyPr>
           <a:p>
-            <a:pPr marL="343080" indent="-340560" algn="r">
+            <a:pPr marL="343080" indent="-340200" algn="r">
               <a:lnSpc>
                 <a:spcPct val="100000"/>
               </a:lnSpc>
@@ -5861,7 +6335,7 @@
         <p:spPr>
           <a:xfrm>
             <a:off x="516960" y="2133720"/>
-            <a:ext cx="7003440" cy="3731040"/>
+            <a:ext cx="7003080" cy="3730680"/>
           </a:xfrm>
           <a:prstGeom prst="rect">
             <a:avLst/>
@@ -5882,7 +6356,7 @@
             <a:noAutofit/>
           </a:bodyPr>
           <a:p>
-            <a:pPr marL="285840" indent="-284760" algn="just">
+            <a:pPr marL="285840" indent="-284400" algn="just">
               <a:lnSpc>
                 <a:spcPct val="100000"/>
               </a:lnSpc>
@@ -5917,7 +6391,7 @@
             </a:endParaRPr>
           </a:p>
           <a:p>
-            <a:pPr marL="285840" indent="-284760" algn="just">
+            <a:pPr marL="285840" indent="-284400" algn="just">
               <a:lnSpc>
                 <a:spcPct val="100000"/>
               </a:lnSpc>
@@ -5952,7 +6426,7 @@
             </a:endParaRPr>
           </a:p>
           <a:p>
-            <a:pPr marL="285840" indent="-284760" algn="just">
+            <a:pPr marL="285840" indent="-284400" algn="just">
               <a:lnSpc>
                 <a:spcPct val="100000"/>
               </a:lnSpc>
@@ -5987,7 +6461,7 @@
             </a:endParaRPr>
           </a:p>
           <a:p>
-            <a:pPr marL="285840" indent="-284760" algn="just">
+            <a:pPr marL="285840" indent="-284400" algn="just">
               <a:lnSpc>
                 <a:spcPct val="100000"/>
               </a:lnSpc>
@@ -6052,7 +6526,7 @@
         <p:spPr>
           <a:xfrm>
             <a:off x="1523880" y="1581120"/>
-            <a:ext cx="7617960" cy="34560"/>
+            <a:ext cx="7617600" cy="34200"/>
           </a:xfrm>
           <a:prstGeom prst="rect">
             <a:avLst/>
@@ -6080,7 +6554,7 @@
         <p:spPr>
           <a:xfrm>
             <a:off x="1371600" y="1143000"/>
-            <a:ext cx="7770240" cy="459720"/>
+            <a:ext cx="7769880" cy="459360"/>
           </a:xfrm>
           <a:prstGeom prst="rect">
             <a:avLst/>
@@ -6101,7 +6575,7 @@
             <a:noAutofit/>
           </a:bodyPr>
           <a:p>
-            <a:pPr marL="343080" indent="-340560" algn="r">
+            <a:pPr marL="343080" indent="-340200" algn="r">
               <a:lnSpc>
                 <a:spcPct val="100000"/>
               </a:lnSpc>
@@ -6131,7 +6605,7 @@
         <p:spPr>
           <a:xfrm>
             <a:off x="590760" y="1989360"/>
-            <a:ext cx="7531560" cy="4662720"/>
+            <a:ext cx="7531200" cy="4662360"/>
           </a:xfrm>
           <a:prstGeom prst="rect">
             <a:avLst/>
@@ -6212,7 +6686,7 @@
             </a:endParaRPr>
           </a:p>
           <a:p>
-            <a:pPr marL="286560" indent="-284760">
+            <a:pPr marL="286560" indent="-284400">
               <a:lnSpc>
                 <a:spcPct val="150000"/>
               </a:lnSpc>
@@ -6237,7 +6711,7 @@
             </a:endParaRPr>
           </a:p>
           <a:p>
-            <a:pPr marL="286560" indent="-284760">
+            <a:pPr marL="286560" indent="-284400">
               <a:lnSpc>
                 <a:spcPct val="150000"/>
               </a:lnSpc>
@@ -6282,7 +6756,7 @@
             </a:endParaRPr>
           </a:p>
           <a:p>
-            <a:pPr marL="286560" indent="-284760">
+            <a:pPr marL="286560" indent="-284400">
               <a:lnSpc>
                 <a:spcPct val="150000"/>
               </a:lnSpc>
@@ -6358,7 +6832,7 @@
         <p:spPr>
           <a:xfrm>
             <a:off x="1523880" y="1581120"/>
-            <a:ext cx="7617960" cy="34560"/>
+            <a:ext cx="7617600" cy="34200"/>
           </a:xfrm>
           <a:prstGeom prst="rect">
             <a:avLst/>
@@ -6386,7 +6860,7 @@
         <p:spPr>
           <a:xfrm>
             <a:off x="1371600" y="1143000"/>
-            <a:ext cx="7770240" cy="459720"/>
+            <a:ext cx="7769880" cy="459360"/>
           </a:xfrm>
           <a:prstGeom prst="rect">
             <a:avLst/>
@@ -6407,7 +6881,7 @@
             <a:noAutofit/>
           </a:bodyPr>
           <a:p>
-            <a:pPr marL="343080" indent="-340560" algn="r">
+            <a:pPr marL="343080" indent="-340200" algn="r">
               <a:lnSpc>
                 <a:spcPct val="100000"/>
               </a:lnSpc>
@@ -6437,7 +6911,7 @@
         <p:spPr>
           <a:xfrm>
             <a:off x="590760" y="1791360"/>
-            <a:ext cx="7003440" cy="3679200"/>
+            <a:ext cx="7003080" cy="3678840"/>
           </a:xfrm>
           <a:prstGeom prst="rect">
             <a:avLst/>
@@ -6478,7 +6952,7 @@
             </a:endParaRPr>
           </a:p>
           <a:p>
-            <a:pPr marL="286560" indent="-284760">
+            <a:pPr marL="286560" indent="-284400">
               <a:lnSpc>
                 <a:spcPct val="150000"/>
               </a:lnSpc>
@@ -6503,7 +6977,7 @@
             </a:endParaRPr>
           </a:p>
           <a:p>
-            <a:pPr marL="286560" indent="-284760">
+            <a:pPr marL="286560" indent="-284400">
               <a:lnSpc>
                 <a:spcPct val="150000"/>
               </a:lnSpc>
@@ -6528,7 +7002,7 @@
             </a:endParaRPr>
           </a:p>
           <a:p>
-            <a:pPr marL="286560" indent="-284760">
+            <a:pPr marL="286560" indent="-284400">
               <a:lnSpc>
                 <a:spcPct val="150000"/>
               </a:lnSpc>
@@ -6593,7 +7067,7 @@
         <p:spPr>
           <a:xfrm>
             <a:off x="1523880" y="1581120"/>
-            <a:ext cx="7617960" cy="34200"/>
+            <a:ext cx="7617600" cy="33840"/>
           </a:xfrm>
           <a:prstGeom prst="rect">
             <a:avLst/>
@@ -6621,7 +7095,7 @@
         <p:spPr>
           <a:xfrm>
             <a:off x="1371600" y="1143000"/>
-            <a:ext cx="7770240" cy="459360"/>
+            <a:ext cx="7769880" cy="459000"/>
           </a:xfrm>
           <a:prstGeom prst="rect">
             <a:avLst/>
@@ -6642,7 +7116,7 @@
             <a:noAutofit/>
           </a:bodyPr>
           <a:p>
-            <a:pPr marL="343080" indent="-340560" algn="r">
+            <a:pPr marL="343080" indent="-340200" algn="r">
               <a:lnSpc>
                 <a:spcPct val="100000"/>
               </a:lnSpc>
@@ -6672,7 +7146,7 @@
         <p:spPr>
           <a:xfrm>
             <a:off x="505800" y="1617840"/>
-            <a:ext cx="6866280" cy="4756680"/>
+            <a:ext cx="6865920" cy="4756320"/>
           </a:xfrm>
           <a:prstGeom prst="rect">
             <a:avLst/>
@@ -6702,7 +7176,7 @@
         <p:spPr>
           <a:xfrm>
             <a:off x="288000" y="1900800"/>
-            <a:ext cx="7140600" cy="4578480"/>
+            <a:ext cx="7140240" cy="4578120"/>
           </a:xfrm>
           <a:prstGeom prst="rect">
             <a:avLst/>

--- a/presentations/Review 2 - Project Progress Presentation 2020.pptx
+++ b/presentations/Review 2 - Project Progress Presentation 2020.pptx
@@ -257,7 +257,7 @@
           </a:bodyPr>
           <a:p>
             <a:pPr algn="r"/>
-            <a:fld id="{B1113202-9E66-4603-8CFD-951FE3D79942}" type="slidenum">
+            <a:fld id="{C472C300-7137-479D-BC73-599500F62D83}" type="slidenum">
               <a:rPr b="0" lang="en-IN" sz="1400" spc="-1" strike="noStrike">
                 <a:latin typeface="Times New Roman"/>
               </a:rPr>
@@ -305,7 +305,7 @@
         <p:spPr>
           <a:xfrm>
             <a:off x="680400" y="4690800"/>
-            <a:ext cx="5435640" cy="4440600"/>
+            <a:ext cx="5435280" cy="4440240"/>
           </a:xfrm>
           <a:prstGeom prst="rect">
             <a:avLst/>
@@ -331,7 +331,7 @@
         <p:spPr>
           <a:xfrm>
             <a:off x="3849840" y="9378360"/>
-            <a:ext cx="2944080" cy="491400"/>
+            <a:ext cx="2943720" cy="491040"/>
           </a:xfrm>
           <a:prstGeom prst="rect">
             <a:avLst/>
@@ -357,7 +357,7 @@
                 <a:spcPct val="100000"/>
               </a:lnSpc>
             </a:pPr>
-            <a:fld id="{2E77DE51-1A9F-4FC8-A22C-EBF1322E77B4}" type="slidenum">
+            <a:fld id="{DCF6FA83-289D-48BC-941E-18318D76A9F5}" type="slidenum">
               <a:rPr b="0" lang="en-IN" sz="1400" spc="-1" strike="noStrike">
                 <a:solidFill>
                   <a:srgbClr val="000000"/>
@@ -408,7 +408,7 @@
         <p:spPr>
           <a:xfrm>
             <a:off x="680400" y="4690800"/>
-            <a:ext cx="5435640" cy="4440600"/>
+            <a:ext cx="5435280" cy="4440240"/>
           </a:xfrm>
           <a:prstGeom prst="rect">
             <a:avLst/>
@@ -434,7 +434,7 @@
         <p:spPr>
           <a:xfrm>
             <a:off x="3849840" y="9378360"/>
-            <a:ext cx="2944080" cy="491400"/>
+            <a:ext cx="2943720" cy="491040"/>
           </a:xfrm>
           <a:prstGeom prst="rect">
             <a:avLst/>
@@ -460,7 +460,7 @@
                 <a:spcPct val="100000"/>
               </a:lnSpc>
             </a:pPr>
-            <a:fld id="{039FCFCE-56E7-48E9-987E-53475BCBD117}" type="slidenum">
+            <a:fld id="{AA91A873-D929-46DE-AD3A-5B7C42002CB9}" type="slidenum">
               <a:rPr b="0" lang="en-IN" sz="1400" spc="-1" strike="noStrike">
                 <a:solidFill>
                   <a:srgbClr val="000000"/>
@@ -511,7 +511,7 @@
         <p:spPr>
           <a:xfrm>
             <a:off x="680400" y="4690800"/>
-            <a:ext cx="5435640" cy="4440600"/>
+            <a:ext cx="5435280" cy="4440240"/>
           </a:xfrm>
           <a:prstGeom prst="rect">
             <a:avLst/>
@@ -537,7 +537,7 @@
         <p:spPr>
           <a:xfrm>
             <a:off x="3849840" y="9378360"/>
-            <a:ext cx="2943720" cy="491760"/>
+            <a:ext cx="2943360" cy="491400"/>
           </a:xfrm>
           <a:prstGeom prst="rect">
             <a:avLst/>
@@ -563,7 +563,7 @@
                 <a:spcPct val="100000"/>
               </a:lnSpc>
             </a:pPr>
-            <a:fld id="{DC478665-0E89-4663-B971-CAC24C7B879F}" type="slidenum">
+            <a:fld id="{C417E89B-0AEC-4F75-BE80-523D5F3A8B4E}" type="slidenum">
               <a:rPr b="0" lang="en-IN" sz="1400" spc="-1" strike="noStrike">
                 <a:solidFill>
                   <a:srgbClr val="000000"/>
@@ -614,7 +614,7 @@
         <p:spPr>
           <a:xfrm>
             <a:off x="680400" y="4690800"/>
-            <a:ext cx="5435640" cy="4440600"/>
+            <a:ext cx="5435280" cy="4440240"/>
           </a:xfrm>
           <a:prstGeom prst="rect">
             <a:avLst/>
@@ -640,7 +640,7 @@
         <p:spPr>
           <a:xfrm>
             <a:off x="3849840" y="9378360"/>
-            <a:ext cx="2943720" cy="491760"/>
+            <a:ext cx="2943360" cy="491400"/>
           </a:xfrm>
           <a:prstGeom prst="rect">
             <a:avLst/>
@@ -666,7 +666,7 @@
                 <a:spcPct val="100000"/>
               </a:lnSpc>
             </a:pPr>
-            <a:fld id="{38EC0C9B-65BF-4A85-88BD-257EE13022F0}" type="slidenum">
+            <a:fld id="{AFE5C9B4-A60A-4CD1-9FA1-BFDE411D5212}" type="slidenum">
               <a:rPr b="0" lang="en-IN" sz="1400" spc="-1" strike="noStrike">
                 <a:solidFill>
                   <a:srgbClr val="000000"/>
@@ -717,7 +717,7 @@
         <p:spPr>
           <a:xfrm>
             <a:off x="680400" y="4690800"/>
-            <a:ext cx="5435640" cy="4440600"/>
+            <a:ext cx="5435280" cy="4440240"/>
           </a:xfrm>
           <a:prstGeom prst="rect">
             <a:avLst/>
@@ -743,7 +743,7 @@
         <p:spPr>
           <a:xfrm>
             <a:off x="3849840" y="9378360"/>
-            <a:ext cx="2943720" cy="491760"/>
+            <a:ext cx="2943360" cy="491400"/>
           </a:xfrm>
           <a:prstGeom prst="rect">
             <a:avLst/>
@@ -769,7 +769,7 @@
                 <a:spcPct val="100000"/>
               </a:lnSpc>
             </a:pPr>
-            <a:fld id="{491E0487-D1BF-4855-BD0B-602E7578140C}" type="slidenum">
+            <a:fld id="{5D18F1B0-0BA9-4C1F-8017-99BB2A845838}" type="slidenum">
               <a:rPr b="0" lang="en-IN" sz="1400" spc="-1" strike="noStrike">
                 <a:solidFill>
                   <a:srgbClr val="000000"/>
@@ -820,7 +820,7 @@
         <p:spPr>
           <a:xfrm>
             <a:off x="680400" y="4690800"/>
-            <a:ext cx="5435640" cy="4440600"/>
+            <a:ext cx="5435280" cy="4440240"/>
           </a:xfrm>
           <a:prstGeom prst="rect">
             <a:avLst/>
@@ -846,7 +846,7 @@
         <p:spPr>
           <a:xfrm>
             <a:off x="3849840" y="9378360"/>
-            <a:ext cx="2943720" cy="491760"/>
+            <a:ext cx="2943360" cy="491400"/>
           </a:xfrm>
           <a:prstGeom prst="rect">
             <a:avLst/>
@@ -872,7 +872,7 @@
                 <a:spcPct val="100000"/>
               </a:lnSpc>
             </a:pPr>
-            <a:fld id="{5ED10752-F8D7-4569-84F8-9D2EB78081D9}" type="slidenum">
+            <a:fld id="{48215F5C-C371-44D8-8E7A-59DF4E6F8622}" type="slidenum">
               <a:rPr b="0" lang="en-IN" sz="1400" spc="-1" strike="noStrike">
                 <a:solidFill>
                   <a:srgbClr val="000000"/>
@@ -923,7 +923,7 @@
         <p:spPr>
           <a:xfrm>
             <a:off x="680400" y="4690800"/>
-            <a:ext cx="5435640" cy="4440600"/>
+            <a:ext cx="5435280" cy="4440240"/>
           </a:xfrm>
           <a:prstGeom prst="rect">
             <a:avLst/>
@@ -949,7 +949,7 @@
         <p:spPr>
           <a:xfrm>
             <a:off x="3849840" y="9378360"/>
-            <a:ext cx="2943720" cy="491760"/>
+            <a:ext cx="2943360" cy="491400"/>
           </a:xfrm>
           <a:prstGeom prst="rect">
             <a:avLst/>
@@ -975,7 +975,7 @@
                 <a:spcPct val="100000"/>
               </a:lnSpc>
             </a:pPr>
-            <a:fld id="{7889656C-33E4-4314-B278-72632628BCFC}" type="slidenum">
+            <a:fld id="{04AE27E5-EB39-4A94-A561-1F09C2834D02}" type="slidenum">
               <a:rPr b="0" lang="en-IN" sz="1400" spc="-1" strike="noStrike">
                 <a:solidFill>
                   <a:srgbClr val="000000"/>
@@ -1026,7 +1026,7 @@
         <p:spPr>
           <a:xfrm>
             <a:off x="680400" y="4690800"/>
-            <a:ext cx="5435640" cy="4440600"/>
+            <a:ext cx="5435280" cy="4440240"/>
           </a:xfrm>
           <a:prstGeom prst="rect">
             <a:avLst/>
@@ -1052,7 +1052,7 @@
         <p:spPr>
           <a:xfrm>
             <a:off x="3849840" y="9378360"/>
-            <a:ext cx="2943720" cy="491760"/>
+            <a:ext cx="2943360" cy="491400"/>
           </a:xfrm>
           <a:prstGeom prst="rect">
             <a:avLst/>
@@ -1078,7 +1078,7 @@
                 <a:spcPct val="100000"/>
               </a:lnSpc>
             </a:pPr>
-            <a:fld id="{0D7C6A21-1A33-4A4F-80F6-749AF31F8FAF}" type="slidenum">
+            <a:fld id="{9AEA1119-259F-4E84-974B-92C044E94D09}" type="slidenum">
               <a:rPr b="0" lang="en-IN" sz="1400" spc="-1" strike="noStrike">
                 <a:solidFill>
                   <a:srgbClr val="000000"/>
@@ -1129,7 +1129,7 @@
         <p:spPr>
           <a:xfrm>
             <a:off x="680400" y="4690800"/>
-            <a:ext cx="5435640" cy="4440600"/>
+            <a:ext cx="5435280" cy="4440240"/>
           </a:xfrm>
           <a:prstGeom prst="rect">
             <a:avLst/>
@@ -1155,7 +1155,7 @@
         <p:spPr>
           <a:xfrm>
             <a:off x="3849840" y="9378360"/>
-            <a:ext cx="2943720" cy="491760"/>
+            <a:ext cx="2943360" cy="491400"/>
           </a:xfrm>
           <a:prstGeom prst="rect">
             <a:avLst/>
@@ -1181,7 +1181,7 @@
                 <a:spcPct val="100000"/>
               </a:lnSpc>
             </a:pPr>
-            <a:fld id="{DA3E7F20-717E-4602-8417-4A327972A24D}" type="slidenum">
+            <a:fld id="{E719BF8D-0F56-4823-842E-93AF991FEE83}" type="slidenum">
               <a:rPr b="0" lang="en-IN" sz="1400" spc="-1" strike="noStrike">
                 <a:solidFill>
                   <a:srgbClr val="000000"/>
@@ -1232,7 +1232,7 @@
         <p:spPr>
           <a:xfrm>
             <a:off x="680400" y="4690800"/>
-            <a:ext cx="5435640" cy="4440600"/>
+            <a:ext cx="5435280" cy="4440240"/>
           </a:xfrm>
           <a:prstGeom prst="rect">
             <a:avLst/>
@@ -1258,7 +1258,7 @@
         <p:spPr>
           <a:xfrm>
             <a:off x="3849840" y="9378360"/>
-            <a:ext cx="2944080" cy="491400"/>
+            <a:ext cx="2943720" cy="491040"/>
           </a:xfrm>
           <a:prstGeom prst="rect">
             <a:avLst/>
@@ -1284,7 +1284,7 @@
                 <a:spcPct val="100000"/>
               </a:lnSpc>
             </a:pPr>
-            <a:fld id="{B998AE1C-26A5-4A09-B666-3FE8F4354379}" type="slidenum">
+            <a:fld id="{9B41656F-6225-4F8F-AF5E-3ED1D2CA0E0C}" type="slidenum">
               <a:rPr b="0" lang="en-IN" sz="1400" spc="-1" strike="noStrike">
                 <a:solidFill>
                   <a:srgbClr val="000000"/>
@@ -2698,7 +2698,7 @@
         <p:spPr>
           <a:xfrm>
             <a:off x="0" y="-35280"/>
-            <a:ext cx="9141480" cy="6931800"/>
+            <a:ext cx="9141120" cy="6931440"/>
           </a:xfrm>
           <a:prstGeom prst="rect">
             <a:avLst/>
@@ -2717,7 +2717,7 @@
         <p:spPr>
           <a:xfrm>
             <a:off x="0" y="152280"/>
-            <a:ext cx="1445400" cy="1197720"/>
+            <a:ext cx="1445040" cy="1197360"/>
           </a:xfrm>
           <a:prstGeom prst="rect">
             <a:avLst/>
@@ -2794,7 +2794,7 @@
         <p:spPr>
           <a:xfrm>
             <a:off x="179640" y="138600"/>
-            <a:ext cx="866160" cy="969480"/>
+            <a:ext cx="865800" cy="969120"/>
           </a:xfrm>
           <a:prstGeom prst="rect">
             <a:avLst/>
@@ -2817,7 +2817,7 @@
         <p:spPr>
           <a:xfrm>
             <a:off x="2702520" y="103320"/>
-            <a:ext cx="1618560" cy="988200"/>
+            <a:ext cx="1618200" cy="987840"/>
           </a:xfrm>
           <a:prstGeom prst="rect">
             <a:avLst/>
@@ -2840,7 +2840,7 @@
         <p:spPr>
           <a:xfrm>
             <a:off x="4323600" y="106560"/>
-            <a:ext cx="1617480" cy="986040"/>
+            <a:ext cx="1617120" cy="985680"/>
           </a:xfrm>
           <a:prstGeom prst="rect">
             <a:avLst/>
@@ -2863,7 +2863,7 @@
         <p:spPr>
           <a:xfrm>
             <a:off x="5923800" y="117000"/>
-            <a:ext cx="1617480" cy="987480"/>
+            <a:ext cx="1617120" cy="987120"/>
           </a:xfrm>
           <a:prstGeom prst="rect">
             <a:avLst/>
@@ -2886,7 +2886,7 @@
         <p:spPr>
           <a:xfrm>
             <a:off x="7524000" y="111960"/>
-            <a:ext cx="1617480" cy="987480"/>
+            <a:ext cx="1617120" cy="987120"/>
           </a:xfrm>
           <a:prstGeom prst="rect">
             <a:avLst/>
@@ -2909,7 +2909,7 @@
         <p:spPr>
           <a:xfrm>
             <a:off x="1219320" y="102240"/>
-            <a:ext cx="1617480" cy="987480"/>
+            <a:ext cx="1617120" cy="987120"/>
           </a:xfrm>
           <a:prstGeom prst="rect">
             <a:avLst/>
@@ -2932,7 +2932,7 @@
         <p:spPr>
           <a:xfrm>
             <a:off x="7530120" y="1600200"/>
-            <a:ext cx="1597680" cy="5124600"/>
+            <a:ext cx="1597320" cy="5124240"/>
           </a:xfrm>
           <a:prstGeom prst="rect">
             <a:avLst/>
@@ -3204,7 +3204,7 @@
         <p:spPr>
           <a:xfrm>
             <a:off x="1413000" y="2228400"/>
-            <a:ext cx="6309360" cy="705600"/>
+            <a:ext cx="6309000" cy="705240"/>
           </a:xfrm>
           <a:prstGeom prst="rect">
             <a:avLst/>
@@ -3265,7 +3265,7 @@
         <p:spPr>
           <a:xfrm>
             <a:off x="345600" y="3850560"/>
-            <a:ext cx="8455680" cy="2003760"/>
+            <a:ext cx="8455320" cy="2003400"/>
           </a:xfrm>
           <a:prstGeom prst="rect">
             <a:avLst/>
@@ -3548,7 +3548,7 @@
         <p:spPr>
           <a:xfrm>
             <a:off x="1523880" y="1581120"/>
-            <a:ext cx="7617600" cy="33840"/>
+            <a:ext cx="7617240" cy="33480"/>
           </a:xfrm>
           <a:prstGeom prst="rect">
             <a:avLst/>
@@ -3576,7 +3576,7 @@
         <p:spPr>
           <a:xfrm>
             <a:off x="1371600" y="1143000"/>
-            <a:ext cx="7769880" cy="459000"/>
+            <a:ext cx="7769520" cy="458640"/>
           </a:xfrm>
           <a:prstGeom prst="rect">
             <a:avLst/>
@@ -3597,7 +3597,7 @@
             <a:noAutofit/>
           </a:bodyPr>
           <a:p>
-            <a:pPr marL="343080" indent="-340200" algn="r">
+            <a:pPr marL="343080" indent="-339840" algn="r">
               <a:lnSpc>
                 <a:spcPct val="100000"/>
               </a:lnSpc>
@@ -3627,7 +3627,7 @@
         <p:spPr>
           <a:xfrm>
             <a:off x="505800" y="1617840"/>
-            <a:ext cx="6865920" cy="4756320"/>
+            <a:ext cx="6865560" cy="4755960"/>
           </a:xfrm>
           <a:prstGeom prst="rect">
             <a:avLst/>
@@ -3657,7 +3657,7 @@
         <p:spPr>
           <a:xfrm>
             <a:off x="288000" y="1728000"/>
-            <a:ext cx="7271640" cy="4895640"/>
+            <a:ext cx="7271280" cy="4895280"/>
           </a:xfrm>
           <a:prstGeom prst="rect">
             <a:avLst/>
@@ -3706,7 +3706,7 @@
         <p:spPr>
           <a:xfrm>
             <a:off x="1523880" y="1581120"/>
-            <a:ext cx="7617600" cy="33840"/>
+            <a:ext cx="7617240" cy="33480"/>
           </a:xfrm>
           <a:prstGeom prst="rect">
             <a:avLst/>
@@ -3734,7 +3734,7 @@
         <p:spPr>
           <a:xfrm>
             <a:off x="1371600" y="1143000"/>
-            <a:ext cx="7769880" cy="459000"/>
+            <a:ext cx="7769520" cy="458640"/>
           </a:xfrm>
           <a:prstGeom prst="rect">
             <a:avLst/>
@@ -3755,7 +3755,7 @@
             <a:noAutofit/>
           </a:bodyPr>
           <a:p>
-            <a:pPr marL="343080" indent="-340200" algn="r">
+            <a:pPr marL="343080" indent="-339840" algn="r">
               <a:lnSpc>
                 <a:spcPct val="100000"/>
               </a:lnSpc>
@@ -3785,7 +3785,7 @@
         <p:spPr>
           <a:xfrm>
             <a:off x="505800" y="1617840"/>
-            <a:ext cx="6865920" cy="4756320"/>
+            <a:ext cx="6865560" cy="4755960"/>
           </a:xfrm>
           <a:prstGeom prst="rect">
             <a:avLst/>
@@ -3815,7 +3815,7 @@
         <p:spPr>
           <a:xfrm>
             <a:off x="144360" y="2719080"/>
-            <a:ext cx="7227360" cy="2247840"/>
+            <a:ext cx="7227000" cy="2247480"/>
           </a:xfrm>
           <a:prstGeom prst="rect">
             <a:avLst/>
@@ -3864,7 +3864,7 @@
         <p:spPr>
           <a:xfrm>
             <a:off x="1523880" y="1581120"/>
-            <a:ext cx="7617600" cy="34200"/>
+            <a:ext cx="7617240" cy="33840"/>
           </a:xfrm>
           <a:prstGeom prst="rect">
             <a:avLst/>
@@ -3892,7 +3892,7 @@
         <p:spPr>
           <a:xfrm>
             <a:off x="1371600" y="1143000"/>
-            <a:ext cx="7769880" cy="459360"/>
+            <a:ext cx="7769520" cy="459000"/>
           </a:xfrm>
           <a:prstGeom prst="rect">
             <a:avLst/>
@@ -3913,7 +3913,7 @@
             <a:noAutofit/>
           </a:bodyPr>
           <a:p>
-            <a:pPr marL="343080" indent="-340200" algn="r">
+            <a:pPr marL="343080" indent="-339840" algn="r">
               <a:lnSpc>
                 <a:spcPct val="100000"/>
               </a:lnSpc>
@@ -3943,7 +3943,7 @@
         <p:spPr>
           <a:xfrm>
             <a:off x="533520" y="2678760"/>
-            <a:ext cx="6861240" cy="3871800"/>
+            <a:ext cx="6860880" cy="3871440"/>
           </a:xfrm>
           <a:prstGeom prst="rect">
             <a:avLst/>
@@ -3964,7 +3964,7 @@
             <a:noAutofit/>
           </a:bodyPr>
           <a:p>
-            <a:pPr marL="285840" indent="-284400" algn="just">
+            <a:pPr marL="285840" indent="-284040" algn="just">
               <a:lnSpc>
                 <a:spcPct val="150000"/>
               </a:lnSpc>
@@ -3989,7 +3989,7 @@
             </a:endParaRPr>
           </a:p>
           <a:p>
-            <a:pPr marL="285840" indent="-284400" algn="just">
+            <a:pPr marL="285840" indent="-284040" algn="just">
               <a:lnSpc>
                 <a:spcPct val="150000"/>
               </a:lnSpc>
@@ -4014,7 +4014,7 @@
             </a:endParaRPr>
           </a:p>
           <a:p>
-            <a:pPr marL="285840" indent="-284400" algn="just">
+            <a:pPr marL="285840" indent="-284040" algn="just">
               <a:lnSpc>
                 <a:spcPct val="150000"/>
               </a:lnSpc>
@@ -4079,7 +4079,7 @@
         <p:spPr>
           <a:xfrm>
             <a:off x="1523880" y="1581120"/>
-            <a:ext cx="7617600" cy="34200"/>
+            <a:ext cx="7617240" cy="33840"/>
           </a:xfrm>
           <a:prstGeom prst="rect">
             <a:avLst/>
@@ -4107,7 +4107,7 @@
         <p:spPr>
           <a:xfrm>
             <a:off x="1371600" y="1143000"/>
-            <a:ext cx="7769880" cy="459360"/>
+            <a:ext cx="7769520" cy="459000"/>
           </a:xfrm>
           <a:prstGeom prst="rect">
             <a:avLst/>
@@ -4128,7 +4128,7 @@
             <a:noAutofit/>
           </a:bodyPr>
           <a:p>
-            <a:pPr marL="343080" indent="-340200" algn="r">
+            <a:pPr marL="343080" indent="-339840" algn="r">
               <a:lnSpc>
                 <a:spcPct val="100000"/>
               </a:lnSpc>
@@ -4162,7 +4162,7 @@
         <p:spPr>
           <a:xfrm>
             <a:off x="288000" y="1728000"/>
-            <a:ext cx="7271640" cy="4895640"/>
+            <a:ext cx="7271280" cy="4895280"/>
           </a:xfrm>
           <a:prstGeom prst="rect">
             <a:avLst/>
@@ -4211,7 +4211,7 @@
         <p:spPr>
           <a:xfrm>
             <a:off x="1523880" y="1581120"/>
-            <a:ext cx="7617600" cy="34200"/>
+            <a:ext cx="7617240" cy="33840"/>
           </a:xfrm>
           <a:prstGeom prst="rect">
             <a:avLst/>
@@ -4239,7 +4239,7 @@
         <p:spPr>
           <a:xfrm>
             <a:off x="1371600" y="1143000"/>
-            <a:ext cx="7769880" cy="459360"/>
+            <a:ext cx="7769520" cy="459000"/>
           </a:xfrm>
           <a:prstGeom prst="rect">
             <a:avLst/>
@@ -4260,7 +4260,7 @@
             <a:noAutofit/>
           </a:bodyPr>
           <a:p>
-            <a:pPr marL="343080" indent="-340200" algn="r">
+            <a:pPr marL="343080" indent="-339840" algn="r">
               <a:lnSpc>
                 <a:spcPct val="100000"/>
               </a:lnSpc>
@@ -4294,7 +4294,7 @@
         <p:spPr>
           <a:xfrm>
             <a:off x="238680" y="1656000"/>
-            <a:ext cx="7536240" cy="4966920"/>
+            <a:ext cx="7535880" cy="4966560"/>
           </a:xfrm>
           <a:prstGeom prst="rect">
             <a:avLst/>
@@ -4343,7 +4343,7 @@
         <p:spPr>
           <a:xfrm>
             <a:off x="1523880" y="1581120"/>
-            <a:ext cx="7617600" cy="34200"/>
+            <a:ext cx="7617240" cy="33840"/>
           </a:xfrm>
           <a:prstGeom prst="rect">
             <a:avLst/>
@@ -4371,7 +4371,7 @@
         <p:spPr>
           <a:xfrm>
             <a:off x="1371600" y="1143000"/>
-            <a:ext cx="7769880" cy="459360"/>
+            <a:ext cx="7769520" cy="459000"/>
           </a:xfrm>
           <a:prstGeom prst="rect">
             <a:avLst/>
@@ -4392,7 +4392,7 @@
             <a:noAutofit/>
           </a:bodyPr>
           <a:p>
-            <a:pPr marL="343080" indent="-340200" algn="r">
+            <a:pPr marL="343080" indent="-339840" algn="r">
               <a:lnSpc>
                 <a:spcPct val="100000"/>
               </a:lnSpc>
@@ -4421,13 +4421,13 @@
         </p:nvPicPr>
         <p:blipFill>
           <a:blip r:embed="rId1"/>
-          <a:srcRect l="0" t="5802" r="46821" b="3202"/>
+          <a:srcRect l="0" t="2800" r="50390" b="3405"/>
           <a:stretch/>
         </p:blipFill>
         <p:spPr>
           <a:xfrm>
-            <a:off x="1473840" y="1800360"/>
-            <a:ext cx="4862160" cy="4679640"/>
+            <a:off x="1944000" y="1728000"/>
+            <a:ext cx="4535640" cy="4823640"/>
           </a:xfrm>
           <a:prstGeom prst="rect">
             <a:avLst/>
@@ -4476,7 +4476,7 @@
         <p:spPr>
           <a:xfrm>
             <a:off x="1523880" y="1581120"/>
-            <a:ext cx="7617600" cy="34200"/>
+            <a:ext cx="7617240" cy="33840"/>
           </a:xfrm>
           <a:prstGeom prst="rect">
             <a:avLst/>
@@ -4504,7 +4504,7 @@
         <p:spPr>
           <a:xfrm>
             <a:off x="1371600" y="1143000"/>
-            <a:ext cx="7769880" cy="459360"/>
+            <a:ext cx="7769520" cy="459000"/>
           </a:xfrm>
           <a:prstGeom prst="rect">
             <a:avLst/>
@@ -4525,7 +4525,7 @@
             <a:noAutofit/>
           </a:bodyPr>
           <a:p>
-            <a:pPr marL="343080" indent="-340200" algn="r">
+            <a:pPr marL="343080" indent="-339840" algn="r">
               <a:lnSpc>
                 <a:spcPct val="100000"/>
               </a:lnSpc>
@@ -4559,7 +4559,7 @@
         <p:spPr>
           <a:xfrm>
             <a:off x="166680" y="1656000"/>
-            <a:ext cx="7536240" cy="4979520"/>
+            <a:ext cx="7535880" cy="4979160"/>
           </a:xfrm>
           <a:prstGeom prst="rect">
             <a:avLst/>
@@ -4608,7 +4608,7 @@
         <p:spPr>
           <a:xfrm>
             <a:off x="1523880" y="1581120"/>
-            <a:ext cx="7617600" cy="34200"/>
+            <a:ext cx="7617240" cy="33840"/>
           </a:xfrm>
           <a:prstGeom prst="rect">
             <a:avLst/>
@@ -4636,7 +4636,7 @@
         <p:spPr>
           <a:xfrm>
             <a:off x="1371600" y="1143000"/>
-            <a:ext cx="7769880" cy="459360"/>
+            <a:ext cx="7769520" cy="459000"/>
           </a:xfrm>
           <a:prstGeom prst="rect">
             <a:avLst/>
@@ -4657,7 +4657,7 @@
             <a:noAutofit/>
           </a:bodyPr>
           <a:p>
-            <a:pPr marL="343080" indent="-340200" algn="r">
+            <a:pPr marL="343080" indent="-339840" algn="r">
               <a:lnSpc>
                 <a:spcPct val="100000"/>
               </a:lnSpc>
@@ -4686,13 +4686,13 @@
         </p:nvPicPr>
         <p:blipFill>
           <a:blip r:embed="rId1"/>
-          <a:srcRect l="0" t="3227" r="52752" b="2803"/>
+          <a:srcRect l="-2360" t="4745" r="55118" b="4203"/>
           <a:stretch/>
         </p:blipFill>
         <p:spPr>
           <a:xfrm>
-            <a:off x="1440360" y="1728000"/>
-            <a:ext cx="4319640" cy="4832640"/>
+            <a:off x="2016720" y="1728000"/>
+            <a:ext cx="4463280" cy="4838760"/>
           </a:xfrm>
           <a:prstGeom prst="rect">
             <a:avLst/>
@@ -4741,7 +4741,7 @@
         <p:spPr>
           <a:xfrm>
             <a:off x="1523880" y="1581120"/>
-            <a:ext cx="7617600" cy="34200"/>
+            <a:ext cx="7617240" cy="33840"/>
           </a:xfrm>
           <a:prstGeom prst="rect">
             <a:avLst/>
@@ -4769,7 +4769,7 @@
         <p:spPr>
           <a:xfrm>
             <a:off x="1371600" y="1143000"/>
-            <a:ext cx="7769880" cy="459360"/>
+            <a:ext cx="7769520" cy="459000"/>
           </a:xfrm>
           <a:prstGeom prst="rect">
             <a:avLst/>
@@ -4790,7 +4790,7 @@
             <a:noAutofit/>
           </a:bodyPr>
           <a:p>
-            <a:pPr marL="343080" indent="-340200" algn="r">
+            <a:pPr marL="343080" indent="-339840" algn="r">
               <a:lnSpc>
                 <a:spcPct val="100000"/>
               </a:lnSpc>
@@ -4820,7 +4820,7 @@
         <p:spPr>
           <a:xfrm>
             <a:off x="480960" y="1728000"/>
-            <a:ext cx="6861240" cy="4721760"/>
+            <a:ext cx="6860880" cy="4721400"/>
           </a:xfrm>
           <a:prstGeom prst="rect">
             <a:avLst/>
@@ -4841,7 +4841,7 @@
             <a:noAutofit/>
           </a:bodyPr>
           <a:p>
-            <a:pPr marL="285840" indent="-284400" algn="just">
+            <a:pPr marL="285840" indent="-284040" algn="just">
               <a:lnSpc>
                 <a:spcPct val="100000"/>
               </a:lnSpc>
@@ -4876,7 +4876,7 @@
             </a:endParaRPr>
           </a:p>
           <a:p>
-            <a:pPr marL="285840" indent="-284400" algn="just">
+            <a:pPr marL="285840" indent="-284040" algn="just">
               <a:lnSpc>
                 <a:spcPct val="100000"/>
               </a:lnSpc>
@@ -4911,7 +4911,7 @@
             </a:endParaRPr>
           </a:p>
           <a:p>
-            <a:pPr marL="285840" indent="-284400" algn="just">
+            <a:pPr marL="285840" indent="-284040" algn="just">
               <a:lnSpc>
                 <a:spcPct val="100000"/>
               </a:lnSpc>
@@ -4976,7 +4976,7 @@
         <p:spPr>
           <a:xfrm>
             <a:off x="2847600" y="3352680"/>
-            <a:ext cx="2921400" cy="705240"/>
+            <a:ext cx="2921040" cy="704880"/>
           </a:xfrm>
           <a:prstGeom prst="rect">
             <a:avLst/>
@@ -5057,7 +5057,7 @@
         <p:spPr>
           <a:xfrm>
             <a:off x="1523880" y="1581120"/>
-            <a:ext cx="7617600" cy="33840"/>
+            <a:ext cx="7617240" cy="33480"/>
           </a:xfrm>
           <a:prstGeom prst="rect">
             <a:avLst/>
@@ -5085,7 +5085,7 @@
         <p:spPr>
           <a:xfrm>
             <a:off x="2666880" y="1143000"/>
-            <a:ext cx="6474600" cy="459000"/>
+            <a:ext cx="6474240" cy="458640"/>
           </a:xfrm>
           <a:prstGeom prst="rect">
             <a:avLst/>
@@ -5106,7 +5106,7 @@
             <a:noAutofit/>
           </a:bodyPr>
           <a:p>
-            <a:pPr marL="343080" indent="-340200" algn="r">
+            <a:pPr marL="343080" indent="-339840" algn="r">
               <a:lnSpc>
                 <a:spcPct val="100000"/>
               </a:lnSpc>
@@ -5136,7 +5136,7 @@
         <p:spPr>
           <a:xfrm>
             <a:off x="173160" y="1767960"/>
-            <a:ext cx="7454880" cy="4282920"/>
+            <a:ext cx="7454520" cy="4282560"/>
           </a:xfrm>
           <a:prstGeom prst="rect">
             <a:avLst/>
@@ -5177,7 +5177,7 @@
             </a:endParaRPr>
           </a:p>
           <a:p>
-            <a:pPr marL="527040" indent="-284400">
+            <a:pPr marL="527040" indent="-284040">
               <a:lnSpc>
                 <a:spcPct val="150000"/>
               </a:lnSpc>
@@ -5202,7 +5202,7 @@
             </a:endParaRPr>
           </a:p>
           <a:p>
-            <a:pPr marL="527040" indent="-284400">
+            <a:pPr marL="527040" indent="-284040">
               <a:lnSpc>
                 <a:spcPct val="150000"/>
               </a:lnSpc>
@@ -5227,7 +5227,7 @@
             </a:endParaRPr>
           </a:p>
           <a:p>
-            <a:pPr marL="527040" indent="-284400">
+            <a:pPr marL="527040" indent="-284040">
               <a:lnSpc>
                 <a:spcPct val="150000"/>
               </a:lnSpc>
@@ -5252,7 +5252,7 @@
             </a:endParaRPr>
           </a:p>
           <a:p>
-            <a:pPr marL="527040" indent="-284400">
+            <a:pPr marL="527040" indent="-284040">
               <a:lnSpc>
                 <a:spcPct val="150000"/>
               </a:lnSpc>
@@ -5317,7 +5317,7 @@
         <p:spPr>
           <a:xfrm>
             <a:off x="1523880" y="1581120"/>
-            <a:ext cx="7617600" cy="33840"/>
+            <a:ext cx="7617240" cy="33480"/>
           </a:xfrm>
           <a:prstGeom prst="rect">
             <a:avLst/>
@@ -5345,7 +5345,7 @@
         <p:spPr>
           <a:xfrm>
             <a:off x="2666880" y="1143000"/>
-            <a:ext cx="6474600" cy="459000"/>
+            <a:ext cx="6474240" cy="458640"/>
           </a:xfrm>
           <a:prstGeom prst="rect">
             <a:avLst/>
@@ -5366,7 +5366,7 @@
             <a:noAutofit/>
           </a:bodyPr>
           <a:p>
-            <a:pPr marL="343080" indent="-340200" algn="r">
+            <a:pPr marL="343080" indent="-339840" algn="r">
               <a:lnSpc>
                 <a:spcPct val="100000"/>
               </a:lnSpc>
@@ -5396,7 +5396,7 @@
         <p:spPr>
           <a:xfrm>
             <a:off x="0" y="1617840"/>
-            <a:ext cx="7702560" cy="4334040"/>
+            <a:ext cx="7702200" cy="4333680"/>
           </a:xfrm>
           <a:prstGeom prst="rect">
             <a:avLst/>
@@ -5437,7 +5437,7 @@
             </a:endParaRPr>
           </a:p>
           <a:p>
-            <a:pPr marL="527040" indent="-284400">
+            <a:pPr marL="527040" indent="-284040">
               <a:lnSpc>
                 <a:spcPct val="150000"/>
               </a:lnSpc>
@@ -5462,7 +5462,7 @@
             </a:endParaRPr>
           </a:p>
           <a:p>
-            <a:pPr marL="527040" indent="-284400">
+            <a:pPr marL="527040" indent="-284040">
               <a:lnSpc>
                 <a:spcPct val="150000"/>
               </a:lnSpc>
@@ -5487,7 +5487,7 @@
             </a:endParaRPr>
           </a:p>
           <a:p>
-            <a:pPr marL="527040" indent="-284400">
+            <a:pPr marL="527040" indent="-284040">
               <a:lnSpc>
                 <a:spcPct val="150000"/>
               </a:lnSpc>
@@ -5552,7 +5552,7 @@
         <p:spPr>
           <a:xfrm>
             <a:off x="1523880" y="1581120"/>
-            <a:ext cx="7617600" cy="33840"/>
+            <a:ext cx="7617240" cy="33480"/>
           </a:xfrm>
           <a:prstGeom prst="rect">
             <a:avLst/>
@@ -5580,7 +5580,7 @@
         <p:spPr>
           <a:xfrm>
             <a:off x="2666880" y="1143000"/>
-            <a:ext cx="6474600" cy="459000"/>
+            <a:ext cx="6474240" cy="458640"/>
           </a:xfrm>
           <a:prstGeom prst="rect">
             <a:avLst/>
@@ -5601,7 +5601,7 @@
             <a:noAutofit/>
           </a:bodyPr>
           <a:p>
-            <a:pPr marL="343080" indent="-340200" algn="r">
+            <a:pPr marL="343080" indent="-339840" algn="r">
               <a:lnSpc>
                 <a:spcPct val="100000"/>
               </a:lnSpc>
@@ -5631,7 +5631,7 @@
         <p:spPr>
           <a:xfrm>
             <a:off x="360000" y="1656000"/>
-            <a:ext cx="7484400" cy="4838040"/>
+            <a:ext cx="7484040" cy="4837680"/>
           </a:xfrm>
           <a:prstGeom prst="rect">
             <a:avLst/>
@@ -5672,7 +5672,7 @@
             </a:endParaRPr>
           </a:p>
           <a:p>
-            <a:pPr marL="527040" indent="-284400">
+            <a:pPr marL="527040" indent="-284040">
               <a:lnSpc>
                 <a:spcPct val="150000"/>
               </a:lnSpc>
@@ -5778,7 +5778,7 @@
             </a:endParaRPr>
           </a:p>
           <a:p>
-            <a:pPr marL="527040" indent="-284400">
+            <a:pPr marL="527040" indent="-284040">
               <a:lnSpc>
                 <a:spcPct val="150000"/>
               </a:lnSpc>
@@ -5904,7 +5904,7 @@
         <p:spPr>
           <a:xfrm>
             <a:off x="1523880" y="1581120"/>
-            <a:ext cx="7617600" cy="33840"/>
+            <a:ext cx="7617240" cy="33480"/>
           </a:xfrm>
           <a:prstGeom prst="rect">
             <a:avLst/>
@@ -5932,7 +5932,7 @@
         <p:spPr>
           <a:xfrm>
             <a:off x="2666880" y="1143000"/>
-            <a:ext cx="6474600" cy="459000"/>
+            <a:ext cx="6474240" cy="458640"/>
           </a:xfrm>
           <a:prstGeom prst="rect">
             <a:avLst/>
@@ -5953,7 +5953,7 @@
             <a:noAutofit/>
           </a:bodyPr>
           <a:p>
-            <a:pPr marL="343080" indent="-340200" algn="r">
+            <a:pPr marL="343080" indent="-339840" algn="r">
               <a:lnSpc>
                 <a:spcPct val="100000"/>
               </a:lnSpc>
@@ -5983,7 +5983,7 @@
         <p:spPr>
           <a:xfrm>
             <a:off x="360000" y="1656000"/>
-            <a:ext cx="7484400" cy="4838040"/>
+            <a:ext cx="7484040" cy="4837680"/>
           </a:xfrm>
           <a:prstGeom prst="rect">
             <a:avLst/>
@@ -6024,7 +6024,7 @@
             </a:endParaRPr>
           </a:p>
           <a:p>
-            <a:pPr marL="527040" indent="-284400">
+            <a:pPr marL="527040" indent="-284040">
               <a:lnSpc>
                 <a:spcPct val="150000"/>
               </a:lnSpc>
@@ -6130,7 +6130,7 @@
             </a:endParaRPr>
           </a:p>
           <a:p>
-            <a:pPr marL="527040" indent="-284400">
+            <a:pPr marL="527040" indent="-284040">
               <a:lnSpc>
                 <a:spcPct val="150000"/>
               </a:lnSpc>
@@ -6256,7 +6256,7 @@
         <p:spPr>
           <a:xfrm>
             <a:off x="1523880" y="1581120"/>
-            <a:ext cx="7617600" cy="34200"/>
+            <a:ext cx="7617240" cy="33840"/>
           </a:xfrm>
           <a:prstGeom prst="rect">
             <a:avLst/>
@@ -6284,7 +6284,7 @@
         <p:spPr>
           <a:xfrm>
             <a:off x="1371600" y="1143000"/>
-            <a:ext cx="7769880" cy="459360"/>
+            <a:ext cx="7769520" cy="459000"/>
           </a:xfrm>
           <a:prstGeom prst="rect">
             <a:avLst/>
@@ -6305,7 +6305,7 @@
             <a:noAutofit/>
           </a:bodyPr>
           <a:p>
-            <a:pPr marL="343080" indent="-340200" algn="r">
+            <a:pPr marL="343080" indent="-339840" algn="r">
               <a:lnSpc>
                 <a:spcPct val="100000"/>
               </a:lnSpc>
@@ -6335,7 +6335,7 @@
         <p:spPr>
           <a:xfrm>
             <a:off x="516960" y="2133720"/>
-            <a:ext cx="7003080" cy="3730680"/>
+            <a:ext cx="7002720" cy="3730320"/>
           </a:xfrm>
           <a:prstGeom prst="rect">
             <a:avLst/>
@@ -6356,7 +6356,7 @@
             <a:noAutofit/>
           </a:bodyPr>
           <a:p>
-            <a:pPr marL="285840" indent="-284400" algn="just">
+            <a:pPr marL="285840" indent="-284040" algn="just">
               <a:lnSpc>
                 <a:spcPct val="100000"/>
               </a:lnSpc>
@@ -6391,7 +6391,7 @@
             </a:endParaRPr>
           </a:p>
           <a:p>
-            <a:pPr marL="285840" indent="-284400" algn="just">
+            <a:pPr marL="285840" indent="-284040" algn="just">
               <a:lnSpc>
                 <a:spcPct val="100000"/>
               </a:lnSpc>
@@ -6426,7 +6426,7 @@
             </a:endParaRPr>
           </a:p>
           <a:p>
-            <a:pPr marL="285840" indent="-284400" algn="just">
+            <a:pPr marL="285840" indent="-284040" algn="just">
               <a:lnSpc>
                 <a:spcPct val="100000"/>
               </a:lnSpc>
@@ -6461,7 +6461,7 @@
             </a:endParaRPr>
           </a:p>
           <a:p>
-            <a:pPr marL="285840" indent="-284400" algn="just">
+            <a:pPr marL="285840" indent="-284040" algn="just">
               <a:lnSpc>
                 <a:spcPct val="100000"/>
               </a:lnSpc>
@@ -6526,7 +6526,7 @@
         <p:spPr>
           <a:xfrm>
             <a:off x="1523880" y="1581120"/>
-            <a:ext cx="7617600" cy="34200"/>
+            <a:ext cx="7617240" cy="33840"/>
           </a:xfrm>
           <a:prstGeom prst="rect">
             <a:avLst/>
@@ -6554,7 +6554,7 @@
         <p:spPr>
           <a:xfrm>
             <a:off x="1371600" y="1143000"/>
-            <a:ext cx="7769880" cy="459360"/>
+            <a:ext cx="7769520" cy="459000"/>
           </a:xfrm>
           <a:prstGeom prst="rect">
             <a:avLst/>
@@ -6575,7 +6575,7 @@
             <a:noAutofit/>
           </a:bodyPr>
           <a:p>
-            <a:pPr marL="343080" indent="-340200" algn="r">
+            <a:pPr marL="343080" indent="-339840" algn="r">
               <a:lnSpc>
                 <a:spcPct val="100000"/>
               </a:lnSpc>
@@ -6605,7 +6605,7 @@
         <p:spPr>
           <a:xfrm>
             <a:off x="590760" y="1989360"/>
-            <a:ext cx="7531200" cy="4662360"/>
+            <a:ext cx="7530840" cy="4662000"/>
           </a:xfrm>
           <a:prstGeom prst="rect">
             <a:avLst/>
@@ -6686,7 +6686,7 @@
             </a:endParaRPr>
           </a:p>
           <a:p>
-            <a:pPr marL="286560" indent="-284400">
+            <a:pPr marL="286560" indent="-284040">
               <a:lnSpc>
                 <a:spcPct val="150000"/>
               </a:lnSpc>
@@ -6711,7 +6711,7 @@
             </a:endParaRPr>
           </a:p>
           <a:p>
-            <a:pPr marL="286560" indent="-284400">
+            <a:pPr marL="286560" indent="-284040">
               <a:lnSpc>
                 <a:spcPct val="150000"/>
               </a:lnSpc>
@@ -6756,7 +6756,7 @@
             </a:endParaRPr>
           </a:p>
           <a:p>
-            <a:pPr marL="286560" indent="-284400">
+            <a:pPr marL="286560" indent="-284040">
               <a:lnSpc>
                 <a:spcPct val="150000"/>
               </a:lnSpc>
@@ -6832,7 +6832,7 @@
         <p:spPr>
           <a:xfrm>
             <a:off x="1523880" y="1581120"/>
-            <a:ext cx="7617600" cy="34200"/>
+            <a:ext cx="7617240" cy="33840"/>
           </a:xfrm>
           <a:prstGeom prst="rect">
             <a:avLst/>
@@ -6860,7 +6860,7 @@
         <p:spPr>
           <a:xfrm>
             <a:off x="1371600" y="1143000"/>
-            <a:ext cx="7769880" cy="459360"/>
+            <a:ext cx="7769520" cy="459000"/>
           </a:xfrm>
           <a:prstGeom prst="rect">
             <a:avLst/>
@@ -6881,7 +6881,7 @@
             <a:noAutofit/>
           </a:bodyPr>
           <a:p>
-            <a:pPr marL="343080" indent="-340200" algn="r">
+            <a:pPr marL="343080" indent="-339840" algn="r">
               <a:lnSpc>
                 <a:spcPct val="100000"/>
               </a:lnSpc>
@@ -6911,7 +6911,7 @@
         <p:spPr>
           <a:xfrm>
             <a:off x="590760" y="1791360"/>
-            <a:ext cx="7003080" cy="3678840"/>
+            <a:ext cx="7002720" cy="3678480"/>
           </a:xfrm>
           <a:prstGeom prst="rect">
             <a:avLst/>
@@ -6952,7 +6952,7 @@
             </a:endParaRPr>
           </a:p>
           <a:p>
-            <a:pPr marL="286560" indent="-284400">
+            <a:pPr marL="286560" indent="-284040">
               <a:lnSpc>
                 <a:spcPct val="150000"/>
               </a:lnSpc>
@@ -6977,7 +6977,7 @@
             </a:endParaRPr>
           </a:p>
           <a:p>
-            <a:pPr marL="286560" indent="-284400">
+            <a:pPr marL="286560" indent="-284040">
               <a:lnSpc>
                 <a:spcPct val="150000"/>
               </a:lnSpc>
@@ -7002,7 +7002,7 @@
             </a:endParaRPr>
           </a:p>
           <a:p>
-            <a:pPr marL="286560" indent="-284400">
+            <a:pPr marL="286560" indent="-284040">
               <a:lnSpc>
                 <a:spcPct val="150000"/>
               </a:lnSpc>
@@ -7067,7 +7067,7 @@
         <p:spPr>
           <a:xfrm>
             <a:off x="1523880" y="1581120"/>
-            <a:ext cx="7617600" cy="33840"/>
+            <a:ext cx="7617240" cy="33480"/>
           </a:xfrm>
           <a:prstGeom prst="rect">
             <a:avLst/>
@@ -7095,7 +7095,7 @@
         <p:spPr>
           <a:xfrm>
             <a:off x="1371600" y="1143000"/>
-            <a:ext cx="7769880" cy="459000"/>
+            <a:ext cx="7769520" cy="458640"/>
           </a:xfrm>
           <a:prstGeom prst="rect">
             <a:avLst/>
@@ -7116,7 +7116,7 @@
             <a:noAutofit/>
           </a:bodyPr>
           <a:p>
-            <a:pPr marL="343080" indent="-340200" algn="r">
+            <a:pPr marL="343080" indent="-339840" algn="r">
               <a:lnSpc>
                 <a:spcPct val="100000"/>
               </a:lnSpc>
@@ -7146,7 +7146,7 @@
         <p:spPr>
           <a:xfrm>
             <a:off x="505800" y="1617840"/>
-            <a:ext cx="6865920" cy="4756320"/>
+            <a:ext cx="6865560" cy="4755960"/>
           </a:xfrm>
           <a:prstGeom prst="rect">
             <a:avLst/>
@@ -7176,7 +7176,7 @@
         <p:spPr>
           <a:xfrm>
             <a:off x="288000" y="1900800"/>
-            <a:ext cx="7140240" cy="4578120"/>
+            <a:ext cx="7139880" cy="4577760"/>
           </a:xfrm>
           <a:prstGeom prst="rect">
             <a:avLst/>
